--- a/Стасик/Презентация диплома Костюк С. В. БПЦ 21-01.pptx
+++ b/Стасик/Презентация диплома Костюк С. В. БПЦ 21-01.pptx
@@ -16,17 +16,17 @@
     <p:sldId id="454" r:id="rId4"/>
     <p:sldId id="438" r:id="rId5"/>
     <p:sldId id="439" r:id="rId6"/>
-    <p:sldId id="455" r:id="rId7"/>
-    <p:sldId id="456" r:id="rId8"/>
-    <p:sldId id="457" r:id="rId9"/>
+    <p:sldId id="461" r:id="rId7"/>
+    <p:sldId id="462" r:id="rId8"/>
+    <p:sldId id="463" r:id="rId9"/>
     <p:sldId id="440" r:id="rId10"/>
     <p:sldId id="451" r:id="rId11"/>
     <p:sldId id="441" r:id="rId12"/>
     <p:sldId id="447" r:id="rId13"/>
-    <p:sldId id="458" r:id="rId14"/>
-    <p:sldId id="460" r:id="rId15"/>
+    <p:sldId id="464" r:id="rId14"/>
+    <p:sldId id="465" r:id="rId15"/>
     <p:sldId id="448" r:id="rId16"/>
-    <p:sldId id="459" r:id="rId17"/>
+    <p:sldId id="466" r:id="rId17"/>
     <p:sldId id="437" r:id="rId18"/>
   </p:sldIdLst>
   <p:sldSz cx="9906000" cy="6858000" type="A4"/>
@@ -166,17 +166,17 @@
             <p14:sldId id="454"/>
             <p14:sldId id="438"/>
             <p14:sldId id="439"/>
-            <p14:sldId id="455"/>
-            <p14:sldId id="456"/>
-            <p14:sldId id="457"/>
+            <p14:sldId id="461"/>
+            <p14:sldId id="462"/>
+            <p14:sldId id="463"/>
             <p14:sldId id="440"/>
             <p14:sldId id="451"/>
             <p14:sldId id="441"/>
             <p14:sldId id="447"/>
-            <p14:sldId id="458"/>
-            <p14:sldId id="460"/>
+            <p14:sldId id="464"/>
+            <p14:sldId id="465"/>
             <p14:sldId id="448"/>
-            <p14:sldId id="459"/>
+            <p14:sldId id="466"/>
             <p14:sldId id="437"/>
           </p14:sldIdLst>
         </p14:section>
@@ -351,7 +351,7 @@
               <a:pPr>
                 <a:defRPr/>
               </a:pPr>
-              <a:t>6/1/2025</a:t>
+              <a:t>6/4/2025</a:t>
             </a:fld>
             <a:endParaRPr lang="en-US"/>
           </a:p>
@@ -585,7 +585,7 @@
               <a:pPr>
                 <a:defRPr/>
               </a:pPr>
-              <a:t>01.06.2025</a:t>
+              <a:t>04.06.2025</a:t>
             </a:fld>
             <a:endParaRPr lang="ru-RU"/>
           </a:p>
@@ -1201,6 +1201,1266 @@
       </p:grpSpPr>
       <p:sp>
         <p:nvSpPr>
+          <p:cNvPr id="25602" name="Образ слайда 1"/>
+          <p:cNvSpPr>
+            <a:spLocks noGrp="1" noRot="1" noChangeAspect="1" noTextEdit="1"/>
+          </p:cNvSpPr>
+          <p:nvPr>
+            <p:ph type="sldImg"/>
+          </p:nvPr>
+        </p:nvSpPr>
+        <p:spPr bwMode="auto">
+          <a:noFill/>
+          <a:ln>
+            <a:solidFill>
+              <a:srgbClr val="000000"/>
+            </a:solidFill>
+            <a:miter lim="800000"/>
+            <a:headEnd/>
+            <a:tailEnd/>
+          </a:ln>
+          <a:extLst>
+            <a:ext uri="{909E8E84-426E-40DD-AFC4-6F175D3DCCD1}">
+              <a14:hiddenFill xmlns:a14="http://schemas.microsoft.com/office/drawing/2010/main">
+                <a:solidFill>
+                  <a:srgbClr val="FFFFFF"/>
+                </a:solidFill>
+              </a14:hiddenFill>
+            </a:ext>
+          </a:extLst>
+        </p:spPr>
+      </p:sp>
+      <p:sp>
+        <p:nvSpPr>
+          <p:cNvPr id="25603" name="Заметки 2"/>
+          <p:cNvSpPr>
+            <a:spLocks noGrp="1"/>
+          </p:cNvSpPr>
+          <p:nvPr>
+            <p:ph type="body" idx="1"/>
+          </p:nvPr>
+        </p:nvSpPr>
+        <p:spPr bwMode="auto">
+          <a:noFill/>
+          <a:extLst>
+            <a:ext uri="{909E8E84-426E-40DD-AFC4-6F175D3DCCD1}">
+              <a14:hiddenFill xmlns:a14="http://schemas.microsoft.com/office/drawing/2010/main">
+                <a:solidFill>
+                  <a:srgbClr val="FFFFFF"/>
+                </a:solidFill>
+              </a14:hiddenFill>
+            </a:ext>
+            <a:ext uri="{91240B29-F687-4F45-9708-019B960494DF}">
+              <a14:hiddenLine xmlns:a14="http://schemas.microsoft.com/office/drawing/2010/main" w="9525">
+                <a:solidFill>
+                  <a:srgbClr val="000000"/>
+                </a:solidFill>
+                <a:miter lim="800000"/>
+                <a:headEnd/>
+                <a:tailEnd/>
+              </a14:hiddenLine>
+            </a:ext>
+          </a:extLst>
+        </p:spPr>
+        <p:txBody>
+          <a:bodyPr/>
+          <a:lstStyle/>
+          <a:p>
+            <a:endParaRPr lang="ru-RU" altLang="ru-RU">
+              <a:latin typeface="Calibri" panose="020F0502020204030204" pitchFamily="34" charset="0"/>
+              <a:cs typeface="Arial" panose="020B0604020202020204" pitchFamily="34" charset="0"/>
+            </a:endParaRPr>
+          </a:p>
+        </p:txBody>
+      </p:sp>
+      <p:sp>
+        <p:nvSpPr>
+          <p:cNvPr id="25604" name="Номер слайда 3"/>
+          <p:cNvSpPr>
+            <a:spLocks noGrp="1"/>
+          </p:cNvSpPr>
+          <p:nvPr>
+            <p:ph type="sldNum" sz="quarter" idx="5"/>
+          </p:nvPr>
+        </p:nvSpPr>
+        <p:spPr bwMode="auto">
+          <a:noFill/>
+          <a:extLst>
+            <a:ext uri="{909E8E84-426E-40DD-AFC4-6F175D3DCCD1}">
+              <a14:hiddenFill xmlns:a14="http://schemas.microsoft.com/office/drawing/2010/main">
+                <a:solidFill>
+                  <a:srgbClr val="FFFFFF"/>
+                </a:solidFill>
+              </a14:hiddenFill>
+            </a:ext>
+            <a:ext uri="{91240B29-F687-4F45-9708-019B960494DF}">
+              <a14:hiddenLine xmlns:a14="http://schemas.microsoft.com/office/drawing/2010/main" w="9525">
+                <a:solidFill>
+                  <a:srgbClr val="000000"/>
+                </a:solidFill>
+                <a:miter lim="800000"/>
+                <a:headEnd/>
+                <a:tailEnd/>
+              </a14:hiddenLine>
+            </a:ext>
+          </a:extLst>
+        </p:spPr>
+        <p:txBody>
+          <a:bodyPr/>
+          <a:lstStyle>
+            <a:lvl1pPr>
+              <a:defRPr kumimoji="1" sz="2400">
+                <a:solidFill>
+                  <a:schemeClr val="tx1"/>
+                </a:solidFill>
+                <a:latin typeface="Calibri" panose="020F0502020204030204" pitchFamily="34" charset="0"/>
+                <a:cs typeface="Arial" panose="020B0604020202020204" pitchFamily="34" charset="0"/>
+              </a:defRPr>
+            </a:lvl1pPr>
+            <a:lvl2pPr marL="742950" indent="-285750">
+              <a:defRPr kumimoji="1" sz="2400">
+                <a:solidFill>
+                  <a:schemeClr val="tx1"/>
+                </a:solidFill>
+                <a:latin typeface="Calibri" panose="020F0502020204030204" pitchFamily="34" charset="0"/>
+                <a:cs typeface="Arial" panose="020B0604020202020204" pitchFamily="34" charset="0"/>
+              </a:defRPr>
+            </a:lvl2pPr>
+            <a:lvl3pPr marL="1143000" indent="-228600">
+              <a:defRPr kumimoji="1" sz="2400">
+                <a:solidFill>
+                  <a:schemeClr val="tx1"/>
+                </a:solidFill>
+                <a:latin typeface="Calibri" panose="020F0502020204030204" pitchFamily="34" charset="0"/>
+                <a:cs typeface="Arial" panose="020B0604020202020204" pitchFamily="34" charset="0"/>
+              </a:defRPr>
+            </a:lvl3pPr>
+            <a:lvl4pPr marL="1600200" indent="-228600">
+              <a:defRPr kumimoji="1" sz="2400">
+                <a:solidFill>
+                  <a:schemeClr val="tx1"/>
+                </a:solidFill>
+                <a:latin typeface="Calibri" panose="020F0502020204030204" pitchFamily="34" charset="0"/>
+                <a:cs typeface="Arial" panose="020B0604020202020204" pitchFamily="34" charset="0"/>
+              </a:defRPr>
+            </a:lvl4pPr>
+            <a:lvl5pPr marL="2057400" indent="-228600">
+              <a:defRPr kumimoji="1" sz="2400">
+                <a:solidFill>
+                  <a:schemeClr val="tx1"/>
+                </a:solidFill>
+                <a:latin typeface="Calibri" panose="020F0502020204030204" pitchFamily="34" charset="0"/>
+                <a:cs typeface="Arial" panose="020B0604020202020204" pitchFamily="34" charset="0"/>
+              </a:defRPr>
+            </a:lvl5pPr>
+            <a:lvl6pPr marL="2514600" indent="-228600" eaLnBrk="0" fontAlgn="base" hangingPunct="0">
+              <a:spcBef>
+                <a:spcPct val="0"/>
+              </a:spcBef>
+              <a:spcAft>
+                <a:spcPct val="0"/>
+              </a:spcAft>
+              <a:defRPr kumimoji="1" sz="2400">
+                <a:solidFill>
+                  <a:schemeClr val="tx1"/>
+                </a:solidFill>
+                <a:latin typeface="Calibri" panose="020F0502020204030204" pitchFamily="34" charset="0"/>
+                <a:cs typeface="Arial" panose="020B0604020202020204" pitchFamily="34" charset="0"/>
+              </a:defRPr>
+            </a:lvl6pPr>
+            <a:lvl7pPr marL="2971800" indent="-228600" eaLnBrk="0" fontAlgn="base" hangingPunct="0">
+              <a:spcBef>
+                <a:spcPct val="0"/>
+              </a:spcBef>
+              <a:spcAft>
+                <a:spcPct val="0"/>
+              </a:spcAft>
+              <a:defRPr kumimoji="1" sz="2400">
+                <a:solidFill>
+                  <a:schemeClr val="tx1"/>
+                </a:solidFill>
+                <a:latin typeface="Calibri" panose="020F0502020204030204" pitchFamily="34" charset="0"/>
+                <a:cs typeface="Arial" panose="020B0604020202020204" pitchFamily="34" charset="0"/>
+              </a:defRPr>
+            </a:lvl7pPr>
+            <a:lvl8pPr marL="3429000" indent="-228600" eaLnBrk="0" fontAlgn="base" hangingPunct="0">
+              <a:spcBef>
+                <a:spcPct val="0"/>
+              </a:spcBef>
+              <a:spcAft>
+                <a:spcPct val="0"/>
+              </a:spcAft>
+              <a:defRPr kumimoji="1" sz="2400">
+                <a:solidFill>
+                  <a:schemeClr val="tx1"/>
+                </a:solidFill>
+                <a:latin typeface="Calibri" panose="020F0502020204030204" pitchFamily="34" charset="0"/>
+                <a:cs typeface="Arial" panose="020B0604020202020204" pitchFamily="34" charset="0"/>
+              </a:defRPr>
+            </a:lvl8pPr>
+            <a:lvl9pPr marL="3886200" indent="-228600" eaLnBrk="0" fontAlgn="base" hangingPunct="0">
+              <a:spcBef>
+                <a:spcPct val="0"/>
+              </a:spcBef>
+              <a:spcAft>
+                <a:spcPct val="0"/>
+              </a:spcAft>
+              <a:defRPr kumimoji="1" sz="2400">
+                <a:solidFill>
+                  <a:schemeClr val="tx1"/>
+                </a:solidFill>
+                <a:latin typeface="Calibri" panose="020F0502020204030204" pitchFamily="34" charset="0"/>
+                <a:cs typeface="Arial" panose="020B0604020202020204" pitchFamily="34" charset="0"/>
+              </a:defRPr>
+            </a:lvl9pPr>
+          </a:lstStyle>
+          <a:p>
+            <a:fld id="{775087E4-01A1-41D6-9E24-529B58CE3AB7}" type="slidenum">
+              <a:rPr kumimoji="0" lang="ru-RU" altLang="ru-RU" sz="1600"/>
+              <a:pPr/>
+              <a:t>10</a:t>
+            </a:fld>
+            <a:endParaRPr kumimoji="0" lang="ru-RU" altLang="ru-RU" sz="1600"/>
+          </a:p>
+        </p:txBody>
+      </p:sp>
+    </p:spTree>
+  </p:cSld>
+  <p:clrMapOvr>
+    <a:masterClrMapping/>
+  </p:clrMapOvr>
+</p:notes>
+</file>
+
+<file path=ppt/notesSlides/notesSlide11.xml><?xml version="1.0" encoding="utf-8"?>
+<p:notes xmlns:a="http://schemas.openxmlformats.org/drawingml/2006/main" xmlns:r="http://schemas.openxmlformats.org/officeDocument/2006/relationships" xmlns:p="http://schemas.openxmlformats.org/presentationml/2006/main">
+  <p:cSld>
+    <p:spTree>
+      <p:nvGrpSpPr>
+        <p:cNvPr id="1" name=""/>
+        <p:cNvGrpSpPr/>
+        <p:nvPr/>
+      </p:nvGrpSpPr>
+      <p:grpSpPr>
+        <a:xfrm>
+          <a:off x="0" y="0"/>
+          <a:ext cx="0" cy="0"/>
+          <a:chOff x="0" y="0"/>
+          <a:chExt cx="0" cy="0"/>
+        </a:xfrm>
+      </p:grpSpPr>
+      <p:sp>
+        <p:nvSpPr>
+          <p:cNvPr id="27650" name="Образ слайда 1"/>
+          <p:cNvSpPr>
+            <a:spLocks noGrp="1" noRot="1" noChangeAspect="1" noTextEdit="1"/>
+          </p:cNvSpPr>
+          <p:nvPr>
+            <p:ph type="sldImg"/>
+          </p:nvPr>
+        </p:nvSpPr>
+        <p:spPr bwMode="auto">
+          <a:noFill/>
+          <a:ln>
+            <a:solidFill>
+              <a:srgbClr val="000000"/>
+            </a:solidFill>
+            <a:miter lim="800000"/>
+            <a:headEnd/>
+            <a:tailEnd/>
+          </a:ln>
+          <a:extLst>
+            <a:ext uri="{909E8E84-426E-40DD-AFC4-6F175D3DCCD1}">
+              <a14:hiddenFill xmlns:a14="http://schemas.microsoft.com/office/drawing/2010/main">
+                <a:solidFill>
+                  <a:srgbClr val="FFFFFF"/>
+                </a:solidFill>
+              </a14:hiddenFill>
+            </a:ext>
+          </a:extLst>
+        </p:spPr>
+      </p:sp>
+      <p:sp>
+        <p:nvSpPr>
+          <p:cNvPr id="27651" name="Заметки 2"/>
+          <p:cNvSpPr>
+            <a:spLocks noGrp="1"/>
+          </p:cNvSpPr>
+          <p:nvPr>
+            <p:ph type="body" idx="1"/>
+          </p:nvPr>
+        </p:nvSpPr>
+        <p:spPr bwMode="auto">
+          <a:noFill/>
+          <a:extLst>
+            <a:ext uri="{909E8E84-426E-40DD-AFC4-6F175D3DCCD1}">
+              <a14:hiddenFill xmlns:a14="http://schemas.microsoft.com/office/drawing/2010/main">
+                <a:solidFill>
+                  <a:srgbClr val="FFFFFF"/>
+                </a:solidFill>
+              </a14:hiddenFill>
+            </a:ext>
+            <a:ext uri="{91240B29-F687-4F45-9708-019B960494DF}">
+              <a14:hiddenLine xmlns:a14="http://schemas.microsoft.com/office/drawing/2010/main" w="9525">
+                <a:solidFill>
+                  <a:srgbClr val="000000"/>
+                </a:solidFill>
+                <a:miter lim="800000"/>
+                <a:headEnd/>
+                <a:tailEnd/>
+              </a14:hiddenLine>
+            </a:ext>
+          </a:extLst>
+        </p:spPr>
+        <p:txBody>
+          <a:bodyPr/>
+          <a:lstStyle/>
+          <a:p>
+            <a:endParaRPr lang="ru-RU" altLang="ru-RU">
+              <a:latin typeface="Calibri" panose="020F0502020204030204" pitchFamily="34" charset="0"/>
+              <a:cs typeface="Arial" panose="020B0604020202020204" pitchFamily="34" charset="0"/>
+            </a:endParaRPr>
+          </a:p>
+        </p:txBody>
+      </p:sp>
+      <p:sp>
+        <p:nvSpPr>
+          <p:cNvPr id="27652" name="Номер слайда 3"/>
+          <p:cNvSpPr>
+            <a:spLocks noGrp="1"/>
+          </p:cNvSpPr>
+          <p:nvPr>
+            <p:ph type="sldNum" sz="quarter" idx="5"/>
+          </p:nvPr>
+        </p:nvSpPr>
+        <p:spPr bwMode="auto">
+          <a:noFill/>
+          <a:extLst>
+            <a:ext uri="{909E8E84-426E-40DD-AFC4-6F175D3DCCD1}">
+              <a14:hiddenFill xmlns:a14="http://schemas.microsoft.com/office/drawing/2010/main">
+                <a:solidFill>
+                  <a:srgbClr val="FFFFFF"/>
+                </a:solidFill>
+              </a14:hiddenFill>
+            </a:ext>
+            <a:ext uri="{91240B29-F687-4F45-9708-019B960494DF}">
+              <a14:hiddenLine xmlns:a14="http://schemas.microsoft.com/office/drawing/2010/main" w="9525">
+                <a:solidFill>
+                  <a:srgbClr val="000000"/>
+                </a:solidFill>
+                <a:miter lim="800000"/>
+                <a:headEnd/>
+                <a:tailEnd/>
+              </a14:hiddenLine>
+            </a:ext>
+          </a:extLst>
+        </p:spPr>
+        <p:txBody>
+          <a:bodyPr/>
+          <a:lstStyle>
+            <a:lvl1pPr>
+              <a:defRPr kumimoji="1" sz="2400">
+                <a:solidFill>
+                  <a:schemeClr val="tx1"/>
+                </a:solidFill>
+                <a:latin typeface="Calibri" panose="020F0502020204030204" pitchFamily="34" charset="0"/>
+                <a:cs typeface="Arial" panose="020B0604020202020204" pitchFamily="34" charset="0"/>
+              </a:defRPr>
+            </a:lvl1pPr>
+            <a:lvl2pPr marL="742950" indent="-285750">
+              <a:defRPr kumimoji="1" sz="2400">
+                <a:solidFill>
+                  <a:schemeClr val="tx1"/>
+                </a:solidFill>
+                <a:latin typeface="Calibri" panose="020F0502020204030204" pitchFamily="34" charset="0"/>
+                <a:cs typeface="Arial" panose="020B0604020202020204" pitchFamily="34" charset="0"/>
+              </a:defRPr>
+            </a:lvl2pPr>
+            <a:lvl3pPr marL="1143000" indent="-228600">
+              <a:defRPr kumimoji="1" sz="2400">
+                <a:solidFill>
+                  <a:schemeClr val="tx1"/>
+                </a:solidFill>
+                <a:latin typeface="Calibri" panose="020F0502020204030204" pitchFamily="34" charset="0"/>
+                <a:cs typeface="Arial" panose="020B0604020202020204" pitchFamily="34" charset="0"/>
+              </a:defRPr>
+            </a:lvl3pPr>
+            <a:lvl4pPr marL="1600200" indent="-228600">
+              <a:defRPr kumimoji="1" sz="2400">
+                <a:solidFill>
+                  <a:schemeClr val="tx1"/>
+                </a:solidFill>
+                <a:latin typeface="Calibri" panose="020F0502020204030204" pitchFamily="34" charset="0"/>
+                <a:cs typeface="Arial" panose="020B0604020202020204" pitchFamily="34" charset="0"/>
+              </a:defRPr>
+            </a:lvl4pPr>
+            <a:lvl5pPr marL="2057400" indent="-228600">
+              <a:defRPr kumimoji="1" sz="2400">
+                <a:solidFill>
+                  <a:schemeClr val="tx1"/>
+                </a:solidFill>
+                <a:latin typeface="Calibri" panose="020F0502020204030204" pitchFamily="34" charset="0"/>
+                <a:cs typeface="Arial" panose="020B0604020202020204" pitchFamily="34" charset="0"/>
+              </a:defRPr>
+            </a:lvl5pPr>
+            <a:lvl6pPr marL="2514600" indent="-228600" eaLnBrk="0" fontAlgn="base" hangingPunct="0">
+              <a:spcBef>
+                <a:spcPct val="0"/>
+              </a:spcBef>
+              <a:spcAft>
+                <a:spcPct val="0"/>
+              </a:spcAft>
+              <a:defRPr kumimoji="1" sz="2400">
+                <a:solidFill>
+                  <a:schemeClr val="tx1"/>
+                </a:solidFill>
+                <a:latin typeface="Calibri" panose="020F0502020204030204" pitchFamily="34" charset="0"/>
+                <a:cs typeface="Arial" panose="020B0604020202020204" pitchFamily="34" charset="0"/>
+              </a:defRPr>
+            </a:lvl6pPr>
+            <a:lvl7pPr marL="2971800" indent="-228600" eaLnBrk="0" fontAlgn="base" hangingPunct="0">
+              <a:spcBef>
+                <a:spcPct val="0"/>
+              </a:spcBef>
+              <a:spcAft>
+                <a:spcPct val="0"/>
+              </a:spcAft>
+              <a:defRPr kumimoji="1" sz="2400">
+                <a:solidFill>
+                  <a:schemeClr val="tx1"/>
+                </a:solidFill>
+                <a:latin typeface="Calibri" panose="020F0502020204030204" pitchFamily="34" charset="0"/>
+                <a:cs typeface="Arial" panose="020B0604020202020204" pitchFamily="34" charset="0"/>
+              </a:defRPr>
+            </a:lvl7pPr>
+            <a:lvl8pPr marL="3429000" indent="-228600" eaLnBrk="0" fontAlgn="base" hangingPunct="0">
+              <a:spcBef>
+                <a:spcPct val="0"/>
+              </a:spcBef>
+              <a:spcAft>
+                <a:spcPct val="0"/>
+              </a:spcAft>
+              <a:defRPr kumimoji="1" sz="2400">
+                <a:solidFill>
+                  <a:schemeClr val="tx1"/>
+                </a:solidFill>
+                <a:latin typeface="Calibri" panose="020F0502020204030204" pitchFamily="34" charset="0"/>
+                <a:cs typeface="Arial" panose="020B0604020202020204" pitchFamily="34" charset="0"/>
+              </a:defRPr>
+            </a:lvl8pPr>
+            <a:lvl9pPr marL="3886200" indent="-228600" eaLnBrk="0" fontAlgn="base" hangingPunct="0">
+              <a:spcBef>
+                <a:spcPct val="0"/>
+              </a:spcBef>
+              <a:spcAft>
+                <a:spcPct val="0"/>
+              </a:spcAft>
+              <a:defRPr kumimoji="1" sz="2400">
+                <a:solidFill>
+                  <a:schemeClr val="tx1"/>
+                </a:solidFill>
+                <a:latin typeface="Calibri" panose="020F0502020204030204" pitchFamily="34" charset="0"/>
+                <a:cs typeface="Arial" panose="020B0604020202020204" pitchFamily="34" charset="0"/>
+              </a:defRPr>
+            </a:lvl9pPr>
+          </a:lstStyle>
+          <a:p>
+            <a:fld id="{3587BBB1-AC52-48D8-A2A2-72AD755A9D33}" type="slidenum">
+              <a:rPr kumimoji="0" lang="ru-RU" altLang="ru-RU" sz="1600"/>
+              <a:pPr/>
+              <a:t>11</a:t>
+            </a:fld>
+            <a:endParaRPr kumimoji="0" lang="ru-RU" altLang="ru-RU" sz="1600"/>
+          </a:p>
+        </p:txBody>
+      </p:sp>
+    </p:spTree>
+  </p:cSld>
+  <p:clrMapOvr>
+    <a:masterClrMapping/>
+  </p:clrMapOvr>
+</p:notes>
+</file>
+
+<file path=ppt/notesSlides/notesSlide12.xml><?xml version="1.0" encoding="utf-8"?>
+<p:notes xmlns:a="http://schemas.openxmlformats.org/drawingml/2006/main" xmlns:r="http://schemas.openxmlformats.org/officeDocument/2006/relationships" xmlns:p="http://schemas.openxmlformats.org/presentationml/2006/main">
+  <p:cSld>
+    <p:spTree>
+      <p:nvGrpSpPr>
+        <p:cNvPr id="1" name=""/>
+        <p:cNvGrpSpPr/>
+        <p:nvPr/>
+      </p:nvGrpSpPr>
+      <p:grpSpPr>
+        <a:xfrm>
+          <a:off x="0" y="0"/>
+          <a:ext cx="0" cy="0"/>
+          <a:chOff x="0" y="0"/>
+          <a:chExt cx="0" cy="0"/>
+        </a:xfrm>
+      </p:grpSpPr>
+      <p:sp>
+        <p:nvSpPr>
+          <p:cNvPr id="41986" name="Образ слайда 1"/>
+          <p:cNvSpPr>
+            <a:spLocks noGrp="1" noRot="1" noChangeAspect="1" noTextEdit="1"/>
+          </p:cNvSpPr>
+          <p:nvPr>
+            <p:ph type="sldImg"/>
+          </p:nvPr>
+        </p:nvSpPr>
+        <p:spPr bwMode="auto">
+          <a:noFill/>
+          <a:ln>
+            <a:solidFill>
+              <a:srgbClr val="000000"/>
+            </a:solidFill>
+            <a:miter lim="800000"/>
+            <a:headEnd/>
+            <a:tailEnd/>
+          </a:ln>
+          <a:extLst>
+            <a:ext uri="{909E8E84-426E-40DD-AFC4-6F175D3DCCD1}">
+              <a14:hiddenFill xmlns:a14="http://schemas.microsoft.com/office/drawing/2010/main">
+                <a:solidFill>
+                  <a:srgbClr val="FFFFFF"/>
+                </a:solidFill>
+              </a14:hiddenFill>
+            </a:ext>
+          </a:extLst>
+        </p:spPr>
+      </p:sp>
+      <p:sp>
+        <p:nvSpPr>
+          <p:cNvPr id="41987" name="Заметки 2"/>
+          <p:cNvSpPr>
+            <a:spLocks noGrp="1"/>
+          </p:cNvSpPr>
+          <p:nvPr>
+            <p:ph type="body" idx="1"/>
+          </p:nvPr>
+        </p:nvSpPr>
+        <p:spPr bwMode="auto">
+          <a:noFill/>
+          <a:extLst>
+            <a:ext uri="{909E8E84-426E-40DD-AFC4-6F175D3DCCD1}">
+              <a14:hiddenFill xmlns:a14="http://schemas.microsoft.com/office/drawing/2010/main">
+                <a:solidFill>
+                  <a:srgbClr val="FFFFFF"/>
+                </a:solidFill>
+              </a14:hiddenFill>
+            </a:ext>
+            <a:ext uri="{91240B29-F687-4F45-9708-019B960494DF}">
+              <a14:hiddenLine xmlns:a14="http://schemas.microsoft.com/office/drawing/2010/main" w="9525">
+                <a:solidFill>
+                  <a:srgbClr val="000000"/>
+                </a:solidFill>
+                <a:miter lim="800000"/>
+                <a:headEnd/>
+                <a:tailEnd/>
+              </a14:hiddenLine>
+            </a:ext>
+          </a:extLst>
+        </p:spPr>
+        <p:txBody>
+          <a:bodyPr/>
+          <a:lstStyle/>
+          <a:p>
+            <a:endParaRPr lang="ru-RU" altLang="ru-RU" dirty="0">
+              <a:latin typeface="Calibri" panose="020F0502020204030204" pitchFamily="34" charset="0"/>
+              <a:cs typeface="Arial" panose="020B0604020202020204" pitchFamily="34" charset="0"/>
+            </a:endParaRPr>
+          </a:p>
+        </p:txBody>
+      </p:sp>
+      <p:sp>
+        <p:nvSpPr>
+          <p:cNvPr id="41988" name="Номер слайда 3"/>
+          <p:cNvSpPr>
+            <a:spLocks noGrp="1"/>
+          </p:cNvSpPr>
+          <p:nvPr>
+            <p:ph type="sldNum" sz="quarter" idx="5"/>
+          </p:nvPr>
+        </p:nvSpPr>
+        <p:spPr bwMode="auto">
+          <a:noFill/>
+          <a:extLst>
+            <a:ext uri="{909E8E84-426E-40DD-AFC4-6F175D3DCCD1}">
+              <a14:hiddenFill xmlns:a14="http://schemas.microsoft.com/office/drawing/2010/main">
+                <a:solidFill>
+                  <a:srgbClr val="FFFFFF"/>
+                </a:solidFill>
+              </a14:hiddenFill>
+            </a:ext>
+            <a:ext uri="{91240B29-F687-4F45-9708-019B960494DF}">
+              <a14:hiddenLine xmlns:a14="http://schemas.microsoft.com/office/drawing/2010/main" w="9525">
+                <a:solidFill>
+                  <a:srgbClr val="000000"/>
+                </a:solidFill>
+                <a:miter lim="800000"/>
+                <a:headEnd/>
+                <a:tailEnd/>
+              </a14:hiddenLine>
+            </a:ext>
+          </a:extLst>
+        </p:spPr>
+        <p:txBody>
+          <a:bodyPr/>
+          <a:lstStyle>
+            <a:lvl1pPr>
+              <a:defRPr kumimoji="1" sz="2400">
+                <a:solidFill>
+                  <a:schemeClr val="tx1"/>
+                </a:solidFill>
+                <a:latin typeface="Calibri" panose="020F0502020204030204" pitchFamily="34" charset="0"/>
+                <a:cs typeface="Arial" panose="020B0604020202020204" pitchFamily="34" charset="0"/>
+              </a:defRPr>
+            </a:lvl1pPr>
+            <a:lvl2pPr marL="742950" indent="-285750">
+              <a:defRPr kumimoji="1" sz="2400">
+                <a:solidFill>
+                  <a:schemeClr val="tx1"/>
+                </a:solidFill>
+                <a:latin typeface="Calibri" panose="020F0502020204030204" pitchFamily="34" charset="0"/>
+                <a:cs typeface="Arial" panose="020B0604020202020204" pitchFamily="34" charset="0"/>
+              </a:defRPr>
+            </a:lvl2pPr>
+            <a:lvl3pPr marL="1143000" indent="-228600">
+              <a:defRPr kumimoji="1" sz="2400">
+                <a:solidFill>
+                  <a:schemeClr val="tx1"/>
+                </a:solidFill>
+                <a:latin typeface="Calibri" panose="020F0502020204030204" pitchFamily="34" charset="0"/>
+                <a:cs typeface="Arial" panose="020B0604020202020204" pitchFamily="34" charset="0"/>
+              </a:defRPr>
+            </a:lvl3pPr>
+            <a:lvl4pPr marL="1600200" indent="-228600">
+              <a:defRPr kumimoji="1" sz="2400">
+                <a:solidFill>
+                  <a:schemeClr val="tx1"/>
+                </a:solidFill>
+                <a:latin typeface="Calibri" panose="020F0502020204030204" pitchFamily="34" charset="0"/>
+                <a:cs typeface="Arial" panose="020B0604020202020204" pitchFamily="34" charset="0"/>
+              </a:defRPr>
+            </a:lvl4pPr>
+            <a:lvl5pPr marL="2057400" indent="-228600">
+              <a:defRPr kumimoji="1" sz="2400">
+                <a:solidFill>
+                  <a:schemeClr val="tx1"/>
+                </a:solidFill>
+                <a:latin typeface="Calibri" panose="020F0502020204030204" pitchFamily="34" charset="0"/>
+                <a:cs typeface="Arial" panose="020B0604020202020204" pitchFamily="34" charset="0"/>
+              </a:defRPr>
+            </a:lvl5pPr>
+            <a:lvl6pPr marL="2514600" indent="-228600" eaLnBrk="0" fontAlgn="base" hangingPunct="0">
+              <a:spcBef>
+                <a:spcPct val="0"/>
+              </a:spcBef>
+              <a:spcAft>
+                <a:spcPct val="0"/>
+              </a:spcAft>
+              <a:defRPr kumimoji="1" sz="2400">
+                <a:solidFill>
+                  <a:schemeClr val="tx1"/>
+                </a:solidFill>
+                <a:latin typeface="Calibri" panose="020F0502020204030204" pitchFamily="34" charset="0"/>
+                <a:cs typeface="Arial" panose="020B0604020202020204" pitchFamily="34" charset="0"/>
+              </a:defRPr>
+            </a:lvl6pPr>
+            <a:lvl7pPr marL="2971800" indent="-228600" eaLnBrk="0" fontAlgn="base" hangingPunct="0">
+              <a:spcBef>
+                <a:spcPct val="0"/>
+              </a:spcBef>
+              <a:spcAft>
+                <a:spcPct val="0"/>
+              </a:spcAft>
+              <a:defRPr kumimoji="1" sz="2400">
+                <a:solidFill>
+                  <a:schemeClr val="tx1"/>
+                </a:solidFill>
+                <a:latin typeface="Calibri" panose="020F0502020204030204" pitchFamily="34" charset="0"/>
+                <a:cs typeface="Arial" panose="020B0604020202020204" pitchFamily="34" charset="0"/>
+              </a:defRPr>
+            </a:lvl7pPr>
+            <a:lvl8pPr marL="3429000" indent="-228600" eaLnBrk="0" fontAlgn="base" hangingPunct="0">
+              <a:spcBef>
+                <a:spcPct val="0"/>
+              </a:spcBef>
+              <a:spcAft>
+                <a:spcPct val="0"/>
+              </a:spcAft>
+              <a:defRPr kumimoji="1" sz="2400">
+                <a:solidFill>
+                  <a:schemeClr val="tx1"/>
+                </a:solidFill>
+                <a:latin typeface="Calibri" panose="020F0502020204030204" pitchFamily="34" charset="0"/>
+                <a:cs typeface="Arial" panose="020B0604020202020204" pitchFamily="34" charset="0"/>
+              </a:defRPr>
+            </a:lvl8pPr>
+            <a:lvl9pPr marL="3886200" indent="-228600" eaLnBrk="0" fontAlgn="base" hangingPunct="0">
+              <a:spcBef>
+                <a:spcPct val="0"/>
+              </a:spcBef>
+              <a:spcAft>
+                <a:spcPct val="0"/>
+              </a:spcAft>
+              <a:defRPr kumimoji="1" sz="2400">
+                <a:solidFill>
+                  <a:schemeClr val="tx1"/>
+                </a:solidFill>
+                <a:latin typeface="Calibri" panose="020F0502020204030204" pitchFamily="34" charset="0"/>
+                <a:cs typeface="Arial" panose="020B0604020202020204" pitchFamily="34" charset="0"/>
+              </a:defRPr>
+            </a:lvl9pPr>
+          </a:lstStyle>
+          <a:p>
+            <a:fld id="{36E37D81-8BB4-4A97-ACAA-3CBB2BA785AF}" type="slidenum">
+              <a:rPr kumimoji="0" lang="ru-RU" altLang="ru-RU" sz="1600"/>
+              <a:pPr/>
+              <a:t>12</a:t>
+            </a:fld>
+            <a:endParaRPr kumimoji="0" lang="ru-RU" altLang="ru-RU" sz="1600"/>
+          </a:p>
+        </p:txBody>
+      </p:sp>
+    </p:spTree>
+  </p:cSld>
+  <p:clrMapOvr>
+    <a:masterClrMapping/>
+  </p:clrMapOvr>
+</p:notes>
+</file>
+
+<file path=ppt/notesSlides/notesSlide13.xml><?xml version="1.0" encoding="utf-8"?>
+<p:notes xmlns:a="http://schemas.openxmlformats.org/drawingml/2006/main" xmlns:r="http://schemas.openxmlformats.org/officeDocument/2006/relationships" xmlns:p="http://schemas.openxmlformats.org/presentationml/2006/main">
+  <p:cSld>
+    <p:spTree>
+      <p:nvGrpSpPr>
+        <p:cNvPr id="1" name=""/>
+        <p:cNvGrpSpPr/>
+        <p:nvPr/>
+      </p:nvGrpSpPr>
+      <p:grpSpPr>
+        <a:xfrm>
+          <a:off x="0" y="0"/>
+          <a:ext cx="0" cy="0"/>
+          <a:chOff x="0" y="0"/>
+          <a:chExt cx="0" cy="0"/>
+        </a:xfrm>
+      </p:grpSpPr>
+      <p:sp>
+        <p:nvSpPr>
+          <p:cNvPr id="19458" name="Образ слайда 1"/>
+          <p:cNvSpPr>
+            <a:spLocks noGrp="1" noRot="1" noChangeAspect="1" noTextEdit="1"/>
+          </p:cNvSpPr>
+          <p:nvPr>
+            <p:ph type="sldImg"/>
+          </p:nvPr>
+        </p:nvSpPr>
+        <p:spPr bwMode="auto">
+          <a:noFill/>
+          <a:ln>
+            <a:solidFill>
+              <a:srgbClr val="000000"/>
+            </a:solidFill>
+            <a:miter lim="800000"/>
+            <a:headEnd/>
+            <a:tailEnd/>
+          </a:ln>
+          <a:extLst>
+            <a:ext uri="{909E8E84-426E-40DD-AFC4-6F175D3DCCD1}">
+              <a14:hiddenFill xmlns:a14="http://schemas.microsoft.com/office/drawing/2010/main">
+                <a:solidFill>
+                  <a:srgbClr val="FFFFFF"/>
+                </a:solidFill>
+              </a14:hiddenFill>
+            </a:ext>
+          </a:extLst>
+        </p:spPr>
+      </p:sp>
+      <p:sp>
+        <p:nvSpPr>
+          <p:cNvPr id="19459" name="Заметки 2"/>
+          <p:cNvSpPr>
+            <a:spLocks noGrp="1"/>
+          </p:cNvSpPr>
+          <p:nvPr>
+            <p:ph type="body" idx="1"/>
+          </p:nvPr>
+        </p:nvSpPr>
+        <p:spPr bwMode="auto">
+          <a:noFill/>
+          <a:extLst>
+            <a:ext uri="{909E8E84-426E-40DD-AFC4-6F175D3DCCD1}">
+              <a14:hiddenFill xmlns:a14="http://schemas.microsoft.com/office/drawing/2010/main">
+                <a:solidFill>
+                  <a:srgbClr val="FFFFFF"/>
+                </a:solidFill>
+              </a14:hiddenFill>
+            </a:ext>
+            <a:ext uri="{91240B29-F687-4F45-9708-019B960494DF}">
+              <a14:hiddenLine xmlns:a14="http://schemas.microsoft.com/office/drawing/2010/main" w="9525">
+                <a:solidFill>
+                  <a:srgbClr val="000000"/>
+                </a:solidFill>
+                <a:miter lim="800000"/>
+                <a:headEnd/>
+                <a:tailEnd/>
+              </a14:hiddenLine>
+            </a:ext>
+          </a:extLst>
+        </p:spPr>
+        <p:txBody>
+          <a:bodyPr/>
+          <a:lstStyle/>
+          <a:p>
+            <a:endParaRPr lang="ru-RU" altLang="ru-RU">
+              <a:latin typeface="Calibri" panose="020F0502020204030204" pitchFamily="34" charset="0"/>
+              <a:cs typeface="Arial" panose="020B0604020202020204" pitchFamily="34" charset="0"/>
+            </a:endParaRPr>
+          </a:p>
+        </p:txBody>
+      </p:sp>
+      <p:sp>
+        <p:nvSpPr>
+          <p:cNvPr id="19460" name="Номер слайда 3"/>
+          <p:cNvSpPr>
+            <a:spLocks noGrp="1"/>
+          </p:cNvSpPr>
+          <p:nvPr>
+            <p:ph type="sldNum" sz="quarter" idx="5"/>
+          </p:nvPr>
+        </p:nvSpPr>
+        <p:spPr bwMode="auto">
+          <a:noFill/>
+          <a:extLst>
+            <a:ext uri="{909E8E84-426E-40DD-AFC4-6F175D3DCCD1}">
+              <a14:hiddenFill xmlns:a14="http://schemas.microsoft.com/office/drawing/2010/main">
+                <a:solidFill>
+                  <a:srgbClr val="FFFFFF"/>
+                </a:solidFill>
+              </a14:hiddenFill>
+            </a:ext>
+            <a:ext uri="{91240B29-F687-4F45-9708-019B960494DF}">
+              <a14:hiddenLine xmlns:a14="http://schemas.microsoft.com/office/drawing/2010/main" w="9525">
+                <a:solidFill>
+                  <a:srgbClr val="000000"/>
+                </a:solidFill>
+                <a:miter lim="800000"/>
+                <a:headEnd/>
+                <a:tailEnd/>
+              </a14:hiddenLine>
+            </a:ext>
+          </a:extLst>
+        </p:spPr>
+        <p:txBody>
+          <a:bodyPr/>
+          <a:lstStyle>
+            <a:lvl1pPr>
+              <a:defRPr kumimoji="1" sz="2400">
+                <a:solidFill>
+                  <a:schemeClr val="tx1"/>
+                </a:solidFill>
+                <a:latin typeface="Calibri" panose="020F0502020204030204" pitchFamily="34" charset="0"/>
+                <a:cs typeface="Arial" panose="020B0604020202020204" pitchFamily="34" charset="0"/>
+              </a:defRPr>
+            </a:lvl1pPr>
+            <a:lvl2pPr marL="742950" indent="-285750">
+              <a:defRPr kumimoji="1" sz="2400">
+                <a:solidFill>
+                  <a:schemeClr val="tx1"/>
+                </a:solidFill>
+                <a:latin typeface="Calibri" panose="020F0502020204030204" pitchFamily="34" charset="0"/>
+                <a:cs typeface="Arial" panose="020B0604020202020204" pitchFamily="34" charset="0"/>
+              </a:defRPr>
+            </a:lvl2pPr>
+            <a:lvl3pPr marL="1143000" indent="-228600">
+              <a:defRPr kumimoji="1" sz="2400">
+                <a:solidFill>
+                  <a:schemeClr val="tx1"/>
+                </a:solidFill>
+                <a:latin typeface="Calibri" panose="020F0502020204030204" pitchFamily="34" charset="0"/>
+                <a:cs typeface="Arial" panose="020B0604020202020204" pitchFamily="34" charset="0"/>
+              </a:defRPr>
+            </a:lvl3pPr>
+            <a:lvl4pPr marL="1600200" indent="-228600">
+              <a:defRPr kumimoji="1" sz="2400">
+                <a:solidFill>
+                  <a:schemeClr val="tx1"/>
+                </a:solidFill>
+                <a:latin typeface="Calibri" panose="020F0502020204030204" pitchFamily="34" charset="0"/>
+                <a:cs typeface="Arial" panose="020B0604020202020204" pitchFamily="34" charset="0"/>
+              </a:defRPr>
+            </a:lvl4pPr>
+            <a:lvl5pPr marL="2057400" indent="-228600">
+              <a:defRPr kumimoji="1" sz="2400">
+                <a:solidFill>
+                  <a:schemeClr val="tx1"/>
+                </a:solidFill>
+                <a:latin typeface="Calibri" panose="020F0502020204030204" pitchFamily="34" charset="0"/>
+                <a:cs typeface="Arial" panose="020B0604020202020204" pitchFamily="34" charset="0"/>
+              </a:defRPr>
+            </a:lvl5pPr>
+            <a:lvl6pPr marL="2514600" indent="-228600" eaLnBrk="0" fontAlgn="base" hangingPunct="0">
+              <a:spcBef>
+                <a:spcPct val="0"/>
+              </a:spcBef>
+              <a:spcAft>
+                <a:spcPct val="0"/>
+              </a:spcAft>
+              <a:defRPr kumimoji="1" sz="2400">
+                <a:solidFill>
+                  <a:schemeClr val="tx1"/>
+                </a:solidFill>
+                <a:latin typeface="Calibri" panose="020F0502020204030204" pitchFamily="34" charset="0"/>
+                <a:cs typeface="Arial" panose="020B0604020202020204" pitchFamily="34" charset="0"/>
+              </a:defRPr>
+            </a:lvl6pPr>
+            <a:lvl7pPr marL="2971800" indent="-228600" eaLnBrk="0" fontAlgn="base" hangingPunct="0">
+              <a:spcBef>
+                <a:spcPct val="0"/>
+              </a:spcBef>
+              <a:spcAft>
+                <a:spcPct val="0"/>
+              </a:spcAft>
+              <a:defRPr kumimoji="1" sz="2400">
+                <a:solidFill>
+                  <a:schemeClr val="tx1"/>
+                </a:solidFill>
+                <a:latin typeface="Calibri" panose="020F0502020204030204" pitchFamily="34" charset="0"/>
+                <a:cs typeface="Arial" panose="020B0604020202020204" pitchFamily="34" charset="0"/>
+              </a:defRPr>
+            </a:lvl7pPr>
+            <a:lvl8pPr marL="3429000" indent="-228600" eaLnBrk="0" fontAlgn="base" hangingPunct="0">
+              <a:spcBef>
+                <a:spcPct val="0"/>
+              </a:spcBef>
+              <a:spcAft>
+                <a:spcPct val="0"/>
+              </a:spcAft>
+              <a:defRPr kumimoji="1" sz="2400">
+                <a:solidFill>
+                  <a:schemeClr val="tx1"/>
+                </a:solidFill>
+                <a:latin typeface="Calibri" panose="020F0502020204030204" pitchFamily="34" charset="0"/>
+                <a:cs typeface="Arial" panose="020B0604020202020204" pitchFamily="34" charset="0"/>
+              </a:defRPr>
+            </a:lvl8pPr>
+            <a:lvl9pPr marL="3886200" indent="-228600" eaLnBrk="0" fontAlgn="base" hangingPunct="0">
+              <a:spcBef>
+                <a:spcPct val="0"/>
+              </a:spcBef>
+              <a:spcAft>
+                <a:spcPct val="0"/>
+              </a:spcAft>
+              <a:defRPr kumimoji="1" sz="2400">
+                <a:solidFill>
+                  <a:schemeClr val="tx1"/>
+                </a:solidFill>
+                <a:latin typeface="Calibri" panose="020F0502020204030204" pitchFamily="34" charset="0"/>
+                <a:cs typeface="Arial" panose="020B0604020202020204" pitchFamily="34" charset="0"/>
+              </a:defRPr>
+            </a:lvl9pPr>
+          </a:lstStyle>
+          <a:p>
+            <a:fld id="{E1DEE6EA-B290-4F4D-B842-C7C452658346}" type="slidenum">
+              <a:rPr kumimoji="0" lang="ru-RU" altLang="ru-RU" sz="1600"/>
+              <a:pPr/>
+              <a:t>13</a:t>
+            </a:fld>
+            <a:endParaRPr kumimoji="0" lang="ru-RU" altLang="ru-RU" sz="1600"/>
+          </a:p>
+        </p:txBody>
+      </p:sp>
+    </p:spTree>
+    <p:extLst>
+      <p:ext uri="{BB962C8B-B14F-4D97-AF65-F5344CB8AC3E}">
+        <p14:creationId xmlns:p14="http://schemas.microsoft.com/office/powerpoint/2010/main" val="3717751427"/>
+      </p:ext>
+    </p:extLst>
+  </p:cSld>
+  <p:clrMapOvr>
+    <a:masterClrMapping/>
+  </p:clrMapOvr>
+</p:notes>
+</file>
+
+<file path=ppt/notesSlides/notesSlide14.xml><?xml version="1.0" encoding="utf-8"?>
+<p:notes xmlns:a="http://schemas.openxmlformats.org/drawingml/2006/main" xmlns:r="http://schemas.openxmlformats.org/officeDocument/2006/relationships" xmlns:p="http://schemas.openxmlformats.org/presentationml/2006/main">
+  <p:cSld>
+    <p:spTree>
+      <p:nvGrpSpPr>
+        <p:cNvPr id="1" name=""/>
+        <p:cNvGrpSpPr/>
+        <p:nvPr/>
+      </p:nvGrpSpPr>
+      <p:grpSpPr>
+        <a:xfrm>
+          <a:off x="0" y="0"/>
+          <a:ext cx="0" cy="0"/>
+          <a:chOff x="0" y="0"/>
+          <a:chExt cx="0" cy="0"/>
+        </a:xfrm>
+      </p:grpSpPr>
+      <p:sp>
+        <p:nvSpPr>
+          <p:cNvPr id="19458" name="Образ слайда 1"/>
+          <p:cNvSpPr>
+            <a:spLocks noGrp="1" noRot="1" noChangeAspect="1" noTextEdit="1"/>
+          </p:cNvSpPr>
+          <p:nvPr>
+            <p:ph type="sldImg"/>
+          </p:nvPr>
+        </p:nvSpPr>
+        <p:spPr bwMode="auto">
+          <a:noFill/>
+          <a:ln>
+            <a:solidFill>
+              <a:srgbClr val="000000"/>
+            </a:solidFill>
+            <a:miter lim="800000"/>
+            <a:headEnd/>
+            <a:tailEnd/>
+          </a:ln>
+          <a:extLst>
+            <a:ext uri="{909E8E84-426E-40DD-AFC4-6F175D3DCCD1}">
+              <a14:hiddenFill xmlns:a14="http://schemas.microsoft.com/office/drawing/2010/main">
+                <a:solidFill>
+                  <a:srgbClr val="FFFFFF"/>
+                </a:solidFill>
+              </a14:hiddenFill>
+            </a:ext>
+          </a:extLst>
+        </p:spPr>
+      </p:sp>
+      <p:sp>
+        <p:nvSpPr>
+          <p:cNvPr id="19459" name="Заметки 2"/>
+          <p:cNvSpPr>
+            <a:spLocks noGrp="1"/>
+          </p:cNvSpPr>
+          <p:nvPr>
+            <p:ph type="body" idx="1"/>
+          </p:nvPr>
+        </p:nvSpPr>
+        <p:spPr bwMode="auto">
+          <a:noFill/>
+          <a:extLst>
+            <a:ext uri="{909E8E84-426E-40DD-AFC4-6F175D3DCCD1}">
+              <a14:hiddenFill xmlns:a14="http://schemas.microsoft.com/office/drawing/2010/main">
+                <a:solidFill>
+                  <a:srgbClr val="FFFFFF"/>
+                </a:solidFill>
+              </a14:hiddenFill>
+            </a:ext>
+            <a:ext uri="{91240B29-F687-4F45-9708-019B960494DF}">
+              <a14:hiddenLine xmlns:a14="http://schemas.microsoft.com/office/drawing/2010/main" w="9525">
+                <a:solidFill>
+                  <a:srgbClr val="000000"/>
+                </a:solidFill>
+                <a:miter lim="800000"/>
+                <a:headEnd/>
+                <a:tailEnd/>
+              </a14:hiddenLine>
+            </a:ext>
+          </a:extLst>
+        </p:spPr>
+        <p:txBody>
+          <a:bodyPr/>
+          <a:lstStyle/>
+          <a:p>
+            <a:endParaRPr lang="ru-RU" altLang="ru-RU">
+              <a:latin typeface="Calibri" panose="020F0502020204030204" pitchFamily="34" charset="0"/>
+              <a:cs typeface="Arial" panose="020B0604020202020204" pitchFamily="34" charset="0"/>
+            </a:endParaRPr>
+          </a:p>
+        </p:txBody>
+      </p:sp>
+      <p:sp>
+        <p:nvSpPr>
+          <p:cNvPr id="19460" name="Номер слайда 3"/>
+          <p:cNvSpPr>
+            <a:spLocks noGrp="1"/>
+          </p:cNvSpPr>
+          <p:nvPr>
+            <p:ph type="sldNum" sz="quarter" idx="5"/>
+          </p:nvPr>
+        </p:nvSpPr>
+        <p:spPr bwMode="auto">
+          <a:noFill/>
+          <a:extLst>
+            <a:ext uri="{909E8E84-426E-40DD-AFC4-6F175D3DCCD1}">
+              <a14:hiddenFill xmlns:a14="http://schemas.microsoft.com/office/drawing/2010/main">
+                <a:solidFill>
+                  <a:srgbClr val="FFFFFF"/>
+                </a:solidFill>
+              </a14:hiddenFill>
+            </a:ext>
+            <a:ext uri="{91240B29-F687-4F45-9708-019B960494DF}">
+              <a14:hiddenLine xmlns:a14="http://schemas.microsoft.com/office/drawing/2010/main" w="9525">
+                <a:solidFill>
+                  <a:srgbClr val="000000"/>
+                </a:solidFill>
+                <a:miter lim="800000"/>
+                <a:headEnd/>
+                <a:tailEnd/>
+              </a14:hiddenLine>
+            </a:ext>
+          </a:extLst>
+        </p:spPr>
+        <p:txBody>
+          <a:bodyPr/>
+          <a:lstStyle>
+            <a:lvl1pPr>
+              <a:defRPr kumimoji="1" sz="2400">
+                <a:solidFill>
+                  <a:schemeClr val="tx1"/>
+                </a:solidFill>
+                <a:latin typeface="Calibri" panose="020F0502020204030204" pitchFamily="34" charset="0"/>
+                <a:cs typeface="Arial" panose="020B0604020202020204" pitchFamily="34" charset="0"/>
+              </a:defRPr>
+            </a:lvl1pPr>
+            <a:lvl2pPr marL="742950" indent="-285750">
+              <a:defRPr kumimoji="1" sz="2400">
+                <a:solidFill>
+                  <a:schemeClr val="tx1"/>
+                </a:solidFill>
+                <a:latin typeface="Calibri" panose="020F0502020204030204" pitchFamily="34" charset="0"/>
+                <a:cs typeface="Arial" panose="020B0604020202020204" pitchFamily="34" charset="0"/>
+              </a:defRPr>
+            </a:lvl2pPr>
+            <a:lvl3pPr marL="1143000" indent="-228600">
+              <a:defRPr kumimoji="1" sz="2400">
+                <a:solidFill>
+                  <a:schemeClr val="tx1"/>
+                </a:solidFill>
+                <a:latin typeface="Calibri" panose="020F0502020204030204" pitchFamily="34" charset="0"/>
+                <a:cs typeface="Arial" panose="020B0604020202020204" pitchFamily="34" charset="0"/>
+              </a:defRPr>
+            </a:lvl3pPr>
+            <a:lvl4pPr marL="1600200" indent="-228600">
+              <a:defRPr kumimoji="1" sz="2400">
+                <a:solidFill>
+                  <a:schemeClr val="tx1"/>
+                </a:solidFill>
+                <a:latin typeface="Calibri" panose="020F0502020204030204" pitchFamily="34" charset="0"/>
+                <a:cs typeface="Arial" panose="020B0604020202020204" pitchFamily="34" charset="0"/>
+              </a:defRPr>
+            </a:lvl4pPr>
+            <a:lvl5pPr marL="2057400" indent="-228600">
+              <a:defRPr kumimoji="1" sz="2400">
+                <a:solidFill>
+                  <a:schemeClr val="tx1"/>
+                </a:solidFill>
+                <a:latin typeface="Calibri" panose="020F0502020204030204" pitchFamily="34" charset="0"/>
+                <a:cs typeface="Arial" panose="020B0604020202020204" pitchFamily="34" charset="0"/>
+              </a:defRPr>
+            </a:lvl5pPr>
+            <a:lvl6pPr marL="2514600" indent="-228600" eaLnBrk="0" fontAlgn="base" hangingPunct="0">
+              <a:spcBef>
+                <a:spcPct val="0"/>
+              </a:spcBef>
+              <a:spcAft>
+                <a:spcPct val="0"/>
+              </a:spcAft>
+              <a:defRPr kumimoji="1" sz="2400">
+                <a:solidFill>
+                  <a:schemeClr val="tx1"/>
+                </a:solidFill>
+                <a:latin typeface="Calibri" panose="020F0502020204030204" pitchFamily="34" charset="0"/>
+                <a:cs typeface="Arial" panose="020B0604020202020204" pitchFamily="34" charset="0"/>
+              </a:defRPr>
+            </a:lvl6pPr>
+            <a:lvl7pPr marL="2971800" indent="-228600" eaLnBrk="0" fontAlgn="base" hangingPunct="0">
+              <a:spcBef>
+                <a:spcPct val="0"/>
+              </a:spcBef>
+              <a:spcAft>
+                <a:spcPct val="0"/>
+              </a:spcAft>
+              <a:defRPr kumimoji="1" sz="2400">
+                <a:solidFill>
+                  <a:schemeClr val="tx1"/>
+                </a:solidFill>
+                <a:latin typeface="Calibri" panose="020F0502020204030204" pitchFamily="34" charset="0"/>
+                <a:cs typeface="Arial" panose="020B0604020202020204" pitchFamily="34" charset="0"/>
+              </a:defRPr>
+            </a:lvl7pPr>
+            <a:lvl8pPr marL="3429000" indent="-228600" eaLnBrk="0" fontAlgn="base" hangingPunct="0">
+              <a:spcBef>
+                <a:spcPct val="0"/>
+              </a:spcBef>
+              <a:spcAft>
+                <a:spcPct val="0"/>
+              </a:spcAft>
+              <a:defRPr kumimoji="1" sz="2400">
+                <a:solidFill>
+                  <a:schemeClr val="tx1"/>
+                </a:solidFill>
+                <a:latin typeface="Calibri" panose="020F0502020204030204" pitchFamily="34" charset="0"/>
+                <a:cs typeface="Arial" panose="020B0604020202020204" pitchFamily="34" charset="0"/>
+              </a:defRPr>
+            </a:lvl8pPr>
+            <a:lvl9pPr marL="3886200" indent="-228600" eaLnBrk="0" fontAlgn="base" hangingPunct="0">
+              <a:spcBef>
+                <a:spcPct val="0"/>
+              </a:spcBef>
+              <a:spcAft>
+                <a:spcPct val="0"/>
+              </a:spcAft>
+              <a:defRPr kumimoji="1" sz="2400">
+                <a:solidFill>
+                  <a:schemeClr val="tx1"/>
+                </a:solidFill>
+                <a:latin typeface="Calibri" panose="020F0502020204030204" pitchFamily="34" charset="0"/>
+                <a:cs typeface="Arial" panose="020B0604020202020204" pitchFamily="34" charset="0"/>
+              </a:defRPr>
+            </a:lvl9pPr>
+          </a:lstStyle>
+          <a:p>
+            <a:fld id="{E1DEE6EA-B290-4F4D-B842-C7C452658346}" type="slidenum">
+              <a:rPr kumimoji="0" lang="ru-RU" altLang="ru-RU" sz="1600"/>
+              <a:pPr/>
+              <a:t>14</a:t>
+            </a:fld>
+            <a:endParaRPr kumimoji="0" lang="ru-RU" altLang="ru-RU" sz="1600"/>
+          </a:p>
+        </p:txBody>
+      </p:sp>
+    </p:spTree>
+    <p:extLst>
+      <p:ext uri="{BB962C8B-B14F-4D97-AF65-F5344CB8AC3E}">
+        <p14:creationId xmlns:p14="http://schemas.microsoft.com/office/powerpoint/2010/main" val="1360120918"/>
+      </p:ext>
+    </p:extLst>
+  </p:cSld>
+  <p:clrMapOvr>
+    <a:masterClrMapping/>
+  </p:clrMapOvr>
+</p:notes>
+</file>
+
+<file path=ppt/notesSlides/notesSlide15.xml><?xml version="1.0" encoding="utf-8"?>
+<p:notes xmlns:a="http://schemas.openxmlformats.org/drawingml/2006/main" xmlns:r="http://schemas.openxmlformats.org/officeDocument/2006/relationships" xmlns:p="http://schemas.openxmlformats.org/presentationml/2006/main">
+  <p:cSld>
+    <p:spTree>
+      <p:nvGrpSpPr>
+        <p:cNvPr id="1" name=""/>
+        <p:cNvGrpSpPr/>
+        <p:nvPr/>
+      </p:nvGrpSpPr>
+      <p:grpSpPr>
+        <a:xfrm>
+          <a:off x="0" y="0"/>
+          <a:ext cx="0" cy="0"/>
+          <a:chOff x="0" y="0"/>
+          <a:chExt cx="0" cy="0"/>
+        </a:xfrm>
+      </p:grpSpPr>
+      <p:sp>
+        <p:nvSpPr>
           <p:cNvPr id="44034" name="Образ слайда 1"/>
           <p:cNvSpPr>
             <a:spLocks noGrp="1" noRot="1" noChangeAspect="1" noTextEdit="1"/>
@@ -1432,7 +2692,262 @@
 </p:notes>
 </file>
 
-<file path=ppt/notesSlides/notesSlide11.xml><?xml version="1.0" encoding="utf-8"?>
+<file path=ppt/notesSlides/notesSlide16.xml><?xml version="1.0" encoding="utf-8"?>
+<p:notes xmlns:a="http://schemas.openxmlformats.org/drawingml/2006/main" xmlns:r="http://schemas.openxmlformats.org/officeDocument/2006/relationships" xmlns:p="http://schemas.openxmlformats.org/presentationml/2006/main">
+  <p:cSld>
+    <p:spTree>
+      <p:nvGrpSpPr>
+        <p:cNvPr id="1" name=""/>
+        <p:cNvGrpSpPr/>
+        <p:nvPr/>
+      </p:nvGrpSpPr>
+      <p:grpSpPr>
+        <a:xfrm>
+          <a:off x="0" y="0"/>
+          <a:ext cx="0" cy="0"/>
+          <a:chOff x="0" y="0"/>
+          <a:chExt cx="0" cy="0"/>
+        </a:xfrm>
+      </p:grpSpPr>
+      <p:sp>
+        <p:nvSpPr>
+          <p:cNvPr id="19458" name="Образ слайда 1"/>
+          <p:cNvSpPr>
+            <a:spLocks noGrp="1" noRot="1" noChangeAspect="1" noTextEdit="1"/>
+          </p:cNvSpPr>
+          <p:nvPr>
+            <p:ph type="sldImg"/>
+          </p:nvPr>
+        </p:nvSpPr>
+        <p:spPr bwMode="auto">
+          <a:noFill/>
+          <a:ln>
+            <a:solidFill>
+              <a:srgbClr val="000000"/>
+            </a:solidFill>
+            <a:miter lim="800000"/>
+            <a:headEnd/>
+            <a:tailEnd/>
+          </a:ln>
+          <a:extLst>
+            <a:ext uri="{909E8E84-426E-40DD-AFC4-6F175D3DCCD1}">
+              <a14:hiddenFill xmlns:a14="http://schemas.microsoft.com/office/drawing/2010/main">
+                <a:solidFill>
+                  <a:srgbClr val="FFFFFF"/>
+                </a:solidFill>
+              </a14:hiddenFill>
+            </a:ext>
+          </a:extLst>
+        </p:spPr>
+      </p:sp>
+      <p:sp>
+        <p:nvSpPr>
+          <p:cNvPr id="19459" name="Заметки 2"/>
+          <p:cNvSpPr>
+            <a:spLocks noGrp="1"/>
+          </p:cNvSpPr>
+          <p:nvPr>
+            <p:ph type="body" idx="1"/>
+          </p:nvPr>
+        </p:nvSpPr>
+        <p:spPr bwMode="auto">
+          <a:noFill/>
+          <a:extLst>
+            <a:ext uri="{909E8E84-426E-40DD-AFC4-6F175D3DCCD1}">
+              <a14:hiddenFill xmlns:a14="http://schemas.microsoft.com/office/drawing/2010/main">
+                <a:solidFill>
+                  <a:srgbClr val="FFFFFF"/>
+                </a:solidFill>
+              </a14:hiddenFill>
+            </a:ext>
+            <a:ext uri="{91240B29-F687-4F45-9708-019B960494DF}">
+              <a14:hiddenLine xmlns:a14="http://schemas.microsoft.com/office/drawing/2010/main" w="9525">
+                <a:solidFill>
+                  <a:srgbClr val="000000"/>
+                </a:solidFill>
+                <a:miter lim="800000"/>
+                <a:headEnd/>
+                <a:tailEnd/>
+              </a14:hiddenLine>
+            </a:ext>
+          </a:extLst>
+        </p:spPr>
+        <p:txBody>
+          <a:bodyPr/>
+          <a:lstStyle/>
+          <a:p>
+            <a:endParaRPr lang="ru-RU" altLang="ru-RU">
+              <a:latin typeface="Calibri" panose="020F0502020204030204" pitchFamily="34" charset="0"/>
+              <a:cs typeface="Arial" panose="020B0604020202020204" pitchFamily="34" charset="0"/>
+            </a:endParaRPr>
+          </a:p>
+        </p:txBody>
+      </p:sp>
+      <p:sp>
+        <p:nvSpPr>
+          <p:cNvPr id="19460" name="Номер слайда 3"/>
+          <p:cNvSpPr>
+            <a:spLocks noGrp="1"/>
+          </p:cNvSpPr>
+          <p:nvPr>
+            <p:ph type="sldNum" sz="quarter" idx="5"/>
+          </p:nvPr>
+        </p:nvSpPr>
+        <p:spPr bwMode="auto">
+          <a:noFill/>
+          <a:extLst>
+            <a:ext uri="{909E8E84-426E-40DD-AFC4-6F175D3DCCD1}">
+              <a14:hiddenFill xmlns:a14="http://schemas.microsoft.com/office/drawing/2010/main">
+                <a:solidFill>
+                  <a:srgbClr val="FFFFFF"/>
+                </a:solidFill>
+              </a14:hiddenFill>
+            </a:ext>
+            <a:ext uri="{91240B29-F687-4F45-9708-019B960494DF}">
+              <a14:hiddenLine xmlns:a14="http://schemas.microsoft.com/office/drawing/2010/main" w="9525">
+                <a:solidFill>
+                  <a:srgbClr val="000000"/>
+                </a:solidFill>
+                <a:miter lim="800000"/>
+                <a:headEnd/>
+                <a:tailEnd/>
+              </a14:hiddenLine>
+            </a:ext>
+          </a:extLst>
+        </p:spPr>
+        <p:txBody>
+          <a:bodyPr/>
+          <a:lstStyle>
+            <a:lvl1pPr>
+              <a:defRPr kumimoji="1" sz="2400">
+                <a:solidFill>
+                  <a:schemeClr val="tx1"/>
+                </a:solidFill>
+                <a:latin typeface="Calibri" panose="020F0502020204030204" pitchFamily="34" charset="0"/>
+                <a:cs typeface="Arial" panose="020B0604020202020204" pitchFamily="34" charset="0"/>
+              </a:defRPr>
+            </a:lvl1pPr>
+            <a:lvl2pPr marL="742950" indent="-285750">
+              <a:defRPr kumimoji="1" sz="2400">
+                <a:solidFill>
+                  <a:schemeClr val="tx1"/>
+                </a:solidFill>
+                <a:latin typeface="Calibri" panose="020F0502020204030204" pitchFamily="34" charset="0"/>
+                <a:cs typeface="Arial" panose="020B0604020202020204" pitchFamily="34" charset="0"/>
+              </a:defRPr>
+            </a:lvl2pPr>
+            <a:lvl3pPr marL="1143000" indent="-228600">
+              <a:defRPr kumimoji="1" sz="2400">
+                <a:solidFill>
+                  <a:schemeClr val="tx1"/>
+                </a:solidFill>
+                <a:latin typeface="Calibri" panose="020F0502020204030204" pitchFamily="34" charset="0"/>
+                <a:cs typeface="Arial" panose="020B0604020202020204" pitchFamily="34" charset="0"/>
+              </a:defRPr>
+            </a:lvl3pPr>
+            <a:lvl4pPr marL="1600200" indent="-228600">
+              <a:defRPr kumimoji="1" sz="2400">
+                <a:solidFill>
+                  <a:schemeClr val="tx1"/>
+                </a:solidFill>
+                <a:latin typeface="Calibri" panose="020F0502020204030204" pitchFamily="34" charset="0"/>
+                <a:cs typeface="Arial" panose="020B0604020202020204" pitchFamily="34" charset="0"/>
+              </a:defRPr>
+            </a:lvl4pPr>
+            <a:lvl5pPr marL="2057400" indent="-228600">
+              <a:defRPr kumimoji="1" sz="2400">
+                <a:solidFill>
+                  <a:schemeClr val="tx1"/>
+                </a:solidFill>
+                <a:latin typeface="Calibri" panose="020F0502020204030204" pitchFamily="34" charset="0"/>
+                <a:cs typeface="Arial" panose="020B0604020202020204" pitchFamily="34" charset="0"/>
+              </a:defRPr>
+            </a:lvl5pPr>
+            <a:lvl6pPr marL="2514600" indent="-228600" eaLnBrk="0" fontAlgn="base" hangingPunct="0">
+              <a:spcBef>
+                <a:spcPct val="0"/>
+              </a:spcBef>
+              <a:spcAft>
+                <a:spcPct val="0"/>
+              </a:spcAft>
+              <a:defRPr kumimoji="1" sz="2400">
+                <a:solidFill>
+                  <a:schemeClr val="tx1"/>
+                </a:solidFill>
+                <a:latin typeface="Calibri" panose="020F0502020204030204" pitchFamily="34" charset="0"/>
+                <a:cs typeface="Arial" panose="020B0604020202020204" pitchFamily="34" charset="0"/>
+              </a:defRPr>
+            </a:lvl6pPr>
+            <a:lvl7pPr marL="2971800" indent="-228600" eaLnBrk="0" fontAlgn="base" hangingPunct="0">
+              <a:spcBef>
+                <a:spcPct val="0"/>
+              </a:spcBef>
+              <a:spcAft>
+                <a:spcPct val="0"/>
+              </a:spcAft>
+              <a:defRPr kumimoji="1" sz="2400">
+                <a:solidFill>
+                  <a:schemeClr val="tx1"/>
+                </a:solidFill>
+                <a:latin typeface="Calibri" panose="020F0502020204030204" pitchFamily="34" charset="0"/>
+                <a:cs typeface="Arial" panose="020B0604020202020204" pitchFamily="34" charset="0"/>
+              </a:defRPr>
+            </a:lvl7pPr>
+            <a:lvl8pPr marL="3429000" indent="-228600" eaLnBrk="0" fontAlgn="base" hangingPunct="0">
+              <a:spcBef>
+                <a:spcPct val="0"/>
+              </a:spcBef>
+              <a:spcAft>
+                <a:spcPct val="0"/>
+              </a:spcAft>
+              <a:defRPr kumimoji="1" sz="2400">
+                <a:solidFill>
+                  <a:schemeClr val="tx1"/>
+                </a:solidFill>
+                <a:latin typeface="Calibri" panose="020F0502020204030204" pitchFamily="34" charset="0"/>
+                <a:cs typeface="Arial" panose="020B0604020202020204" pitchFamily="34" charset="0"/>
+              </a:defRPr>
+            </a:lvl8pPr>
+            <a:lvl9pPr marL="3886200" indent="-228600" eaLnBrk="0" fontAlgn="base" hangingPunct="0">
+              <a:spcBef>
+                <a:spcPct val="0"/>
+              </a:spcBef>
+              <a:spcAft>
+                <a:spcPct val="0"/>
+              </a:spcAft>
+              <a:defRPr kumimoji="1" sz="2400">
+                <a:solidFill>
+                  <a:schemeClr val="tx1"/>
+                </a:solidFill>
+                <a:latin typeface="Calibri" panose="020F0502020204030204" pitchFamily="34" charset="0"/>
+                <a:cs typeface="Arial" panose="020B0604020202020204" pitchFamily="34" charset="0"/>
+              </a:defRPr>
+            </a:lvl9pPr>
+          </a:lstStyle>
+          <a:p>
+            <a:fld id="{E1DEE6EA-B290-4F4D-B842-C7C452658346}" type="slidenum">
+              <a:rPr kumimoji="0" lang="ru-RU" altLang="ru-RU" sz="1600"/>
+              <a:pPr/>
+              <a:t>16</a:t>
+            </a:fld>
+            <a:endParaRPr kumimoji="0" lang="ru-RU" altLang="ru-RU" sz="1600"/>
+          </a:p>
+        </p:txBody>
+      </p:sp>
+    </p:spTree>
+    <p:extLst>
+      <p:ext uri="{BB962C8B-B14F-4D97-AF65-F5344CB8AC3E}">
+        <p14:creationId xmlns:p14="http://schemas.microsoft.com/office/powerpoint/2010/main" val="3903466933"/>
+      </p:ext>
+    </p:extLst>
+  </p:cSld>
+  <p:clrMapOvr>
+    <a:masterClrMapping/>
+  </p:clrMapOvr>
+</p:notes>
+</file>
+
+<file path=ppt/notesSlides/notesSlide17.xml><?xml version="1.0" encoding="utf-8"?>
 <p:notes xmlns:a="http://schemas.openxmlformats.org/drawingml/2006/main" xmlns:r="http://schemas.openxmlformats.org/officeDocument/2006/relationships" xmlns:p="http://schemas.openxmlformats.org/presentationml/2006/main">
   <p:cSld>
     <p:spTree>
@@ -2701,6 +4216,771 @@
       </p:grpSpPr>
       <p:sp>
         <p:nvSpPr>
+          <p:cNvPr id="19458" name="Образ слайда 1"/>
+          <p:cNvSpPr>
+            <a:spLocks noGrp="1" noRot="1" noChangeAspect="1" noTextEdit="1"/>
+          </p:cNvSpPr>
+          <p:nvPr>
+            <p:ph type="sldImg"/>
+          </p:nvPr>
+        </p:nvSpPr>
+        <p:spPr bwMode="auto">
+          <a:noFill/>
+          <a:ln>
+            <a:solidFill>
+              <a:srgbClr val="000000"/>
+            </a:solidFill>
+            <a:miter lim="800000"/>
+            <a:headEnd/>
+            <a:tailEnd/>
+          </a:ln>
+          <a:extLst>
+            <a:ext uri="{909E8E84-426E-40DD-AFC4-6F175D3DCCD1}">
+              <a14:hiddenFill xmlns:a14="http://schemas.microsoft.com/office/drawing/2010/main">
+                <a:solidFill>
+                  <a:srgbClr val="FFFFFF"/>
+                </a:solidFill>
+              </a14:hiddenFill>
+            </a:ext>
+          </a:extLst>
+        </p:spPr>
+      </p:sp>
+      <p:sp>
+        <p:nvSpPr>
+          <p:cNvPr id="19459" name="Заметки 2"/>
+          <p:cNvSpPr>
+            <a:spLocks noGrp="1"/>
+          </p:cNvSpPr>
+          <p:nvPr>
+            <p:ph type="body" idx="1"/>
+          </p:nvPr>
+        </p:nvSpPr>
+        <p:spPr bwMode="auto">
+          <a:noFill/>
+          <a:extLst>
+            <a:ext uri="{909E8E84-426E-40DD-AFC4-6F175D3DCCD1}">
+              <a14:hiddenFill xmlns:a14="http://schemas.microsoft.com/office/drawing/2010/main">
+                <a:solidFill>
+                  <a:srgbClr val="FFFFFF"/>
+                </a:solidFill>
+              </a14:hiddenFill>
+            </a:ext>
+            <a:ext uri="{91240B29-F687-4F45-9708-019B960494DF}">
+              <a14:hiddenLine xmlns:a14="http://schemas.microsoft.com/office/drawing/2010/main" w="9525">
+                <a:solidFill>
+                  <a:srgbClr val="000000"/>
+                </a:solidFill>
+                <a:miter lim="800000"/>
+                <a:headEnd/>
+                <a:tailEnd/>
+              </a14:hiddenLine>
+            </a:ext>
+          </a:extLst>
+        </p:spPr>
+        <p:txBody>
+          <a:bodyPr/>
+          <a:lstStyle/>
+          <a:p>
+            <a:endParaRPr lang="ru-RU" altLang="ru-RU">
+              <a:latin typeface="Calibri" panose="020F0502020204030204" pitchFamily="34" charset="0"/>
+              <a:cs typeface="Arial" panose="020B0604020202020204" pitchFamily="34" charset="0"/>
+            </a:endParaRPr>
+          </a:p>
+        </p:txBody>
+      </p:sp>
+      <p:sp>
+        <p:nvSpPr>
+          <p:cNvPr id="19460" name="Номер слайда 3"/>
+          <p:cNvSpPr>
+            <a:spLocks noGrp="1"/>
+          </p:cNvSpPr>
+          <p:nvPr>
+            <p:ph type="sldNum" sz="quarter" idx="5"/>
+          </p:nvPr>
+        </p:nvSpPr>
+        <p:spPr bwMode="auto">
+          <a:noFill/>
+          <a:extLst>
+            <a:ext uri="{909E8E84-426E-40DD-AFC4-6F175D3DCCD1}">
+              <a14:hiddenFill xmlns:a14="http://schemas.microsoft.com/office/drawing/2010/main">
+                <a:solidFill>
+                  <a:srgbClr val="FFFFFF"/>
+                </a:solidFill>
+              </a14:hiddenFill>
+            </a:ext>
+            <a:ext uri="{91240B29-F687-4F45-9708-019B960494DF}">
+              <a14:hiddenLine xmlns:a14="http://schemas.microsoft.com/office/drawing/2010/main" w="9525">
+                <a:solidFill>
+                  <a:srgbClr val="000000"/>
+                </a:solidFill>
+                <a:miter lim="800000"/>
+                <a:headEnd/>
+                <a:tailEnd/>
+              </a14:hiddenLine>
+            </a:ext>
+          </a:extLst>
+        </p:spPr>
+        <p:txBody>
+          <a:bodyPr/>
+          <a:lstStyle>
+            <a:lvl1pPr>
+              <a:defRPr kumimoji="1" sz="2400">
+                <a:solidFill>
+                  <a:schemeClr val="tx1"/>
+                </a:solidFill>
+                <a:latin typeface="Calibri" panose="020F0502020204030204" pitchFamily="34" charset="0"/>
+                <a:cs typeface="Arial" panose="020B0604020202020204" pitchFamily="34" charset="0"/>
+              </a:defRPr>
+            </a:lvl1pPr>
+            <a:lvl2pPr marL="742950" indent="-285750">
+              <a:defRPr kumimoji="1" sz="2400">
+                <a:solidFill>
+                  <a:schemeClr val="tx1"/>
+                </a:solidFill>
+                <a:latin typeface="Calibri" panose="020F0502020204030204" pitchFamily="34" charset="0"/>
+                <a:cs typeface="Arial" panose="020B0604020202020204" pitchFamily="34" charset="0"/>
+              </a:defRPr>
+            </a:lvl2pPr>
+            <a:lvl3pPr marL="1143000" indent="-228600">
+              <a:defRPr kumimoji="1" sz="2400">
+                <a:solidFill>
+                  <a:schemeClr val="tx1"/>
+                </a:solidFill>
+                <a:latin typeface="Calibri" panose="020F0502020204030204" pitchFamily="34" charset="0"/>
+                <a:cs typeface="Arial" panose="020B0604020202020204" pitchFamily="34" charset="0"/>
+              </a:defRPr>
+            </a:lvl3pPr>
+            <a:lvl4pPr marL="1600200" indent="-228600">
+              <a:defRPr kumimoji="1" sz="2400">
+                <a:solidFill>
+                  <a:schemeClr val="tx1"/>
+                </a:solidFill>
+                <a:latin typeface="Calibri" panose="020F0502020204030204" pitchFamily="34" charset="0"/>
+                <a:cs typeface="Arial" panose="020B0604020202020204" pitchFamily="34" charset="0"/>
+              </a:defRPr>
+            </a:lvl4pPr>
+            <a:lvl5pPr marL="2057400" indent="-228600">
+              <a:defRPr kumimoji="1" sz="2400">
+                <a:solidFill>
+                  <a:schemeClr val="tx1"/>
+                </a:solidFill>
+                <a:latin typeface="Calibri" panose="020F0502020204030204" pitchFamily="34" charset="0"/>
+                <a:cs typeface="Arial" panose="020B0604020202020204" pitchFamily="34" charset="0"/>
+              </a:defRPr>
+            </a:lvl5pPr>
+            <a:lvl6pPr marL="2514600" indent="-228600" eaLnBrk="0" fontAlgn="base" hangingPunct="0">
+              <a:spcBef>
+                <a:spcPct val="0"/>
+              </a:spcBef>
+              <a:spcAft>
+                <a:spcPct val="0"/>
+              </a:spcAft>
+              <a:defRPr kumimoji="1" sz="2400">
+                <a:solidFill>
+                  <a:schemeClr val="tx1"/>
+                </a:solidFill>
+                <a:latin typeface="Calibri" panose="020F0502020204030204" pitchFamily="34" charset="0"/>
+                <a:cs typeface="Arial" panose="020B0604020202020204" pitchFamily="34" charset="0"/>
+              </a:defRPr>
+            </a:lvl6pPr>
+            <a:lvl7pPr marL="2971800" indent="-228600" eaLnBrk="0" fontAlgn="base" hangingPunct="0">
+              <a:spcBef>
+                <a:spcPct val="0"/>
+              </a:spcBef>
+              <a:spcAft>
+                <a:spcPct val="0"/>
+              </a:spcAft>
+              <a:defRPr kumimoji="1" sz="2400">
+                <a:solidFill>
+                  <a:schemeClr val="tx1"/>
+                </a:solidFill>
+                <a:latin typeface="Calibri" panose="020F0502020204030204" pitchFamily="34" charset="0"/>
+                <a:cs typeface="Arial" panose="020B0604020202020204" pitchFamily="34" charset="0"/>
+              </a:defRPr>
+            </a:lvl7pPr>
+            <a:lvl8pPr marL="3429000" indent="-228600" eaLnBrk="0" fontAlgn="base" hangingPunct="0">
+              <a:spcBef>
+                <a:spcPct val="0"/>
+              </a:spcBef>
+              <a:spcAft>
+                <a:spcPct val="0"/>
+              </a:spcAft>
+              <a:defRPr kumimoji="1" sz="2400">
+                <a:solidFill>
+                  <a:schemeClr val="tx1"/>
+                </a:solidFill>
+                <a:latin typeface="Calibri" panose="020F0502020204030204" pitchFamily="34" charset="0"/>
+                <a:cs typeface="Arial" panose="020B0604020202020204" pitchFamily="34" charset="0"/>
+              </a:defRPr>
+            </a:lvl8pPr>
+            <a:lvl9pPr marL="3886200" indent="-228600" eaLnBrk="0" fontAlgn="base" hangingPunct="0">
+              <a:spcBef>
+                <a:spcPct val="0"/>
+              </a:spcBef>
+              <a:spcAft>
+                <a:spcPct val="0"/>
+              </a:spcAft>
+              <a:defRPr kumimoji="1" sz="2400">
+                <a:solidFill>
+                  <a:schemeClr val="tx1"/>
+                </a:solidFill>
+                <a:latin typeface="Calibri" panose="020F0502020204030204" pitchFamily="34" charset="0"/>
+                <a:cs typeface="Arial" panose="020B0604020202020204" pitchFamily="34" charset="0"/>
+              </a:defRPr>
+            </a:lvl9pPr>
+          </a:lstStyle>
+          <a:p>
+            <a:fld id="{E1DEE6EA-B290-4F4D-B842-C7C452658346}" type="slidenum">
+              <a:rPr kumimoji="0" lang="ru-RU" altLang="ru-RU" sz="1600"/>
+              <a:pPr/>
+              <a:t>6</a:t>
+            </a:fld>
+            <a:endParaRPr kumimoji="0" lang="ru-RU" altLang="ru-RU" sz="1600"/>
+          </a:p>
+        </p:txBody>
+      </p:sp>
+    </p:spTree>
+    <p:extLst>
+      <p:ext uri="{BB962C8B-B14F-4D97-AF65-F5344CB8AC3E}">
+        <p14:creationId xmlns:p14="http://schemas.microsoft.com/office/powerpoint/2010/main" val="698770609"/>
+      </p:ext>
+    </p:extLst>
+  </p:cSld>
+  <p:clrMapOvr>
+    <a:masterClrMapping/>
+  </p:clrMapOvr>
+</p:notes>
+</file>
+
+<file path=ppt/notesSlides/notesSlide7.xml><?xml version="1.0" encoding="utf-8"?>
+<p:notes xmlns:a="http://schemas.openxmlformats.org/drawingml/2006/main" xmlns:r="http://schemas.openxmlformats.org/officeDocument/2006/relationships" xmlns:p="http://schemas.openxmlformats.org/presentationml/2006/main">
+  <p:cSld>
+    <p:spTree>
+      <p:nvGrpSpPr>
+        <p:cNvPr id="1" name=""/>
+        <p:cNvGrpSpPr/>
+        <p:nvPr/>
+      </p:nvGrpSpPr>
+      <p:grpSpPr>
+        <a:xfrm>
+          <a:off x="0" y="0"/>
+          <a:ext cx="0" cy="0"/>
+          <a:chOff x="0" y="0"/>
+          <a:chExt cx="0" cy="0"/>
+        </a:xfrm>
+      </p:grpSpPr>
+      <p:sp>
+        <p:nvSpPr>
+          <p:cNvPr id="19458" name="Образ слайда 1"/>
+          <p:cNvSpPr>
+            <a:spLocks noGrp="1" noRot="1" noChangeAspect="1" noTextEdit="1"/>
+          </p:cNvSpPr>
+          <p:nvPr>
+            <p:ph type="sldImg"/>
+          </p:nvPr>
+        </p:nvSpPr>
+        <p:spPr bwMode="auto">
+          <a:noFill/>
+          <a:ln>
+            <a:solidFill>
+              <a:srgbClr val="000000"/>
+            </a:solidFill>
+            <a:miter lim="800000"/>
+            <a:headEnd/>
+            <a:tailEnd/>
+          </a:ln>
+          <a:extLst>
+            <a:ext uri="{909E8E84-426E-40DD-AFC4-6F175D3DCCD1}">
+              <a14:hiddenFill xmlns:a14="http://schemas.microsoft.com/office/drawing/2010/main">
+                <a:solidFill>
+                  <a:srgbClr val="FFFFFF"/>
+                </a:solidFill>
+              </a14:hiddenFill>
+            </a:ext>
+          </a:extLst>
+        </p:spPr>
+      </p:sp>
+      <p:sp>
+        <p:nvSpPr>
+          <p:cNvPr id="19459" name="Заметки 2"/>
+          <p:cNvSpPr>
+            <a:spLocks noGrp="1"/>
+          </p:cNvSpPr>
+          <p:nvPr>
+            <p:ph type="body" idx="1"/>
+          </p:nvPr>
+        </p:nvSpPr>
+        <p:spPr bwMode="auto">
+          <a:noFill/>
+          <a:extLst>
+            <a:ext uri="{909E8E84-426E-40DD-AFC4-6F175D3DCCD1}">
+              <a14:hiddenFill xmlns:a14="http://schemas.microsoft.com/office/drawing/2010/main">
+                <a:solidFill>
+                  <a:srgbClr val="FFFFFF"/>
+                </a:solidFill>
+              </a14:hiddenFill>
+            </a:ext>
+            <a:ext uri="{91240B29-F687-4F45-9708-019B960494DF}">
+              <a14:hiddenLine xmlns:a14="http://schemas.microsoft.com/office/drawing/2010/main" w="9525">
+                <a:solidFill>
+                  <a:srgbClr val="000000"/>
+                </a:solidFill>
+                <a:miter lim="800000"/>
+                <a:headEnd/>
+                <a:tailEnd/>
+              </a14:hiddenLine>
+            </a:ext>
+          </a:extLst>
+        </p:spPr>
+        <p:txBody>
+          <a:bodyPr/>
+          <a:lstStyle/>
+          <a:p>
+            <a:endParaRPr lang="ru-RU" altLang="ru-RU">
+              <a:latin typeface="Calibri" panose="020F0502020204030204" pitchFamily="34" charset="0"/>
+              <a:cs typeface="Arial" panose="020B0604020202020204" pitchFamily="34" charset="0"/>
+            </a:endParaRPr>
+          </a:p>
+        </p:txBody>
+      </p:sp>
+      <p:sp>
+        <p:nvSpPr>
+          <p:cNvPr id="19460" name="Номер слайда 3"/>
+          <p:cNvSpPr>
+            <a:spLocks noGrp="1"/>
+          </p:cNvSpPr>
+          <p:nvPr>
+            <p:ph type="sldNum" sz="quarter" idx="5"/>
+          </p:nvPr>
+        </p:nvSpPr>
+        <p:spPr bwMode="auto">
+          <a:noFill/>
+          <a:extLst>
+            <a:ext uri="{909E8E84-426E-40DD-AFC4-6F175D3DCCD1}">
+              <a14:hiddenFill xmlns:a14="http://schemas.microsoft.com/office/drawing/2010/main">
+                <a:solidFill>
+                  <a:srgbClr val="FFFFFF"/>
+                </a:solidFill>
+              </a14:hiddenFill>
+            </a:ext>
+            <a:ext uri="{91240B29-F687-4F45-9708-019B960494DF}">
+              <a14:hiddenLine xmlns:a14="http://schemas.microsoft.com/office/drawing/2010/main" w="9525">
+                <a:solidFill>
+                  <a:srgbClr val="000000"/>
+                </a:solidFill>
+                <a:miter lim="800000"/>
+                <a:headEnd/>
+                <a:tailEnd/>
+              </a14:hiddenLine>
+            </a:ext>
+          </a:extLst>
+        </p:spPr>
+        <p:txBody>
+          <a:bodyPr/>
+          <a:lstStyle>
+            <a:lvl1pPr>
+              <a:defRPr kumimoji="1" sz="2400">
+                <a:solidFill>
+                  <a:schemeClr val="tx1"/>
+                </a:solidFill>
+                <a:latin typeface="Calibri" panose="020F0502020204030204" pitchFamily="34" charset="0"/>
+                <a:cs typeface="Arial" panose="020B0604020202020204" pitchFamily="34" charset="0"/>
+              </a:defRPr>
+            </a:lvl1pPr>
+            <a:lvl2pPr marL="742950" indent="-285750">
+              <a:defRPr kumimoji="1" sz="2400">
+                <a:solidFill>
+                  <a:schemeClr val="tx1"/>
+                </a:solidFill>
+                <a:latin typeface="Calibri" panose="020F0502020204030204" pitchFamily="34" charset="0"/>
+                <a:cs typeface="Arial" panose="020B0604020202020204" pitchFamily="34" charset="0"/>
+              </a:defRPr>
+            </a:lvl2pPr>
+            <a:lvl3pPr marL="1143000" indent="-228600">
+              <a:defRPr kumimoji="1" sz="2400">
+                <a:solidFill>
+                  <a:schemeClr val="tx1"/>
+                </a:solidFill>
+                <a:latin typeface="Calibri" panose="020F0502020204030204" pitchFamily="34" charset="0"/>
+                <a:cs typeface="Arial" panose="020B0604020202020204" pitchFamily="34" charset="0"/>
+              </a:defRPr>
+            </a:lvl3pPr>
+            <a:lvl4pPr marL="1600200" indent="-228600">
+              <a:defRPr kumimoji="1" sz="2400">
+                <a:solidFill>
+                  <a:schemeClr val="tx1"/>
+                </a:solidFill>
+                <a:latin typeface="Calibri" panose="020F0502020204030204" pitchFamily="34" charset="0"/>
+                <a:cs typeface="Arial" panose="020B0604020202020204" pitchFamily="34" charset="0"/>
+              </a:defRPr>
+            </a:lvl4pPr>
+            <a:lvl5pPr marL="2057400" indent="-228600">
+              <a:defRPr kumimoji="1" sz="2400">
+                <a:solidFill>
+                  <a:schemeClr val="tx1"/>
+                </a:solidFill>
+                <a:latin typeface="Calibri" panose="020F0502020204030204" pitchFamily="34" charset="0"/>
+                <a:cs typeface="Arial" panose="020B0604020202020204" pitchFamily="34" charset="0"/>
+              </a:defRPr>
+            </a:lvl5pPr>
+            <a:lvl6pPr marL="2514600" indent="-228600" eaLnBrk="0" fontAlgn="base" hangingPunct="0">
+              <a:spcBef>
+                <a:spcPct val="0"/>
+              </a:spcBef>
+              <a:spcAft>
+                <a:spcPct val="0"/>
+              </a:spcAft>
+              <a:defRPr kumimoji="1" sz="2400">
+                <a:solidFill>
+                  <a:schemeClr val="tx1"/>
+                </a:solidFill>
+                <a:latin typeface="Calibri" panose="020F0502020204030204" pitchFamily="34" charset="0"/>
+                <a:cs typeface="Arial" panose="020B0604020202020204" pitchFamily="34" charset="0"/>
+              </a:defRPr>
+            </a:lvl6pPr>
+            <a:lvl7pPr marL="2971800" indent="-228600" eaLnBrk="0" fontAlgn="base" hangingPunct="0">
+              <a:spcBef>
+                <a:spcPct val="0"/>
+              </a:spcBef>
+              <a:spcAft>
+                <a:spcPct val="0"/>
+              </a:spcAft>
+              <a:defRPr kumimoji="1" sz="2400">
+                <a:solidFill>
+                  <a:schemeClr val="tx1"/>
+                </a:solidFill>
+                <a:latin typeface="Calibri" panose="020F0502020204030204" pitchFamily="34" charset="0"/>
+                <a:cs typeface="Arial" panose="020B0604020202020204" pitchFamily="34" charset="0"/>
+              </a:defRPr>
+            </a:lvl7pPr>
+            <a:lvl8pPr marL="3429000" indent="-228600" eaLnBrk="0" fontAlgn="base" hangingPunct="0">
+              <a:spcBef>
+                <a:spcPct val="0"/>
+              </a:spcBef>
+              <a:spcAft>
+                <a:spcPct val="0"/>
+              </a:spcAft>
+              <a:defRPr kumimoji="1" sz="2400">
+                <a:solidFill>
+                  <a:schemeClr val="tx1"/>
+                </a:solidFill>
+                <a:latin typeface="Calibri" panose="020F0502020204030204" pitchFamily="34" charset="0"/>
+                <a:cs typeface="Arial" panose="020B0604020202020204" pitchFamily="34" charset="0"/>
+              </a:defRPr>
+            </a:lvl8pPr>
+            <a:lvl9pPr marL="3886200" indent="-228600" eaLnBrk="0" fontAlgn="base" hangingPunct="0">
+              <a:spcBef>
+                <a:spcPct val="0"/>
+              </a:spcBef>
+              <a:spcAft>
+                <a:spcPct val="0"/>
+              </a:spcAft>
+              <a:defRPr kumimoji="1" sz="2400">
+                <a:solidFill>
+                  <a:schemeClr val="tx1"/>
+                </a:solidFill>
+                <a:latin typeface="Calibri" panose="020F0502020204030204" pitchFamily="34" charset="0"/>
+                <a:cs typeface="Arial" panose="020B0604020202020204" pitchFamily="34" charset="0"/>
+              </a:defRPr>
+            </a:lvl9pPr>
+          </a:lstStyle>
+          <a:p>
+            <a:fld id="{E1DEE6EA-B290-4F4D-B842-C7C452658346}" type="slidenum">
+              <a:rPr kumimoji="0" lang="ru-RU" altLang="ru-RU" sz="1600"/>
+              <a:pPr/>
+              <a:t>7</a:t>
+            </a:fld>
+            <a:endParaRPr kumimoji="0" lang="ru-RU" altLang="ru-RU" sz="1600"/>
+          </a:p>
+        </p:txBody>
+      </p:sp>
+    </p:spTree>
+    <p:extLst>
+      <p:ext uri="{BB962C8B-B14F-4D97-AF65-F5344CB8AC3E}">
+        <p14:creationId xmlns:p14="http://schemas.microsoft.com/office/powerpoint/2010/main" val="3445482299"/>
+      </p:ext>
+    </p:extLst>
+  </p:cSld>
+  <p:clrMapOvr>
+    <a:masterClrMapping/>
+  </p:clrMapOvr>
+</p:notes>
+</file>
+
+<file path=ppt/notesSlides/notesSlide8.xml><?xml version="1.0" encoding="utf-8"?>
+<p:notes xmlns:a="http://schemas.openxmlformats.org/drawingml/2006/main" xmlns:r="http://schemas.openxmlformats.org/officeDocument/2006/relationships" xmlns:p="http://schemas.openxmlformats.org/presentationml/2006/main">
+  <p:cSld>
+    <p:spTree>
+      <p:nvGrpSpPr>
+        <p:cNvPr id="1" name=""/>
+        <p:cNvGrpSpPr/>
+        <p:nvPr/>
+      </p:nvGrpSpPr>
+      <p:grpSpPr>
+        <a:xfrm>
+          <a:off x="0" y="0"/>
+          <a:ext cx="0" cy="0"/>
+          <a:chOff x="0" y="0"/>
+          <a:chExt cx="0" cy="0"/>
+        </a:xfrm>
+      </p:grpSpPr>
+      <p:sp>
+        <p:nvSpPr>
+          <p:cNvPr id="19458" name="Образ слайда 1"/>
+          <p:cNvSpPr>
+            <a:spLocks noGrp="1" noRot="1" noChangeAspect="1" noTextEdit="1"/>
+          </p:cNvSpPr>
+          <p:nvPr>
+            <p:ph type="sldImg"/>
+          </p:nvPr>
+        </p:nvSpPr>
+        <p:spPr bwMode="auto">
+          <a:noFill/>
+          <a:ln>
+            <a:solidFill>
+              <a:srgbClr val="000000"/>
+            </a:solidFill>
+            <a:miter lim="800000"/>
+            <a:headEnd/>
+            <a:tailEnd/>
+          </a:ln>
+          <a:extLst>
+            <a:ext uri="{909E8E84-426E-40DD-AFC4-6F175D3DCCD1}">
+              <a14:hiddenFill xmlns:a14="http://schemas.microsoft.com/office/drawing/2010/main">
+                <a:solidFill>
+                  <a:srgbClr val="FFFFFF"/>
+                </a:solidFill>
+              </a14:hiddenFill>
+            </a:ext>
+          </a:extLst>
+        </p:spPr>
+      </p:sp>
+      <p:sp>
+        <p:nvSpPr>
+          <p:cNvPr id="19459" name="Заметки 2"/>
+          <p:cNvSpPr>
+            <a:spLocks noGrp="1"/>
+          </p:cNvSpPr>
+          <p:nvPr>
+            <p:ph type="body" idx="1"/>
+          </p:nvPr>
+        </p:nvSpPr>
+        <p:spPr bwMode="auto">
+          <a:noFill/>
+          <a:extLst>
+            <a:ext uri="{909E8E84-426E-40DD-AFC4-6F175D3DCCD1}">
+              <a14:hiddenFill xmlns:a14="http://schemas.microsoft.com/office/drawing/2010/main">
+                <a:solidFill>
+                  <a:srgbClr val="FFFFFF"/>
+                </a:solidFill>
+              </a14:hiddenFill>
+            </a:ext>
+            <a:ext uri="{91240B29-F687-4F45-9708-019B960494DF}">
+              <a14:hiddenLine xmlns:a14="http://schemas.microsoft.com/office/drawing/2010/main" w="9525">
+                <a:solidFill>
+                  <a:srgbClr val="000000"/>
+                </a:solidFill>
+                <a:miter lim="800000"/>
+                <a:headEnd/>
+                <a:tailEnd/>
+              </a14:hiddenLine>
+            </a:ext>
+          </a:extLst>
+        </p:spPr>
+        <p:txBody>
+          <a:bodyPr/>
+          <a:lstStyle/>
+          <a:p>
+            <a:endParaRPr lang="ru-RU" altLang="ru-RU">
+              <a:latin typeface="Calibri" panose="020F0502020204030204" pitchFamily="34" charset="0"/>
+              <a:cs typeface="Arial" panose="020B0604020202020204" pitchFamily="34" charset="0"/>
+            </a:endParaRPr>
+          </a:p>
+        </p:txBody>
+      </p:sp>
+      <p:sp>
+        <p:nvSpPr>
+          <p:cNvPr id="19460" name="Номер слайда 3"/>
+          <p:cNvSpPr>
+            <a:spLocks noGrp="1"/>
+          </p:cNvSpPr>
+          <p:nvPr>
+            <p:ph type="sldNum" sz="quarter" idx="5"/>
+          </p:nvPr>
+        </p:nvSpPr>
+        <p:spPr bwMode="auto">
+          <a:noFill/>
+          <a:extLst>
+            <a:ext uri="{909E8E84-426E-40DD-AFC4-6F175D3DCCD1}">
+              <a14:hiddenFill xmlns:a14="http://schemas.microsoft.com/office/drawing/2010/main">
+                <a:solidFill>
+                  <a:srgbClr val="FFFFFF"/>
+                </a:solidFill>
+              </a14:hiddenFill>
+            </a:ext>
+            <a:ext uri="{91240B29-F687-4F45-9708-019B960494DF}">
+              <a14:hiddenLine xmlns:a14="http://schemas.microsoft.com/office/drawing/2010/main" w="9525">
+                <a:solidFill>
+                  <a:srgbClr val="000000"/>
+                </a:solidFill>
+                <a:miter lim="800000"/>
+                <a:headEnd/>
+                <a:tailEnd/>
+              </a14:hiddenLine>
+            </a:ext>
+          </a:extLst>
+        </p:spPr>
+        <p:txBody>
+          <a:bodyPr/>
+          <a:lstStyle>
+            <a:lvl1pPr>
+              <a:defRPr kumimoji="1" sz="2400">
+                <a:solidFill>
+                  <a:schemeClr val="tx1"/>
+                </a:solidFill>
+                <a:latin typeface="Calibri" panose="020F0502020204030204" pitchFamily="34" charset="0"/>
+                <a:cs typeface="Arial" panose="020B0604020202020204" pitchFamily="34" charset="0"/>
+              </a:defRPr>
+            </a:lvl1pPr>
+            <a:lvl2pPr marL="742950" indent="-285750">
+              <a:defRPr kumimoji="1" sz="2400">
+                <a:solidFill>
+                  <a:schemeClr val="tx1"/>
+                </a:solidFill>
+                <a:latin typeface="Calibri" panose="020F0502020204030204" pitchFamily="34" charset="0"/>
+                <a:cs typeface="Arial" panose="020B0604020202020204" pitchFamily="34" charset="0"/>
+              </a:defRPr>
+            </a:lvl2pPr>
+            <a:lvl3pPr marL="1143000" indent="-228600">
+              <a:defRPr kumimoji="1" sz="2400">
+                <a:solidFill>
+                  <a:schemeClr val="tx1"/>
+                </a:solidFill>
+                <a:latin typeface="Calibri" panose="020F0502020204030204" pitchFamily="34" charset="0"/>
+                <a:cs typeface="Arial" panose="020B0604020202020204" pitchFamily="34" charset="0"/>
+              </a:defRPr>
+            </a:lvl3pPr>
+            <a:lvl4pPr marL="1600200" indent="-228600">
+              <a:defRPr kumimoji="1" sz="2400">
+                <a:solidFill>
+                  <a:schemeClr val="tx1"/>
+                </a:solidFill>
+                <a:latin typeface="Calibri" panose="020F0502020204030204" pitchFamily="34" charset="0"/>
+                <a:cs typeface="Arial" panose="020B0604020202020204" pitchFamily="34" charset="0"/>
+              </a:defRPr>
+            </a:lvl4pPr>
+            <a:lvl5pPr marL="2057400" indent="-228600">
+              <a:defRPr kumimoji="1" sz="2400">
+                <a:solidFill>
+                  <a:schemeClr val="tx1"/>
+                </a:solidFill>
+                <a:latin typeface="Calibri" panose="020F0502020204030204" pitchFamily="34" charset="0"/>
+                <a:cs typeface="Arial" panose="020B0604020202020204" pitchFamily="34" charset="0"/>
+              </a:defRPr>
+            </a:lvl5pPr>
+            <a:lvl6pPr marL="2514600" indent="-228600" eaLnBrk="0" fontAlgn="base" hangingPunct="0">
+              <a:spcBef>
+                <a:spcPct val="0"/>
+              </a:spcBef>
+              <a:spcAft>
+                <a:spcPct val="0"/>
+              </a:spcAft>
+              <a:defRPr kumimoji="1" sz="2400">
+                <a:solidFill>
+                  <a:schemeClr val="tx1"/>
+                </a:solidFill>
+                <a:latin typeface="Calibri" panose="020F0502020204030204" pitchFamily="34" charset="0"/>
+                <a:cs typeface="Arial" panose="020B0604020202020204" pitchFamily="34" charset="0"/>
+              </a:defRPr>
+            </a:lvl6pPr>
+            <a:lvl7pPr marL="2971800" indent="-228600" eaLnBrk="0" fontAlgn="base" hangingPunct="0">
+              <a:spcBef>
+                <a:spcPct val="0"/>
+              </a:spcBef>
+              <a:spcAft>
+                <a:spcPct val="0"/>
+              </a:spcAft>
+              <a:defRPr kumimoji="1" sz="2400">
+                <a:solidFill>
+                  <a:schemeClr val="tx1"/>
+                </a:solidFill>
+                <a:latin typeface="Calibri" panose="020F0502020204030204" pitchFamily="34" charset="0"/>
+                <a:cs typeface="Arial" panose="020B0604020202020204" pitchFamily="34" charset="0"/>
+              </a:defRPr>
+            </a:lvl7pPr>
+            <a:lvl8pPr marL="3429000" indent="-228600" eaLnBrk="0" fontAlgn="base" hangingPunct="0">
+              <a:spcBef>
+                <a:spcPct val="0"/>
+              </a:spcBef>
+              <a:spcAft>
+                <a:spcPct val="0"/>
+              </a:spcAft>
+              <a:defRPr kumimoji="1" sz="2400">
+                <a:solidFill>
+                  <a:schemeClr val="tx1"/>
+                </a:solidFill>
+                <a:latin typeface="Calibri" panose="020F0502020204030204" pitchFamily="34" charset="0"/>
+                <a:cs typeface="Arial" panose="020B0604020202020204" pitchFamily="34" charset="0"/>
+              </a:defRPr>
+            </a:lvl8pPr>
+            <a:lvl9pPr marL="3886200" indent="-228600" eaLnBrk="0" fontAlgn="base" hangingPunct="0">
+              <a:spcBef>
+                <a:spcPct val="0"/>
+              </a:spcBef>
+              <a:spcAft>
+                <a:spcPct val="0"/>
+              </a:spcAft>
+              <a:defRPr kumimoji="1" sz="2400">
+                <a:solidFill>
+                  <a:schemeClr val="tx1"/>
+                </a:solidFill>
+                <a:latin typeface="Calibri" panose="020F0502020204030204" pitchFamily="34" charset="0"/>
+                <a:cs typeface="Arial" panose="020B0604020202020204" pitchFamily="34" charset="0"/>
+              </a:defRPr>
+            </a:lvl9pPr>
+          </a:lstStyle>
+          <a:p>
+            <a:fld id="{E1DEE6EA-B290-4F4D-B842-C7C452658346}" type="slidenum">
+              <a:rPr kumimoji="0" lang="ru-RU" altLang="ru-RU" sz="1600"/>
+              <a:pPr/>
+              <a:t>8</a:t>
+            </a:fld>
+            <a:endParaRPr kumimoji="0" lang="ru-RU" altLang="ru-RU" sz="1600"/>
+          </a:p>
+        </p:txBody>
+      </p:sp>
+    </p:spTree>
+    <p:extLst>
+      <p:ext uri="{BB962C8B-B14F-4D97-AF65-F5344CB8AC3E}">
+        <p14:creationId xmlns:p14="http://schemas.microsoft.com/office/powerpoint/2010/main" val="2725875917"/>
+      </p:ext>
+    </p:extLst>
+  </p:cSld>
+  <p:clrMapOvr>
+    <a:masterClrMapping/>
+  </p:clrMapOvr>
+</p:notes>
+</file>
+
+<file path=ppt/notesSlides/notesSlide9.xml><?xml version="1.0" encoding="utf-8"?>
+<p:notes xmlns:a="http://schemas.openxmlformats.org/drawingml/2006/main" xmlns:r="http://schemas.openxmlformats.org/officeDocument/2006/relationships" xmlns:p="http://schemas.openxmlformats.org/presentationml/2006/main">
+  <p:cSld>
+    <p:spTree>
+      <p:nvGrpSpPr>
+        <p:cNvPr id="1" name=""/>
+        <p:cNvGrpSpPr/>
+        <p:nvPr/>
+      </p:nvGrpSpPr>
+      <p:grpSpPr>
+        <a:xfrm>
+          <a:off x="0" y="0"/>
+          <a:ext cx="0" cy="0"/>
+          <a:chOff x="0" y="0"/>
+          <a:chExt cx="0" cy="0"/>
+        </a:xfrm>
+      </p:grpSpPr>
+      <p:sp>
+        <p:nvSpPr>
           <p:cNvPr id="21506" name="Образ слайда 1"/>
           <p:cNvSpPr>
             <a:spLocks noGrp="1" noRot="1" noChangeAspect="1" noTextEdit="1"/>
@@ -2919,756 +5199,6 @@
               <a:rPr kumimoji="0" lang="ru-RU" altLang="ru-RU" sz="1600"/>
               <a:pPr/>
               <a:t>9</a:t>
-            </a:fld>
-            <a:endParaRPr kumimoji="0" lang="ru-RU" altLang="ru-RU" sz="1600"/>
-          </a:p>
-        </p:txBody>
-      </p:sp>
-    </p:spTree>
-  </p:cSld>
-  <p:clrMapOvr>
-    <a:masterClrMapping/>
-  </p:clrMapOvr>
-</p:notes>
-</file>
-
-<file path=ppt/notesSlides/notesSlide7.xml><?xml version="1.0" encoding="utf-8"?>
-<p:notes xmlns:a="http://schemas.openxmlformats.org/drawingml/2006/main" xmlns:r="http://schemas.openxmlformats.org/officeDocument/2006/relationships" xmlns:p="http://schemas.openxmlformats.org/presentationml/2006/main">
-  <p:cSld>
-    <p:spTree>
-      <p:nvGrpSpPr>
-        <p:cNvPr id="1" name=""/>
-        <p:cNvGrpSpPr/>
-        <p:nvPr/>
-      </p:nvGrpSpPr>
-      <p:grpSpPr>
-        <a:xfrm>
-          <a:off x="0" y="0"/>
-          <a:ext cx="0" cy="0"/>
-          <a:chOff x="0" y="0"/>
-          <a:chExt cx="0" cy="0"/>
-        </a:xfrm>
-      </p:grpSpPr>
-      <p:sp>
-        <p:nvSpPr>
-          <p:cNvPr id="25602" name="Образ слайда 1"/>
-          <p:cNvSpPr>
-            <a:spLocks noGrp="1" noRot="1" noChangeAspect="1" noTextEdit="1"/>
-          </p:cNvSpPr>
-          <p:nvPr>
-            <p:ph type="sldImg"/>
-          </p:nvPr>
-        </p:nvSpPr>
-        <p:spPr bwMode="auto">
-          <a:noFill/>
-          <a:ln>
-            <a:solidFill>
-              <a:srgbClr val="000000"/>
-            </a:solidFill>
-            <a:miter lim="800000"/>
-            <a:headEnd/>
-            <a:tailEnd/>
-          </a:ln>
-          <a:extLst>
-            <a:ext uri="{909E8E84-426E-40DD-AFC4-6F175D3DCCD1}">
-              <a14:hiddenFill xmlns:a14="http://schemas.microsoft.com/office/drawing/2010/main">
-                <a:solidFill>
-                  <a:srgbClr val="FFFFFF"/>
-                </a:solidFill>
-              </a14:hiddenFill>
-            </a:ext>
-          </a:extLst>
-        </p:spPr>
-      </p:sp>
-      <p:sp>
-        <p:nvSpPr>
-          <p:cNvPr id="25603" name="Заметки 2"/>
-          <p:cNvSpPr>
-            <a:spLocks noGrp="1"/>
-          </p:cNvSpPr>
-          <p:nvPr>
-            <p:ph type="body" idx="1"/>
-          </p:nvPr>
-        </p:nvSpPr>
-        <p:spPr bwMode="auto">
-          <a:noFill/>
-          <a:extLst>
-            <a:ext uri="{909E8E84-426E-40DD-AFC4-6F175D3DCCD1}">
-              <a14:hiddenFill xmlns:a14="http://schemas.microsoft.com/office/drawing/2010/main">
-                <a:solidFill>
-                  <a:srgbClr val="FFFFFF"/>
-                </a:solidFill>
-              </a14:hiddenFill>
-            </a:ext>
-            <a:ext uri="{91240B29-F687-4F45-9708-019B960494DF}">
-              <a14:hiddenLine xmlns:a14="http://schemas.microsoft.com/office/drawing/2010/main" w="9525">
-                <a:solidFill>
-                  <a:srgbClr val="000000"/>
-                </a:solidFill>
-                <a:miter lim="800000"/>
-                <a:headEnd/>
-                <a:tailEnd/>
-              </a14:hiddenLine>
-            </a:ext>
-          </a:extLst>
-        </p:spPr>
-        <p:txBody>
-          <a:bodyPr/>
-          <a:lstStyle/>
-          <a:p>
-            <a:endParaRPr lang="ru-RU" altLang="ru-RU">
-              <a:latin typeface="Calibri" panose="020F0502020204030204" pitchFamily="34" charset="0"/>
-              <a:cs typeface="Arial" panose="020B0604020202020204" pitchFamily="34" charset="0"/>
-            </a:endParaRPr>
-          </a:p>
-        </p:txBody>
-      </p:sp>
-      <p:sp>
-        <p:nvSpPr>
-          <p:cNvPr id="25604" name="Номер слайда 3"/>
-          <p:cNvSpPr>
-            <a:spLocks noGrp="1"/>
-          </p:cNvSpPr>
-          <p:nvPr>
-            <p:ph type="sldNum" sz="quarter" idx="5"/>
-          </p:nvPr>
-        </p:nvSpPr>
-        <p:spPr bwMode="auto">
-          <a:noFill/>
-          <a:extLst>
-            <a:ext uri="{909E8E84-426E-40DD-AFC4-6F175D3DCCD1}">
-              <a14:hiddenFill xmlns:a14="http://schemas.microsoft.com/office/drawing/2010/main">
-                <a:solidFill>
-                  <a:srgbClr val="FFFFFF"/>
-                </a:solidFill>
-              </a14:hiddenFill>
-            </a:ext>
-            <a:ext uri="{91240B29-F687-4F45-9708-019B960494DF}">
-              <a14:hiddenLine xmlns:a14="http://schemas.microsoft.com/office/drawing/2010/main" w="9525">
-                <a:solidFill>
-                  <a:srgbClr val="000000"/>
-                </a:solidFill>
-                <a:miter lim="800000"/>
-                <a:headEnd/>
-                <a:tailEnd/>
-              </a14:hiddenLine>
-            </a:ext>
-          </a:extLst>
-        </p:spPr>
-        <p:txBody>
-          <a:bodyPr/>
-          <a:lstStyle>
-            <a:lvl1pPr>
-              <a:defRPr kumimoji="1" sz="2400">
-                <a:solidFill>
-                  <a:schemeClr val="tx1"/>
-                </a:solidFill>
-                <a:latin typeface="Calibri" panose="020F0502020204030204" pitchFamily="34" charset="0"/>
-                <a:cs typeface="Arial" panose="020B0604020202020204" pitchFamily="34" charset="0"/>
-              </a:defRPr>
-            </a:lvl1pPr>
-            <a:lvl2pPr marL="742950" indent="-285750">
-              <a:defRPr kumimoji="1" sz="2400">
-                <a:solidFill>
-                  <a:schemeClr val="tx1"/>
-                </a:solidFill>
-                <a:latin typeface="Calibri" panose="020F0502020204030204" pitchFamily="34" charset="0"/>
-                <a:cs typeface="Arial" panose="020B0604020202020204" pitchFamily="34" charset="0"/>
-              </a:defRPr>
-            </a:lvl2pPr>
-            <a:lvl3pPr marL="1143000" indent="-228600">
-              <a:defRPr kumimoji="1" sz="2400">
-                <a:solidFill>
-                  <a:schemeClr val="tx1"/>
-                </a:solidFill>
-                <a:latin typeface="Calibri" panose="020F0502020204030204" pitchFamily="34" charset="0"/>
-                <a:cs typeface="Arial" panose="020B0604020202020204" pitchFamily="34" charset="0"/>
-              </a:defRPr>
-            </a:lvl3pPr>
-            <a:lvl4pPr marL="1600200" indent="-228600">
-              <a:defRPr kumimoji="1" sz="2400">
-                <a:solidFill>
-                  <a:schemeClr val="tx1"/>
-                </a:solidFill>
-                <a:latin typeface="Calibri" panose="020F0502020204030204" pitchFamily="34" charset="0"/>
-                <a:cs typeface="Arial" panose="020B0604020202020204" pitchFamily="34" charset="0"/>
-              </a:defRPr>
-            </a:lvl4pPr>
-            <a:lvl5pPr marL="2057400" indent="-228600">
-              <a:defRPr kumimoji="1" sz="2400">
-                <a:solidFill>
-                  <a:schemeClr val="tx1"/>
-                </a:solidFill>
-                <a:latin typeface="Calibri" panose="020F0502020204030204" pitchFamily="34" charset="0"/>
-                <a:cs typeface="Arial" panose="020B0604020202020204" pitchFamily="34" charset="0"/>
-              </a:defRPr>
-            </a:lvl5pPr>
-            <a:lvl6pPr marL="2514600" indent="-228600" eaLnBrk="0" fontAlgn="base" hangingPunct="0">
-              <a:spcBef>
-                <a:spcPct val="0"/>
-              </a:spcBef>
-              <a:spcAft>
-                <a:spcPct val="0"/>
-              </a:spcAft>
-              <a:defRPr kumimoji="1" sz="2400">
-                <a:solidFill>
-                  <a:schemeClr val="tx1"/>
-                </a:solidFill>
-                <a:latin typeface="Calibri" panose="020F0502020204030204" pitchFamily="34" charset="0"/>
-                <a:cs typeface="Arial" panose="020B0604020202020204" pitchFamily="34" charset="0"/>
-              </a:defRPr>
-            </a:lvl6pPr>
-            <a:lvl7pPr marL="2971800" indent="-228600" eaLnBrk="0" fontAlgn="base" hangingPunct="0">
-              <a:spcBef>
-                <a:spcPct val="0"/>
-              </a:spcBef>
-              <a:spcAft>
-                <a:spcPct val="0"/>
-              </a:spcAft>
-              <a:defRPr kumimoji="1" sz="2400">
-                <a:solidFill>
-                  <a:schemeClr val="tx1"/>
-                </a:solidFill>
-                <a:latin typeface="Calibri" panose="020F0502020204030204" pitchFamily="34" charset="0"/>
-                <a:cs typeface="Arial" panose="020B0604020202020204" pitchFamily="34" charset="0"/>
-              </a:defRPr>
-            </a:lvl7pPr>
-            <a:lvl8pPr marL="3429000" indent="-228600" eaLnBrk="0" fontAlgn="base" hangingPunct="0">
-              <a:spcBef>
-                <a:spcPct val="0"/>
-              </a:spcBef>
-              <a:spcAft>
-                <a:spcPct val="0"/>
-              </a:spcAft>
-              <a:defRPr kumimoji="1" sz="2400">
-                <a:solidFill>
-                  <a:schemeClr val="tx1"/>
-                </a:solidFill>
-                <a:latin typeface="Calibri" panose="020F0502020204030204" pitchFamily="34" charset="0"/>
-                <a:cs typeface="Arial" panose="020B0604020202020204" pitchFamily="34" charset="0"/>
-              </a:defRPr>
-            </a:lvl8pPr>
-            <a:lvl9pPr marL="3886200" indent="-228600" eaLnBrk="0" fontAlgn="base" hangingPunct="0">
-              <a:spcBef>
-                <a:spcPct val="0"/>
-              </a:spcBef>
-              <a:spcAft>
-                <a:spcPct val="0"/>
-              </a:spcAft>
-              <a:defRPr kumimoji="1" sz="2400">
-                <a:solidFill>
-                  <a:schemeClr val="tx1"/>
-                </a:solidFill>
-                <a:latin typeface="Calibri" panose="020F0502020204030204" pitchFamily="34" charset="0"/>
-                <a:cs typeface="Arial" panose="020B0604020202020204" pitchFamily="34" charset="0"/>
-              </a:defRPr>
-            </a:lvl9pPr>
-          </a:lstStyle>
-          <a:p>
-            <a:fld id="{775087E4-01A1-41D6-9E24-529B58CE3AB7}" type="slidenum">
-              <a:rPr kumimoji="0" lang="ru-RU" altLang="ru-RU" sz="1600"/>
-              <a:pPr/>
-              <a:t>10</a:t>
-            </a:fld>
-            <a:endParaRPr kumimoji="0" lang="ru-RU" altLang="ru-RU" sz="1600"/>
-          </a:p>
-        </p:txBody>
-      </p:sp>
-    </p:spTree>
-  </p:cSld>
-  <p:clrMapOvr>
-    <a:masterClrMapping/>
-  </p:clrMapOvr>
-</p:notes>
-</file>
-
-<file path=ppt/notesSlides/notesSlide8.xml><?xml version="1.0" encoding="utf-8"?>
-<p:notes xmlns:a="http://schemas.openxmlformats.org/drawingml/2006/main" xmlns:r="http://schemas.openxmlformats.org/officeDocument/2006/relationships" xmlns:p="http://schemas.openxmlformats.org/presentationml/2006/main">
-  <p:cSld>
-    <p:spTree>
-      <p:nvGrpSpPr>
-        <p:cNvPr id="1" name=""/>
-        <p:cNvGrpSpPr/>
-        <p:nvPr/>
-      </p:nvGrpSpPr>
-      <p:grpSpPr>
-        <a:xfrm>
-          <a:off x="0" y="0"/>
-          <a:ext cx="0" cy="0"/>
-          <a:chOff x="0" y="0"/>
-          <a:chExt cx="0" cy="0"/>
-        </a:xfrm>
-      </p:grpSpPr>
-      <p:sp>
-        <p:nvSpPr>
-          <p:cNvPr id="27650" name="Образ слайда 1"/>
-          <p:cNvSpPr>
-            <a:spLocks noGrp="1" noRot="1" noChangeAspect="1" noTextEdit="1"/>
-          </p:cNvSpPr>
-          <p:nvPr>
-            <p:ph type="sldImg"/>
-          </p:nvPr>
-        </p:nvSpPr>
-        <p:spPr bwMode="auto">
-          <a:noFill/>
-          <a:ln>
-            <a:solidFill>
-              <a:srgbClr val="000000"/>
-            </a:solidFill>
-            <a:miter lim="800000"/>
-            <a:headEnd/>
-            <a:tailEnd/>
-          </a:ln>
-          <a:extLst>
-            <a:ext uri="{909E8E84-426E-40DD-AFC4-6F175D3DCCD1}">
-              <a14:hiddenFill xmlns:a14="http://schemas.microsoft.com/office/drawing/2010/main">
-                <a:solidFill>
-                  <a:srgbClr val="FFFFFF"/>
-                </a:solidFill>
-              </a14:hiddenFill>
-            </a:ext>
-          </a:extLst>
-        </p:spPr>
-      </p:sp>
-      <p:sp>
-        <p:nvSpPr>
-          <p:cNvPr id="27651" name="Заметки 2"/>
-          <p:cNvSpPr>
-            <a:spLocks noGrp="1"/>
-          </p:cNvSpPr>
-          <p:nvPr>
-            <p:ph type="body" idx="1"/>
-          </p:nvPr>
-        </p:nvSpPr>
-        <p:spPr bwMode="auto">
-          <a:noFill/>
-          <a:extLst>
-            <a:ext uri="{909E8E84-426E-40DD-AFC4-6F175D3DCCD1}">
-              <a14:hiddenFill xmlns:a14="http://schemas.microsoft.com/office/drawing/2010/main">
-                <a:solidFill>
-                  <a:srgbClr val="FFFFFF"/>
-                </a:solidFill>
-              </a14:hiddenFill>
-            </a:ext>
-            <a:ext uri="{91240B29-F687-4F45-9708-019B960494DF}">
-              <a14:hiddenLine xmlns:a14="http://schemas.microsoft.com/office/drawing/2010/main" w="9525">
-                <a:solidFill>
-                  <a:srgbClr val="000000"/>
-                </a:solidFill>
-                <a:miter lim="800000"/>
-                <a:headEnd/>
-                <a:tailEnd/>
-              </a14:hiddenLine>
-            </a:ext>
-          </a:extLst>
-        </p:spPr>
-        <p:txBody>
-          <a:bodyPr/>
-          <a:lstStyle/>
-          <a:p>
-            <a:endParaRPr lang="ru-RU" altLang="ru-RU">
-              <a:latin typeface="Calibri" panose="020F0502020204030204" pitchFamily="34" charset="0"/>
-              <a:cs typeface="Arial" panose="020B0604020202020204" pitchFamily="34" charset="0"/>
-            </a:endParaRPr>
-          </a:p>
-        </p:txBody>
-      </p:sp>
-      <p:sp>
-        <p:nvSpPr>
-          <p:cNvPr id="27652" name="Номер слайда 3"/>
-          <p:cNvSpPr>
-            <a:spLocks noGrp="1"/>
-          </p:cNvSpPr>
-          <p:nvPr>
-            <p:ph type="sldNum" sz="quarter" idx="5"/>
-          </p:nvPr>
-        </p:nvSpPr>
-        <p:spPr bwMode="auto">
-          <a:noFill/>
-          <a:extLst>
-            <a:ext uri="{909E8E84-426E-40DD-AFC4-6F175D3DCCD1}">
-              <a14:hiddenFill xmlns:a14="http://schemas.microsoft.com/office/drawing/2010/main">
-                <a:solidFill>
-                  <a:srgbClr val="FFFFFF"/>
-                </a:solidFill>
-              </a14:hiddenFill>
-            </a:ext>
-            <a:ext uri="{91240B29-F687-4F45-9708-019B960494DF}">
-              <a14:hiddenLine xmlns:a14="http://schemas.microsoft.com/office/drawing/2010/main" w="9525">
-                <a:solidFill>
-                  <a:srgbClr val="000000"/>
-                </a:solidFill>
-                <a:miter lim="800000"/>
-                <a:headEnd/>
-                <a:tailEnd/>
-              </a14:hiddenLine>
-            </a:ext>
-          </a:extLst>
-        </p:spPr>
-        <p:txBody>
-          <a:bodyPr/>
-          <a:lstStyle>
-            <a:lvl1pPr>
-              <a:defRPr kumimoji="1" sz="2400">
-                <a:solidFill>
-                  <a:schemeClr val="tx1"/>
-                </a:solidFill>
-                <a:latin typeface="Calibri" panose="020F0502020204030204" pitchFamily="34" charset="0"/>
-                <a:cs typeface="Arial" panose="020B0604020202020204" pitchFamily="34" charset="0"/>
-              </a:defRPr>
-            </a:lvl1pPr>
-            <a:lvl2pPr marL="742950" indent="-285750">
-              <a:defRPr kumimoji="1" sz="2400">
-                <a:solidFill>
-                  <a:schemeClr val="tx1"/>
-                </a:solidFill>
-                <a:latin typeface="Calibri" panose="020F0502020204030204" pitchFamily="34" charset="0"/>
-                <a:cs typeface="Arial" panose="020B0604020202020204" pitchFamily="34" charset="0"/>
-              </a:defRPr>
-            </a:lvl2pPr>
-            <a:lvl3pPr marL="1143000" indent="-228600">
-              <a:defRPr kumimoji="1" sz="2400">
-                <a:solidFill>
-                  <a:schemeClr val="tx1"/>
-                </a:solidFill>
-                <a:latin typeface="Calibri" panose="020F0502020204030204" pitchFamily="34" charset="0"/>
-                <a:cs typeface="Arial" panose="020B0604020202020204" pitchFamily="34" charset="0"/>
-              </a:defRPr>
-            </a:lvl3pPr>
-            <a:lvl4pPr marL="1600200" indent="-228600">
-              <a:defRPr kumimoji="1" sz="2400">
-                <a:solidFill>
-                  <a:schemeClr val="tx1"/>
-                </a:solidFill>
-                <a:latin typeface="Calibri" panose="020F0502020204030204" pitchFamily="34" charset="0"/>
-                <a:cs typeface="Arial" panose="020B0604020202020204" pitchFamily="34" charset="0"/>
-              </a:defRPr>
-            </a:lvl4pPr>
-            <a:lvl5pPr marL="2057400" indent="-228600">
-              <a:defRPr kumimoji="1" sz="2400">
-                <a:solidFill>
-                  <a:schemeClr val="tx1"/>
-                </a:solidFill>
-                <a:latin typeface="Calibri" panose="020F0502020204030204" pitchFamily="34" charset="0"/>
-                <a:cs typeface="Arial" panose="020B0604020202020204" pitchFamily="34" charset="0"/>
-              </a:defRPr>
-            </a:lvl5pPr>
-            <a:lvl6pPr marL="2514600" indent="-228600" eaLnBrk="0" fontAlgn="base" hangingPunct="0">
-              <a:spcBef>
-                <a:spcPct val="0"/>
-              </a:spcBef>
-              <a:spcAft>
-                <a:spcPct val="0"/>
-              </a:spcAft>
-              <a:defRPr kumimoji="1" sz="2400">
-                <a:solidFill>
-                  <a:schemeClr val="tx1"/>
-                </a:solidFill>
-                <a:latin typeface="Calibri" panose="020F0502020204030204" pitchFamily="34" charset="0"/>
-                <a:cs typeface="Arial" panose="020B0604020202020204" pitchFamily="34" charset="0"/>
-              </a:defRPr>
-            </a:lvl6pPr>
-            <a:lvl7pPr marL="2971800" indent="-228600" eaLnBrk="0" fontAlgn="base" hangingPunct="0">
-              <a:spcBef>
-                <a:spcPct val="0"/>
-              </a:spcBef>
-              <a:spcAft>
-                <a:spcPct val="0"/>
-              </a:spcAft>
-              <a:defRPr kumimoji="1" sz="2400">
-                <a:solidFill>
-                  <a:schemeClr val="tx1"/>
-                </a:solidFill>
-                <a:latin typeface="Calibri" panose="020F0502020204030204" pitchFamily="34" charset="0"/>
-                <a:cs typeface="Arial" panose="020B0604020202020204" pitchFamily="34" charset="0"/>
-              </a:defRPr>
-            </a:lvl7pPr>
-            <a:lvl8pPr marL="3429000" indent="-228600" eaLnBrk="0" fontAlgn="base" hangingPunct="0">
-              <a:spcBef>
-                <a:spcPct val="0"/>
-              </a:spcBef>
-              <a:spcAft>
-                <a:spcPct val="0"/>
-              </a:spcAft>
-              <a:defRPr kumimoji="1" sz="2400">
-                <a:solidFill>
-                  <a:schemeClr val="tx1"/>
-                </a:solidFill>
-                <a:latin typeface="Calibri" panose="020F0502020204030204" pitchFamily="34" charset="0"/>
-                <a:cs typeface="Arial" panose="020B0604020202020204" pitchFamily="34" charset="0"/>
-              </a:defRPr>
-            </a:lvl8pPr>
-            <a:lvl9pPr marL="3886200" indent="-228600" eaLnBrk="0" fontAlgn="base" hangingPunct="0">
-              <a:spcBef>
-                <a:spcPct val="0"/>
-              </a:spcBef>
-              <a:spcAft>
-                <a:spcPct val="0"/>
-              </a:spcAft>
-              <a:defRPr kumimoji="1" sz="2400">
-                <a:solidFill>
-                  <a:schemeClr val="tx1"/>
-                </a:solidFill>
-                <a:latin typeface="Calibri" panose="020F0502020204030204" pitchFamily="34" charset="0"/>
-                <a:cs typeface="Arial" panose="020B0604020202020204" pitchFamily="34" charset="0"/>
-              </a:defRPr>
-            </a:lvl9pPr>
-          </a:lstStyle>
-          <a:p>
-            <a:fld id="{3587BBB1-AC52-48D8-A2A2-72AD755A9D33}" type="slidenum">
-              <a:rPr kumimoji="0" lang="ru-RU" altLang="ru-RU" sz="1600"/>
-              <a:pPr/>
-              <a:t>11</a:t>
-            </a:fld>
-            <a:endParaRPr kumimoji="0" lang="ru-RU" altLang="ru-RU" sz="1600"/>
-          </a:p>
-        </p:txBody>
-      </p:sp>
-    </p:spTree>
-  </p:cSld>
-  <p:clrMapOvr>
-    <a:masterClrMapping/>
-  </p:clrMapOvr>
-</p:notes>
-</file>
-
-<file path=ppt/notesSlides/notesSlide9.xml><?xml version="1.0" encoding="utf-8"?>
-<p:notes xmlns:a="http://schemas.openxmlformats.org/drawingml/2006/main" xmlns:r="http://schemas.openxmlformats.org/officeDocument/2006/relationships" xmlns:p="http://schemas.openxmlformats.org/presentationml/2006/main">
-  <p:cSld>
-    <p:spTree>
-      <p:nvGrpSpPr>
-        <p:cNvPr id="1" name=""/>
-        <p:cNvGrpSpPr/>
-        <p:nvPr/>
-      </p:nvGrpSpPr>
-      <p:grpSpPr>
-        <a:xfrm>
-          <a:off x="0" y="0"/>
-          <a:ext cx="0" cy="0"/>
-          <a:chOff x="0" y="0"/>
-          <a:chExt cx="0" cy="0"/>
-        </a:xfrm>
-      </p:grpSpPr>
-      <p:sp>
-        <p:nvSpPr>
-          <p:cNvPr id="41986" name="Образ слайда 1"/>
-          <p:cNvSpPr>
-            <a:spLocks noGrp="1" noRot="1" noChangeAspect="1" noTextEdit="1"/>
-          </p:cNvSpPr>
-          <p:nvPr>
-            <p:ph type="sldImg"/>
-          </p:nvPr>
-        </p:nvSpPr>
-        <p:spPr bwMode="auto">
-          <a:noFill/>
-          <a:ln>
-            <a:solidFill>
-              <a:srgbClr val="000000"/>
-            </a:solidFill>
-            <a:miter lim="800000"/>
-            <a:headEnd/>
-            <a:tailEnd/>
-          </a:ln>
-          <a:extLst>
-            <a:ext uri="{909E8E84-426E-40DD-AFC4-6F175D3DCCD1}">
-              <a14:hiddenFill xmlns:a14="http://schemas.microsoft.com/office/drawing/2010/main">
-                <a:solidFill>
-                  <a:srgbClr val="FFFFFF"/>
-                </a:solidFill>
-              </a14:hiddenFill>
-            </a:ext>
-          </a:extLst>
-        </p:spPr>
-      </p:sp>
-      <p:sp>
-        <p:nvSpPr>
-          <p:cNvPr id="41987" name="Заметки 2"/>
-          <p:cNvSpPr>
-            <a:spLocks noGrp="1"/>
-          </p:cNvSpPr>
-          <p:nvPr>
-            <p:ph type="body" idx="1"/>
-          </p:nvPr>
-        </p:nvSpPr>
-        <p:spPr bwMode="auto">
-          <a:noFill/>
-          <a:extLst>
-            <a:ext uri="{909E8E84-426E-40DD-AFC4-6F175D3DCCD1}">
-              <a14:hiddenFill xmlns:a14="http://schemas.microsoft.com/office/drawing/2010/main">
-                <a:solidFill>
-                  <a:srgbClr val="FFFFFF"/>
-                </a:solidFill>
-              </a14:hiddenFill>
-            </a:ext>
-            <a:ext uri="{91240B29-F687-4F45-9708-019B960494DF}">
-              <a14:hiddenLine xmlns:a14="http://schemas.microsoft.com/office/drawing/2010/main" w="9525">
-                <a:solidFill>
-                  <a:srgbClr val="000000"/>
-                </a:solidFill>
-                <a:miter lim="800000"/>
-                <a:headEnd/>
-                <a:tailEnd/>
-              </a14:hiddenLine>
-            </a:ext>
-          </a:extLst>
-        </p:spPr>
-        <p:txBody>
-          <a:bodyPr/>
-          <a:lstStyle/>
-          <a:p>
-            <a:endParaRPr lang="ru-RU" altLang="ru-RU" dirty="0">
-              <a:latin typeface="Calibri" panose="020F0502020204030204" pitchFamily="34" charset="0"/>
-              <a:cs typeface="Arial" panose="020B0604020202020204" pitchFamily="34" charset="0"/>
-            </a:endParaRPr>
-          </a:p>
-        </p:txBody>
-      </p:sp>
-      <p:sp>
-        <p:nvSpPr>
-          <p:cNvPr id="41988" name="Номер слайда 3"/>
-          <p:cNvSpPr>
-            <a:spLocks noGrp="1"/>
-          </p:cNvSpPr>
-          <p:nvPr>
-            <p:ph type="sldNum" sz="quarter" idx="5"/>
-          </p:nvPr>
-        </p:nvSpPr>
-        <p:spPr bwMode="auto">
-          <a:noFill/>
-          <a:extLst>
-            <a:ext uri="{909E8E84-426E-40DD-AFC4-6F175D3DCCD1}">
-              <a14:hiddenFill xmlns:a14="http://schemas.microsoft.com/office/drawing/2010/main">
-                <a:solidFill>
-                  <a:srgbClr val="FFFFFF"/>
-                </a:solidFill>
-              </a14:hiddenFill>
-            </a:ext>
-            <a:ext uri="{91240B29-F687-4F45-9708-019B960494DF}">
-              <a14:hiddenLine xmlns:a14="http://schemas.microsoft.com/office/drawing/2010/main" w="9525">
-                <a:solidFill>
-                  <a:srgbClr val="000000"/>
-                </a:solidFill>
-                <a:miter lim="800000"/>
-                <a:headEnd/>
-                <a:tailEnd/>
-              </a14:hiddenLine>
-            </a:ext>
-          </a:extLst>
-        </p:spPr>
-        <p:txBody>
-          <a:bodyPr/>
-          <a:lstStyle>
-            <a:lvl1pPr>
-              <a:defRPr kumimoji="1" sz="2400">
-                <a:solidFill>
-                  <a:schemeClr val="tx1"/>
-                </a:solidFill>
-                <a:latin typeface="Calibri" panose="020F0502020204030204" pitchFamily="34" charset="0"/>
-                <a:cs typeface="Arial" panose="020B0604020202020204" pitchFamily="34" charset="0"/>
-              </a:defRPr>
-            </a:lvl1pPr>
-            <a:lvl2pPr marL="742950" indent="-285750">
-              <a:defRPr kumimoji="1" sz="2400">
-                <a:solidFill>
-                  <a:schemeClr val="tx1"/>
-                </a:solidFill>
-                <a:latin typeface="Calibri" panose="020F0502020204030204" pitchFamily="34" charset="0"/>
-                <a:cs typeface="Arial" panose="020B0604020202020204" pitchFamily="34" charset="0"/>
-              </a:defRPr>
-            </a:lvl2pPr>
-            <a:lvl3pPr marL="1143000" indent="-228600">
-              <a:defRPr kumimoji="1" sz="2400">
-                <a:solidFill>
-                  <a:schemeClr val="tx1"/>
-                </a:solidFill>
-                <a:latin typeface="Calibri" panose="020F0502020204030204" pitchFamily="34" charset="0"/>
-                <a:cs typeface="Arial" panose="020B0604020202020204" pitchFamily="34" charset="0"/>
-              </a:defRPr>
-            </a:lvl3pPr>
-            <a:lvl4pPr marL="1600200" indent="-228600">
-              <a:defRPr kumimoji="1" sz="2400">
-                <a:solidFill>
-                  <a:schemeClr val="tx1"/>
-                </a:solidFill>
-                <a:latin typeface="Calibri" panose="020F0502020204030204" pitchFamily="34" charset="0"/>
-                <a:cs typeface="Arial" panose="020B0604020202020204" pitchFamily="34" charset="0"/>
-              </a:defRPr>
-            </a:lvl4pPr>
-            <a:lvl5pPr marL="2057400" indent="-228600">
-              <a:defRPr kumimoji="1" sz="2400">
-                <a:solidFill>
-                  <a:schemeClr val="tx1"/>
-                </a:solidFill>
-                <a:latin typeface="Calibri" panose="020F0502020204030204" pitchFamily="34" charset="0"/>
-                <a:cs typeface="Arial" panose="020B0604020202020204" pitchFamily="34" charset="0"/>
-              </a:defRPr>
-            </a:lvl5pPr>
-            <a:lvl6pPr marL="2514600" indent="-228600" eaLnBrk="0" fontAlgn="base" hangingPunct="0">
-              <a:spcBef>
-                <a:spcPct val="0"/>
-              </a:spcBef>
-              <a:spcAft>
-                <a:spcPct val="0"/>
-              </a:spcAft>
-              <a:defRPr kumimoji="1" sz="2400">
-                <a:solidFill>
-                  <a:schemeClr val="tx1"/>
-                </a:solidFill>
-                <a:latin typeface="Calibri" panose="020F0502020204030204" pitchFamily="34" charset="0"/>
-                <a:cs typeface="Arial" panose="020B0604020202020204" pitchFamily="34" charset="0"/>
-              </a:defRPr>
-            </a:lvl6pPr>
-            <a:lvl7pPr marL="2971800" indent="-228600" eaLnBrk="0" fontAlgn="base" hangingPunct="0">
-              <a:spcBef>
-                <a:spcPct val="0"/>
-              </a:spcBef>
-              <a:spcAft>
-                <a:spcPct val="0"/>
-              </a:spcAft>
-              <a:defRPr kumimoji="1" sz="2400">
-                <a:solidFill>
-                  <a:schemeClr val="tx1"/>
-                </a:solidFill>
-                <a:latin typeface="Calibri" panose="020F0502020204030204" pitchFamily="34" charset="0"/>
-                <a:cs typeface="Arial" panose="020B0604020202020204" pitchFamily="34" charset="0"/>
-              </a:defRPr>
-            </a:lvl7pPr>
-            <a:lvl8pPr marL="3429000" indent="-228600" eaLnBrk="0" fontAlgn="base" hangingPunct="0">
-              <a:spcBef>
-                <a:spcPct val="0"/>
-              </a:spcBef>
-              <a:spcAft>
-                <a:spcPct val="0"/>
-              </a:spcAft>
-              <a:defRPr kumimoji="1" sz="2400">
-                <a:solidFill>
-                  <a:schemeClr val="tx1"/>
-                </a:solidFill>
-                <a:latin typeface="Calibri" panose="020F0502020204030204" pitchFamily="34" charset="0"/>
-                <a:cs typeface="Arial" panose="020B0604020202020204" pitchFamily="34" charset="0"/>
-              </a:defRPr>
-            </a:lvl8pPr>
-            <a:lvl9pPr marL="3886200" indent="-228600" eaLnBrk="0" fontAlgn="base" hangingPunct="0">
-              <a:spcBef>
-                <a:spcPct val="0"/>
-              </a:spcBef>
-              <a:spcAft>
-                <a:spcPct val="0"/>
-              </a:spcAft>
-              <a:defRPr kumimoji="1" sz="2400">
-                <a:solidFill>
-                  <a:schemeClr val="tx1"/>
-                </a:solidFill>
-                <a:latin typeface="Calibri" panose="020F0502020204030204" pitchFamily="34" charset="0"/>
-                <a:cs typeface="Arial" panose="020B0604020202020204" pitchFamily="34" charset="0"/>
-              </a:defRPr>
-            </a:lvl9pPr>
-          </a:lstStyle>
-          <a:p>
-            <a:fld id="{36E37D81-8BB4-4A97-ACAA-3CBB2BA785AF}" type="slidenum">
-              <a:rPr kumimoji="0" lang="ru-RU" altLang="ru-RU" sz="1600"/>
-              <a:pPr/>
-              <a:t>12</a:t>
             </a:fld>
             <a:endParaRPr kumimoji="0" lang="ru-RU" altLang="ru-RU" sz="1600"/>
           </a:p>
@@ -17988,8 +19518,8 @@
         </p:nvSpPr>
         <p:spPr bwMode="auto">
           <a:xfrm>
-            <a:off x="85780" y="127000"/>
-            <a:ext cx="284052" cy="523220"/>
+            <a:off x="36087" y="127000"/>
+            <a:ext cx="383438" cy="523220"/>
           </a:xfrm>
           <a:prstGeom prst="rect">
             <a:avLst/>
@@ -18141,7 +19671,7 @@
                 </a:solidFill>
                 <a:latin typeface="Arial" panose="020B0604020202020204" pitchFamily="34" charset="0"/>
               </a:rPr>
-              <a:t>7</a:t>
+              <a:t>10</a:t>
             </a:r>
           </a:p>
           <a:p>
@@ -20867,8 +22397,8 @@
         </p:nvSpPr>
         <p:spPr bwMode="auto">
           <a:xfrm>
-            <a:off x="98480" y="120650"/>
-            <a:ext cx="284052" cy="523220"/>
+            <a:off x="53724" y="120650"/>
+            <a:ext cx="373565" cy="523220"/>
           </a:xfrm>
           <a:prstGeom prst="rect">
             <a:avLst/>
@@ -21020,7 +22550,7 @@
                 </a:solidFill>
                 <a:latin typeface="Arial" panose="020B0604020202020204" pitchFamily="34" charset="0"/>
               </a:rPr>
-              <a:t>8</a:t>
+              <a:t>11</a:t>
             </a:r>
           </a:p>
           <a:p>
@@ -21784,8 +23314,8 @@
         </p:nvSpPr>
         <p:spPr bwMode="auto">
           <a:xfrm>
-            <a:off x="36513" y="127000"/>
-            <a:ext cx="382587" cy="307975"/>
+            <a:off x="36087" y="127000"/>
+            <a:ext cx="383438" cy="307777"/>
           </a:xfrm>
           <a:prstGeom prst="rect">
             <a:avLst/>
@@ -21931,15 +23461,15 @@
               <a:buNone/>
             </a:pPr>
             <a:r>
-              <a:rPr lang="ru-RU" altLang="ru-RU" sz="1400" b="1">
+              <a:rPr lang="ru-RU" altLang="ru-RU" sz="1400" b="1" dirty="0">
                 <a:solidFill>
                   <a:schemeClr val="bg1"/>
                 </a:solidFill>
                 <a:latin typeface="Arial" panose="020B0604020202020204" pitchFamily="34" charset="0"/>
               </a:rPr>
-              <a:t>14</a:t>
-            </a:r>
-            <a:endParaRPr lang="en-US" altLang="ru-RU" sz="1400" b="1">
+              <a:t>12</a:t>
+            </a:r>
+            <a:endParaRPr lang="en-US" altLang="ru-RU" sz="1400" b="1" dirty="0">
               <a:solidFill>
                 <a:schemeClr val="bg1"/>
               </a:solidFill>
@@ -22236,22 +23766,170 @@
       </p:grpSpPr>
       <p:sp>
         <p:nvSpPr>
-          <p:cNvPr id="2" name="Заголовок 1">
+          <p:cNvPr id="8" name="Прямоугольник 7">
             <a:extLst>
               <a:ext uri="{FF2B5EF4-FFF2-40B4-BE49-F238E27FC236}">
-                <a16:creationId xmlns:a16="http://schemas.microsoft.com/office/drawing/2014/main" id="{4476E175-A002-4FDB-A1EB-B9CED9436675}"/>
+                <a16:creationId xmlns:a16="http://schemas.microsoft.com/office/drawing/2014/main" id="{093D4364-411B-4FE9-A96B-0F84FFCC8375}"/>
               </a:ext>
             </a:extLst>
           </p:cNvPr>
-          <p:cNvSpPr>
-            <a:spLocks noGrp="1" noChangeArrowheads="1"/>
-          </p:cNvSpPr>
+          <p:cNvSpPr/>
           <p:nvPr/>
         </p:nvSpPr>
+        <p:spPr>
+          <a:xfrm>
+            <a:off x="0" y="0"/>
+            <a:ext cx="468313" cy="6858000"/>
+          </a:xfrm>
+          <a:prstGeom prst="rect">
+            <a:avLst/>
+          </a:prstGeom>
+          <a:solidFill>
+            <a:srgbClr val="006CB5"/>
+          </a:solidFill>
+          <a:ln w="12700">
+            <a:noFill/>
+          </a:ln>
+          <a:effectLst/>
+        </p:spPr>
+        <p:style>
+          <a:lnRef idx="2">
+            <a:schemeClr val="accent1">
+              <a:shade val="50000"/>
+            </a:schemeClr>
+          </a:lnRef>
+          <a:fillRef idx="1">
+            <a:schemeClr val="accent1"/>
+          </a:fillRef>
+          <a:effectRef idx="0">
+            <a:schemeClr val="accent1"/>
+          </a:effectRef>
+          <a:fontRef idx="minor">
+            <a:schemeClr val="lt1"/>
+          </a:fontRef>
+        </p:style>
+        <p:txBody>
+          <a:bodyPr rtlCol="1" anchor="ctr"/>
+          <a:lstStyle/>
+          <a:p>
+            <a:pPr algn="ctr">
+              <a:defRPr/>
+            </a:pPr>
+            <a:endParaRPr lang="ru-RU" sz="1800"/>
+          </a:p>
+        </p:txBody>
+      </p:sp>
+      <p:pic>
+        <p:nvPicPr>
+          <p:cNvPr id="14340" name="Рисунок 1">
+            <a:extLst>
+              <a:ext uri="{FF2B5EF4-FFF2-40B4-BE49-F238E27FC236}">
+                <a16:creationId xmlns:a16="http://schemas.microsoft.com/office/drawing/2014/main" id="{0BBC6320-63FD-4C0F-AC63-6D8FF9E24093}"/>
+              </a:ext>
+            </a:extLst>
+          </p:cNvPr>
+          <p:cNvPicPr>
+            <a:picLocks noChangeAspect="1"/>
+          </p:cNvPicPr>
+          <p:nvPr/>
+        </p:nvPicPr>
+        <p:blipFill>
+          <a:blip r:embed="rId3" cstate="print">
+            <a:duotone>
+              <a:schemeClr val="bg2">
+                <a:shade val="45000"/>
+                <a:satMod val="135000"/>
+              </a:schemeClr>
+              <a:prstClr val="white"/>
+            </a:duotone>
+          </a:blip>
+          <a:srcRect r="96146"/>
+          <a:stretch>
+            <a:fillRect/>
+          </a:stretch>
+        </p:blipFill>
+        <p:spPr bwMode="auto">
+          <a:xfrm rot="16200000">
+            <a:off x="18196" y="7288776"/>
+            <a:ext cx="178594" cy="169069"/>
+          </a:xfrm>
+          <a:prstGeom prst="rect">
+            <a:avLst/>
+          </a:prstGeom>
+          <a:noFill/>
+          <a:ln>
+            <a:noFill/>
+          </a:ln>
+        </p:spPr>
+      </p:pic>
+      <p:pic>
+        <p:nvPicPr>
+          <p:cNvPr id="14342" name="Рисунок 1">
+            <a:extLst>
+              <a:ext uri="{FF2B5EF4-FFF2-40B4-BE49-F238E27FC236}">
+                <a16:creationId xmlns:a16="http://schemas.microsoft.com/office/drawing/2014/main" id="{C7815109-567A-4F6F-8DF1-C13BD4B7AEA2}"/>
+              </a:ext>
+            </a:extLst>
+          </p:cNvPr>
+          <p:cNvPicPr>
+            <a:picLocks noChangeAspect="1"/>
+          </p:cNvPicPr>
+          <p:nvPr/>
+        </p:nvPicPr>
+        <p:blipFill>
+          <a:blip r:embed="rId4" cstate="print">
+            <a:duotone>
+              <a:schemeClr val="bg2">
+                <a:shade val="45000"/>
+                <a:satMod val="135000"/>
+              </a:schemeClr>
+              <a:prstClr val="white"/>
+            </a:duotone>
+          </a:blip>
+          <a:srcRect l="4880"/>
+          <a:stretch>
+            <a:fillRect/>
+          </a:stretch>
+        </p:blipFill>
+        <p:spPr bwMode="auto">
+          <a:xfrm rot="16200000">
+            <a:off x="-2870892" y="3532157"/>
+            <a:ext cx="5969110" cy="229146"/>
+          </a:xfrm>
+          <a:prstGeom prst="rect">
+            <a:avLst/>
+          </a:prstGeom>
+          <a:noFill/>
+          <a:ln>
+            <a:noFill/>
+          </a:ln>
+        </p:spPr>
+      </p:pic>
+      <p:pic>
+        <p:nvPicPr>
+          <p:cNvPr id="18437" name="Рисунок 10"/>
+          <p:cNvPicPr>
+            <a:picLocks noChangeAspect="1"/>
+          </p:cNvPicPr>
+          <p:nvPr/>
+        </p:nvPicPr>
+        <p:blipFill>
+          <a:blip r:embed="rId5">
+            <a:extLst>
+              <a:ext uri="{28A0092B-C50C-407E-A947-70E740481C1C}">
+                <a14:useLocalDpi xmlns:a14="http://schemas.microsoft.com/office/drawing/2010/main" val="0"/>
+              </a:ext>
+            </a:extLst>
+          </a:blip>
+          <a:srcRect/>
+          <a:stretch>
+            <a:fillRect/>
+          </a:stretch>
+        </p:blipFill>
         <p:spPr bwMode="auto">
           <a:xfrm>
-            <a:off x="1" y="0"/>
-            <a:ext cx="9893300" cy="754062"/>
+            <a:off x="-12700" y="73025"/>
+            <a:ext cx="481013" cy="481013"/>
           </a:xfrm>
           <a:prstGeom prst="rect">
             <a:avLst/>
@@ -22280,10 +23958,150 @@
             </a:ext>
           </a:extLst>
         </p:spPr>
+      </p:pic>
+      <p:cxnSp>
+        <p:nvCxnSpPr>
+          <p:cNvPr id="12" name="Прямая соединительная линия 11">
+            <a:extLst>
+              <a:ext uri="{FF2B5EF4-FFF2-40B4-BE49-F238E27FC236}">
+                <a16:creationId xmlns:a16="http://schemas.microsoft.com/office/drawing/2014/main" id="{EDF376CE-5EAB-4A03-8344-2422AA450799}"/>
+              </a:ext>
+            </a:extLst>
+          </p:cNvPr>
+          <p:cNvCxnSpPr>
+            <a:endCxn id="8" idx="2"/>
+          </p:cNvCxnSpPr>
+          <p:nvPr/>
+        </p:nvCxnSpPr>
+        <p:spPr>
+          <a:xfrm>
+            <a:off x="227013" y="527050"/>
+            <a:ext cx="6350" cy="6330950"/>
+          </a:xfrm>
+          <a:prstGeom prst="line">
+            <a:avLst/>
+          </a:prstGeom>
+          <a:ln w="38100">
+            <a:solidFill>
+              <a:schemeClr val="bg1"/>
+            </a:solidFill>
+          </a:ln>
+        </p:spPr>
+        <p:style>
+          <a:lnRef idx="1">
+            <a:schemeClr val="accent1"/>
+          </a:lnRef>
+          <a:fillRef idx="0">
+            <a:schemeClr val="accent1"/>
+          </a:fillRef>
+          <a:effectRef idx="0">
+            <a:schemeClr val="accent1"/>
+          </a:effectRef>
+          <a:fontRef idx="minor">
+            <a:schemeClr val="tx1"/>
+          </a:fontRef>
+        </p:style>
+      </p:cxnSp>
+      <p:pic>
+        <p:nvPicPr>
+          <p:cNvPr id="18439" name="Рисунок 6"/>
+          <p:cNvPicPr>
+            <a:picLocks noChangeAspect="1"/>
+          </p:cNvPicPr>
+          <p:nvPr/>
+        </p:nvPicPr>
+        <p:blipFill>
+          <a:blip r:embed="rId6">
+            <a:extLst>
+              <a:ext uri="{28A0092B-C50C-407E-A947-70E740481C1C}">
+                <a14:useLocalDpi xmlns:a14="http://schemas.microsoft.com/office/drawing/2010/main" val="0"/>
+              </a:ext>
+            </a:extLst>
+          </a:blip>
+          <a:srcRect l="63036" t="63045"/>
+          <a:stretch>
+            <a:fillRect/>
+          </a:stretch>
+        </p:blipFill>
+        <p:spPr bwMode="auto">
+          <a:xfrm>
+            <a:off x="9278938" y="6219825"/>
+            <a:ext cx="627062" cy="638175"/>
+          </a:xfrm>
+          <a:prstGeom prst="rect">
+            <a:avLst/>
+          </a:prstGeom>
+          <a:noFill/>
+          <a:ln>
+            <a:noFill/>
+          </a:ln>
+          <a:extLst>
+            <a:ext uri="{909E8E84-426E-40DD-AFC4-6F175D3DCCD1}">
+              <a14:hiddenFill xmlns:a14="http://schemas.microsoft.com/office/drawing/2010/main">
+                <a:solidFill>
+                  <a:srgbClr val="FFFFFF"/>
+                </a:solidFill>
+              </a14:hiddenFill>
+            </a:ext>
+            <a:ext uri="{91240B29-F687-4F45-9708-019B960494DF}">
+              <a14:hiddenLine xmlns:a14="http://schemas.microsoft.com/office/drawing/2010/main" w="9525">
+                <a:solidFill>
+                  <a:srgbClr val="000000"/>
+                </a:solidFill>
+                <a:miter lim="800000"/>
+                <a:headEnd/>
+                <a:tailEnd/>
+              </a14:hiddenLine>
+            </a:ext>
+          </a:extLst>
+        </p:spPr>
+      </p:pic>
+      <p:sp>
+        <p:nvSpPr>
+          <p:cNvPr id="18440" name="Прямоугольник 96"/>
+          <p:cNvSpPr>
+            <a:spLocks noChangeArrowheads="1"/>
+          </p:cNvSpPr>
+          <p:nvPr/>
+        </p:nvSpPr>
+        <p:spPr bwMode="auto">
+          <a:xfrm>
+            <a:off x="36088" y="128588"/>
+            <a:ext cx="383438" cy="307777"/>
+          </a:xfrm>
+          <a:prstGeom prst="rect">
+            <a:avLst/>
+          </a:prstGeom>
+          <a:noFill/>
+          <a:ln>
+            <a:noFill/>
+          </a:ln>
+          <a:extLst>
+            <a:ext uri="{909E8E84-426E-40DD-AFC4-6F175D3DCCD1}">
+              <a14:hiddenFill xmlns:a14="http://schemas.microsoft.com/office/drawing/2010/main">
+                <a:solidFill>
+                  <a:srgbClr val="FFFFFF"/>
+                </a:solidFill>
+              </a14:hiddenFill>
+            </a:ext>
+            <a:ext uri="{91240B29-F687-4F45-9708-019B960494DF}">
+              <a14:hiddenLine xmlns:a14="http://schemas.microsoft.com/office/drawing/2010/main" w="9525">
+                <a:solidFill>
+                  <a:srgbClr val="000000"/>
+                </a:solidFill>
+                <a:miter lim="800000"/>
+                <a:headEnd/>
+                <a:tailEnd/>
+              </a14:hiddenLine>
+            </a:ext>
+          </a:extLst>
+        </p:spPr>
         <p:txBody>
-          <a:bodyPr/>
+          <a:bodyPr wrap="none">
+            <a:spAutoFit/>
+          </a:bodyPr>
           <a:lstStyle>
-            <a:lvl1pPr defTabSz="457200">
+            <a:lvl1pPr>
               <a:defRPr kumimoji="1" sz="2400">
                 <a:solidFill>
                   <a:schemeClr val="tx1"/>
@@ -22292,7 +24110,7 @@
                 <a:cs typeface="Arial" panose="020B0604020202020204" pitchFamily="34" charset="0"/>
               </a:defRPr>
             </a:lvl1pPr>
-            <a:lvl2pPr marL="742950" indent="-285750" defTabSz="457200">
+            <a:lvl2pPr marL="742950" indent="-285750">
               <a:defRPr kumimoji="1" sz="2400">
                 <a:solidFill>
                   <a:schemeClr val="tx1"/>
@@ -22301,7 +24119,7 @@
                 <a:cs typeface="Arial" panose="020B0604020202020204" pitchFamily="34" charset="0"/>
               </a:defRPr>
             </a:lvl2pPr>
-            <a:lvl3pPr marL="1143000" indent="-228600" defTabSz="457200">
+            <a:lvl3pPr marL="1143000" indent="-228600">
               <a:defRPr kumimoji="1" sz="2400">
                 <a:solidFill>
                   <a:schemeClr val="tx1"/>
@@ -22310,7 +24128,7 @@
                 <a:cs typeface="Arial" panose="020B0604020202020204" pitchFamily="34" charset="0"/>
               </a:defRPr>
             </a:lvl3pPr>
-            <a:lvl4pPr marL="1600200" indent="-228600" defTabSz="457200">
+            <a:lvl4pPr marL="1600200" indent="-228600">
               <a:defRPr kumimoji="1" sz="2400">
                 <a:solidFill>
                   <a:schemeClr val="tx1"/>
@@ -22319,7 +24137,7 @@
                 <a:cs typeface="Arial" panose="020B0604020202020204" pitchFamily="34" charset="0"/>
               </a:defRPr>
             </a:lvl4pPr>
-            <a:lvl5pPr marL="2057400" indent="-228600" defTabSz="457200">
+            <a:lvl5pPr marL="2057400" indent="-228600">
               <a:defRPr kumimoji="1" sz="2400">
                 <a:solidFill>
                   <a:schemeClr val="tx1"/>
@@ -22328,7 +24146,7 @@
                 <a:cs typeface="Arial" panose="020B0604020202020204" pitchFamily="34" charset="0"/>
               </a:defRPr>
             </a:lvl5pPr>
-            <a:lvl6pPr marL="2514600" indent="-228600" defTabSz="457200" eaLnBrk="0" fontAlgn="base" hangingPunct="0">
+            <a:lvl6pPr marL="2514600" indent="-228600" eaLnBrk="0" fontAlgn="base" hangingPunct="0">
               <a:spcBef>
                 <a:spcPct val="0"/>
               </a:spcBef>
@@ -22343,7 +24161,7 @@
                 <a:cs typeface="Arial" panose="020B0604020202020204" pitchFamily="34" charset="0"/>
               </a:defRPr>
             </a:lvl6pPr>
-            <a:lvl7pPr marL="2971800" indent="-228600" defTabSz="457200" eaLnBrk="0" fontAlgn="base" hangingPunct="0">
+            <a:lvl7pPr marL="2971800" indent="-228600" eaLnBrk="0" fontAlgn="base" hangingPunct="0">
               <a:spcBef>
                 <a:spcPct val="0"/>
               </a:spcBef>
@@ -22358,7 +24176,7 @@
                 <a:cs typeface="Arial" panose="020B0604020202020204" pitchFamily="34" charset="0"/>
               </a:defRPr>
             </a:lvl7pPr>
-            <a:lvl8pPr marL="3429000" indent="-228600" defTabSz="457200" eaLnBrk="0" fontAlgn="base" hangingPunct="0">
+            <a:lvl8pPr marL="3429000" indent="-228600" eaLnBrk="0" fontAlgn="base" hangingPunct="0">
               <a:spcBef>
                 <a:spcPct val="0"/>
               </a:spcBef>
@@ -22373,7 +24191,7 @@
                 <a:cs typeface="Arial" panose="020B0604020202020204" pitchFamily="34" charset="0"/>
               </a:defRPr>
             </a:lvl8pPr>
-            <a:lvl9pPr marL="3886200" indent="-228600" defTabSz="457200" eaLnBrk="0" fontAlgn="base" hangingPunct="0">
+            <a:lvl9pPr marL="3886200" indent="-228600" eaLnBrk="0" fontAlgn="base" hangingPunct="0">
               <a:spcBef>
                 <a:spcPct val="0"/>
               </a:spcBef>
@@ -22390,40 +24208,218 @@
             </a:lvl9pPr>
           </a:lstStyle>
           <a:p>
-            <a:pPr algn="ctr" eaLnBrk="1" hangingPunct="1"/>
-            <a:r>
-              <a:rPr lang="ru-RU" altLang="ru-RU" sz="3200" dirty="0">
-                <a:solidFill>
-                  <a:schemeClr val="accent1"/>
-                </a:solidFill>
-              </a:rPr>
-              <a:t>Экономическая эффективность </a:t>
-            </a:r>
-            <a:r>
-              <a:rPr lang="en-US" altLang="ru-RU" sz="3200" dirty="0">
-                <a:solidFill>
-                  <a:schemeClr val="accent1"/>
-                </a:solidFill>
-              </a:rPr>
-              <a:t>IoT-</a:t>
-            </a:r>
-            <a:r>
-              <a:rPr lang="ru-RU" altLang="ru-RU" sz="3200" dirty="0">
-                <a:solidFill>
-                  <a:schemeClr val="accent1"/>
-                </a:solidFill>
-              </a:rPr>
-              <a:t>решения</a:t>
-            </a:r>
+            <a:pPr algn="ctr">
+              <a:buFont typeface="Arial" panose="020B0604020202020204" pitchFamily="34" charset="0"/>
+              <a:buNone/>
+            </a:pPr>
+            <a:r>
+              <a:rPr lang="ru-RU" altLang="ru-RU" sz="1400" b="1" dirty="0">
+                <a:solidFill>
+                  <a:schemeClr val="bg1"/>
+                </a:solidFill>
+                <a:latin typeface="Arial" panose="020B0604020202020204" pitchFamily="34" charset="0"/>
+              </a:rPr>
+              <a:t>13</a:t>
+            </a:r>
+            <a:endParaRPr lang="en-US" altLang="ru-RU" sz="1400" b="1" dirty="0">
+              <a:solidFill>
+                <a:schemeClr val="bg1"/>
+              </a:solidFill>
+              <a:latin typeface="Arial" panose="020B0604020202020204" pitchFamily="34" charset="0"/>
+            </a:endParaRPr>
           </a:p>
         </p:txBody>
       </p:sp>
       <p:sp>
         <p:nvSpPr>
-          <p:cNvPr id="4" name="TextBox 3">
+          <p:cNvPr id="9" name="Заголовок 1">
             <a:extLst>
               <a:ext uri="{FF2B5EF4-FFF2-40B4-BE49-F238E27FC236}">
-                <a16:creationId xmlns:a16="http://schemas.microsoft.com/office/drawing/2014/main" id="{88B561F4-D3BC-4C60-89DF-87501B5A33EB}"/>
+                <a16:creationId xmlns:a16="http://schemas.microsoft.com/office/drawing/2014/main" id="{D21AE906-A77E-4F40-8B68-1245F0DD6467}"/>
+              </a:ext>
+            </a:extLst>
+          </p:cNvPr>
+          <p:cNvSpPr>
+            <a:spLocks noGrp="1" noChangeArrowheads="1"/>
+          </p:cNvSpPr>
+          <p:nvPr/>
+        </p:nvSpPr>
+        <p:spPr bwMode="auto">
+          <a:xfrm>
+            <a:off x="481013" y="0"/>
+            <a:ext cx="9412288" cy="754062"/>
+          </a:xfrm>
+          <a:prstGeom prst="rect">
+            <a:avLst/>
+          </a:prstGeom>
+          <a:noFill/>
+          <a:ln>
+            <a:noFill/>
+          </a:ln>
+          <a:extLst>
+            <a:ext uri="{909E8E84-426E-40DD-AFC4-6F175D3DCCD1}">
+              <a14:hiddenFill xmlns:a14="http://schemas.microsoft.com/office/drawing/2010/main">
+                <a:solidFill>
+                  <a:srgbClr val="FFFFFF"/>
+                </a:solidFill>
+              </a14:hiddenFill>
+            </a:ext>
+            <a:ext uri="{91240B29-F687-4F45-9708-019B960494DF}">
+              <a14:hiddenLine xmlns:a14="http://schemas.microsoft.com/office/drawing/2010/main" w="9525">
+                <a:solidFill>
+                  <a:srgbClr val="000000"/>
+                </a:solidFill>
+                <a:miter lim="800000"/>
+                <a:headEnd/>
+                <a:tailEnd/>
+              </a14:hiddenLine>
+            </a:ext>
+          </a:extLst>
+        </p:spPr>
+        <p:txBody>
+          <a:bodyPr/>
+          <a:lstStyle>
+            <a:lvl1pPr defTabSz="457200">
+              <a:defRPr kumimoji="1" sz="2400">
+                <a:solidFill>
+                  <a:schemeClr val="tx1"/>
+                </a:solidFill>
+                <a:latin typeface="Calibri" panose="020F0502020204030204" pitchFamily="34" charset="0"/>
+                <a:cs typeface="Arial" panose="020B0604020202020204" pitchFamily="34" charset="0"/>
+              </a:defRPr>
+            </a:lvl1pPr>
+            <a:lvl2pPr marL="742950" indent="-285750" defTabSz="457200">
+              <a:defRPr kumimoji="1" sz="2400">
+                <a:solidFill>
+                  <a:schemeClr val="tx1"/>
+                </a:solidFill>
+                <a:latin typeface="Calibri" panose="020F0502020204030204" pitchFamily="34" charset="0"/>
+                <a:cs typeface="Arial" panose="020B0604020202020204" pitchFamily="34" charset="0"/>
+              </a:defRPr>
+            </a:lvl2pPr>
+            <a:lvl3pPr marL="1143000" indent="-228600" defTabSz="457200">
+              <a:defRPr kumimoji="1" sz="2400">
+                <a:solidFill>
+                  <a:schemeClr val="tx1"/>
+                </a:solidFill>
+                <a:latin typeface="Calibri" panose="020F0502020204030204" pitchFamily="34" charset="0"/>
+                <a:cs typeface="Arial" panose="020B0604020202020204" pitchFamily="34" charset="0"/>
+              </a:defRPr>
+            </a:lvl3pPr>
+            <a:lvl4pPr marL="1600200" indent="-228600" defTabSz="457200">
+              <a:defRPr kumimoji="1" sz="2400">
+                <a:solidFill>
+                  <a:schemeClr val="tx1"/>
+                </a:solidFill>
+                <a:latin typeface="Calibri" panose="020F0502020204030204" pitchFamily="34" charset="0"/>
+                <a:cs typeface="Arial" panose="020B0604020202020204" pitchFamily="34" charset="0"/>
+              </a:defRPr>
+            </a:lvl4pPr>
+            <a:lvl5pPr marL="2057400" indent="-228600" defTabSz="457200">
+              <a:defRPr kumimoji="1" sz="2400">
+                <a:solidFill>
+                  <a:schemeClr val="tx1"/>
+                </a:solidFill>
+                <a:latin typeface="Calibri" panose="020F0502020204030204" pitchFamily="34" charset="0"/>
+                <a:cs typeface="Arial" panose="020B0604020202020204" pitchFamily="34" charset="0"/>
+              </a:defRPr>
+            </a:lvl5pPr>
+            <a:lvl6pPr marL="2514600" indent="-228600" defTabSz="457200" eaLnBrk="0" fontAlgn="base" hangingPunct="0">
+              <a:spcBef>
+                <a:spcPct val="0"/>
+              </a:spcBef>
+              <a:spcAft>
+                <a:spcPct val="0"/>
+              </a:spcAft>
+              <a:defRPr kumimoji="1" sz="2400">
+                <a:solidFill>
+                  <a:schemeClr val="tx1"/>
+                </a:solidFill>
+                <a:latin typeface="Calibri" panose="020F0502020204030204" pitchFamily="34" charset="0"/>
+                <a:cs typeface="Arial" panose="020B0604020202020204" pitchFamily="34" charset="0"/>
+              </a:defRPr>
+            </a:lvl6pPr>
+            <a:lvl7pPr marL="2971800" indent="-228600" defTabSz="457200" eaLnBrk="0" fontAlgn="base" hangingPunct="0">
+              <a:spcBef>
+                <a:spcPct val="0"/>
+              </a:spcBef>
+              <a:spcAft>
+                <a:spcPct val="0"/>
+              </a:spcAft>
+              <a:defRPr kumimoji="1" sz="2400">
+                <a:solidFill>
+                  <a:schemeClr val="tx1"/>
+                </a:solidFill>
+                <a:latin typeface="Calibri" panose="020F0502020204030204" pitchFamily="34" charset="0"/>
+                <a:cs typeface="Arial" panose="020B0604020202020204" pitchFamily="34" charset="0"/>
+              </a:defRPr>
+            </a:lvl7pPr>
+            <a:lvl8pPr marL="3429000" indent="-228600" defTabSz="457200" eaLnBrk="0" fontAlgn="base" hangingPunct="0">
+              <a:spcBef>
+                <a:spcPct val="0"/>
+              </a:spcBef>
+              <a:spcAft>
+                <a:spcPct val="0"/>
+              </a:spcAft>
+              <a:defRPr kumimoji="1" sz="2400">
+                <a:solidFill>
+                  <a:schemeClr val="tx1"/>
+                </a:solidFill>
+                <a:latin typeface="Calibri" panose="020F0502020204030204" pitchFamily="34" charset="0"/>
+                <a:cs typeface="Arial" panose="020B0604020202020204" pitchFamily="34" charset="0"/>
+              </a:defRPr>
+            </a:lvl8pPr>
+            <a:lvl9pPr marL="3886200" indent="-228600" defTabSz="457200" eaLnBrk="0" fontAlgn="base" hangingPunct="0">
+              <a:spcBef>
+                <a:spcPct val="0"/>
+              </a:spcBef>
+              <a:spcAft>
+                <a:spcPct val="0"/>
+              </a:spcAft>
+              <a:defRPr kumimoji="1" sz="2400">
+                <a:solidFill>
+                  <a:schemeClr val="tx1"/>
+                </a:solidFill>
+                <a:latin typeface="Calibri" panose="020F0502020204030204" pitchFamily="34" charset="0"/>
+                <a:cs typeface="Arial" panose="020B0604020202020204" pitchFamily="34" charset="0"/>
+              </a:defRPr>
+            </a:lvl9pPr>
+          </a:lstStyle>
+          <a:p>
+            <a:pPr algn="ctr" eaLnBrk="1" hangingPunct="1"/>
+            <a:r>
+              <a:rPr lang="ru-RU" altLang="ru-RU" sz="3200" dirty="0">
+                <a:solidFill>
+                  <a:schemeClr val="accent1"/>
+                </a:solidFill>
+              </a:rPr>
+              <a:t>Экономическая эффективность </a:t>
+            </a:r>
+            <a:r>
+              <a:rPr lang="en-US" altLang="ru-RU" sz="3200" dirty="0">
+                <a:solidFill>
+                  <a:schemeClr val="accent1"/>
+                </a:solidFill>
+              </a:rPr>
+              <a:t>IoT-</a:t>
+            </a:r>
+            <a:r>
+              <a:rPr lang="ru-RU" altLang="ru-RU" sz="3200" dirty="0">
+                <a:solidFill>
+                  <a:schemeClr val="accent1"/>
+                </a:solidFill>
+              </a:rPr>
+              <a:t>решения</a:t>
+            </a:r>
+          </a:p>
+        </p:txBody>
+      </p:sp>
+      <p:sp>
+        <p:nvSpPr>
+          <p:cNvPr id="10" name="TextBox 9">
+            <a:extLst>
+              <a:ext uri="{FF2B5EF4-FFF2-40B4-BE49-F238E27FC236}">
+                <a16:creationId xmlns:a16="http://schemas.microsoft.com/office/drawing/2014/main" id="{EAA95F35-1390-4501-9A82-46667E6C2A64}"/>
               </a:ext>
             </a:extLst>
           </p:cNvPr>
@@ -22432,7 +24428,7 @@
         </p:nvSpPr>
         <p:spPr>
           <a:xfrm>
-            <a:off x="228600" y="657612"/>
+            <a:off x="481013" y="701013"/>
             <a:ext cx="9210675" cy="4616648"/>
           </a:xfrm>
           <a:prstGeom prst="rect">
@@ -22725,137 +24721,12 @@
           </a:p>
         </p:txBody>
       </p:sp>
-      <p:sp>
-        <p:nvSpPr>
-          <p:cNvPr id="6" name="TextBox 5">
+      <p:pic>
+        <p:nvPicPr>
+          <p:cNvPr id="11" name="Picture 2" descr="IoT устройства и эффективные решения на их основе, применяемые на  производствах, промышленности, экологии и сельском хозяйстве - статьи,  справочные материалы про IoT технологии (Интернет вещей)">
             <a:extLst>
               <a:ext uri="{FF2B5EF4-FFF2-40B4-BE49-F238E27FC236}">
-                <a16:creationId xmlns:a16="http://schemas.microsoft.com/office/drawing/2014/main" id="{626E7B79-E8F6-40F8-9CE5-826402558C8E}"/>
-              </a:ext>
-            </a:extLst>
-          </p:cNvPr>
-          <p:cNvSpPr txBox="1"/>
-          <p:nvPr/>
-        </p:nvSpPr>
-        <p:spPr>
-          <a:xfrm>
-            <a:off x="279401" y="5274260"/>
-            <a:ext cx="9334499" cy="1169551"/>
-          </a:xfrm>
-          <a:prstGeom prst="rect">
-            <a:avLst/>
-          </a:prstGeom>
-          <a:noFill/>
-        </p:spPr>
-        <p:txBody>
-          <a:bodyPr wrap="square">
-            <a:spAutoFit/>
-          </a:bodyPr>
-          <a:lstStyle/>
-          <a:p>
-            <a:r>
-              <a:rPr lang="ru-RU" sz="1400" b="1" i="0" dirty="0">
-                <a:effectLst/>
-                <a:latin typeface="+mj-lt"/>
-              </a:rPr>
-              <a:t>Вывод:</a:t>
-            </a:r>
-            <a:br>
-              <a:rPr lang="ru-RU" sz="1400" b="0" i="0" dirty="0">
-                <a:effectLst/>
-                <a:latin typeface="+mj-lt"/>
-              </a:rPr>
-            </a:br>
-            <a:r>
-              <a:rPr lang="ru-RU" sz="1400" b="0" i="0" dirty="0">
-                <a:effectLst/>
-                <a:latin typeface="+mj-lt"/>
-              </a:rPr>
-              <a:t>Решение </a:t>
-            </a:r>
-            <a:r>
-              <a:rPr lang="ru-RU" sz="1400" b="1" i="0" dirty="0">
-                <a:effectLst/>
-                <a:latin typeface="+mj-lt"/>
-              </a:rPr>
-              <a:t>окупается менее чем за 2 года</a:t>
-            </a:r>
-            <a:r>
-              <a:rPr lang="ru-RU" sz="1400" b="0" i="0" dirty="0">
-                <a:effectLst/>
-                <a:latin typeface="+mj-lt"/>
-              </a:rPr>
-              <a:t> и обеспечивает:</a:t>
-            </a:r>
-          </a:p>
-          <a:p>
-            <a:pPr marL="285750" indent="-285750">
-              <a:buFont typeface="Arial" panose="020B0604020202020204" pitchFamily="34" charset="0"/>
-              <a:buChar char="•"/>
-            </a:pPr>
-            <a:r>
-              <a:rPr lang="ru-RU" sz="1400" b="1" i="0" dirty="0">
-                <a:effectLst/>
-                <a:latin typeface="+mj-lt"/>
-              </a:rPr>
-              <a:t>Снижение затрат</a:t>
-            </a:r>
-            <a:r>
-              <a:rPr lang="ru-RU" sz="1400" b="0" i="0" dirty="0">
-                <a:effectLst/>
-                <a:latin typeface="+mj-lt"/>
-              </a:rPr>
-              <a:t> УК на воду и обслуживание</a:t>
-            </a:r>
-          </a:p>
-          <a:p>
-            <a:pPr marL="285750" indent="-285750">
-              <a:buFont typeface="Arial" panose="020B0604020202020204" pitchFamily="34" charset="0"/>
-              <a:buChar char="•"/>
-            </a:pPr>
-            <a:r>
-              <a:rPr lang="ru-RU" sz="1400" b="1" i="0" dirty="0">
-                <a:effectLst/>
-                <a:latin typeface="+mj-lt"/>
-              </a:rPr>
-              <a:t>Повышение прозрачности</a:t>
-            </a:r>
-            <a:r>
-              <a:rPr lang="ru-RU" sz="1400" b="0" i="0" dirty="0">
-                <a:effectLst/>
-                <a:latin typeface="+mj-lt"/>
-              </a:rPr>
-              <a:t> для жителей</a:t>
-            </a:r>
-          </a:p>
-          <a:p>
-            <a:pPr marL="285750" indent="-285750">
-              <a:buFont typeface="Arial" panose="020B0604020202020204" pitchFamily="34" charset="0"/>
-              <a:buChar char="•"/>
-            </a:pPr>
-            <a:r>
-              <a:rPr lang="ru-RU" sz="1400" b="1" i="0" dirty="0">
-                <a:effectLst/>
-                <a:latin typeface="+mj-lt"/>
-              </a:rPr>
-              <a:t>Масштабируемость</a:t>
-            </a:r>
-            <a:r>
-              <a:rPr lang="ru-RU" sz="1400" b="0" i="0" dirty="0">
-                <a:effectLst/>
-                <a:latin typeface="+mj-lt"/>
-              </a:rPr>
-              <a:t> под задачи «умного города»</a:t>
-            </a:r>
-          </a:p>
-        </p:txBody>
-      </p:sp>
-      <p:pic>
-        <p:nvPicPr>
-          <p:cNvPr id="5122" name="Picture 2" descr="IoT устройства и эффективные решения на их основе, применяемые на  производствах, промышленности, экологии и сельском хозяйстве - статьи,  справочные материалы про IoT технологии (Интернет вещей)">
-            <a:extLst>
-              <a:ext uri="{FF2B5EF4-FFF2-40B4-BE49-F238E27FC236}">
-                <a16:creationId xmlns:a16="http://schemas.microsoft.com/office/drawing/2014/main" id="{559B36B0-8E86-417F-AEE0-78552C26E5D3}"/>
+                <a16:creationId xmlns:a16="http://schemas.microsoft.com/office/drawing/2014/main" id="{ECD60AF3-54A2-4A22-94C5-45AFB1383119}"/>
               </a:ext>
             </a:extLst>
           </p:cNvPr>
@@ -22865,7 +24736,7 @@
           <p:nvPr/>
         </p:nvPicPr>
         <p:blipFill>
-          <a:blip r:embed="rId2">
+          <a:blip r:embed="rId7">
             <a:extLst>
               <a:ext uri="{28A0092B-C50C-407E-A947-70E740481C1C}">
                 <a14:useLocalDpi xmlns:a14="http://schemas.microsoft.com/office/drawing/2010/main" val="0"/>
@@ -22879,8 +24750,8 @@
         </p:blipFill>
         <p:spPr bwMode="auto">
           <a:xfrm>
-            <a:off x="6038961" y="754061"/>
-            <a:ext cx="3628913" cy="2417763"/>
+            <a:off x="6211677" y="869133"/>
+            <a:ext cx="3456197" cy="2302691"/>
           </a:xfrm>
           <a:prstGeom prst="rect">
             <a:avLst/>
@@ -22897,18 +24768,143 @@
           </a:extLst>
         </p:spPr>
       </p:pic>
+      <p:sp>
+        <p:nvSpPr>
+          <p:cNvPr id="13" name="TextBox 12">
+            <a:extLst>
+              <a:ext uri="{FF2B5EF4-FFF2-40B4-BE49-F238E27FC236}">
+                <a16:creationId xmlns:a16="http://schemas.microsoft.com/office/drawing/2014/main" id="{5C76A09F-92D3-46A6-B7E4-066C72FBBAEC}"/>
+              </a:ext>
+            </a:extLst>
+          </p:cNvPr>
+          <p:cNvSpPr txBox="1"/>
+          <p:nvPr/>
+        </p:nvSpPr>
+        <p:spPr>
+          <a:xfrm>
+            <a:off x="481013" y="5274260"/>
+            <a:ext cx="9132887" cy="1169551"/>
+          </a:xfrm>
+          <a:prstGeom prst="rect">
+            <a:avLst/>
+          </a:prstGeom>
+          <a:noFill/>
+        </p:spPr>
+        <p:txBody>
+          <a:bodyPr wrap="square">
+            <a:spAutoFit/>
+          </a:bodyPr>
+          <a:lstStyle/>
+          <a:p>
+            <a:r>
+              <a:rPr lang="ru-RU" sz="1400" b="1" i="0" dirty="0">
+                <a:effectLst/>
+                <a:latin typeface="+mj-lt"/>
+              </a:rPr>
+              <a:t>Вывод:</a:t>
+            </a:r>
+            <a:br>
+              <a:rPr lang="ru-RU" sz="1400" b="0" i="0" dirty="0">
+                <a:effectLst/>
+                <a:latin typeface="+mj-lt"/>
+              </a:rPr>
+            </a:br>
+            <a:r>
+              <a:rPr lang="ru-RU" sz="1400" b="0" i="0" dirty="0">
+                <a:effectLst/>
+                <a:latin typeface="+mj-lt"/>
+              </a:rPr>
+              <a:t>Решение </a:t>
+            </a:r>
+            <a:r>
+              <a:rPr lang="ru-RU" sz="1400" b="1" i="0" dirty="0">
+                <a:effectLst/>
+                <a:latin typeface="+mj-lt"/>
+              </a:rPr>
+              <a:t>окупается менее чем за 2 года</a:t>
+            </a:r>
+            <a:r>
+              <a:rPr lang="ru-RU" sz="1400" b="0" i="0" dirty="0">
+                <a:effectLst/>
+                <a:latin typeface="+mj-lt"/>
+              </a:rPr>
+              <a:t> и обеспечивает:</a:t>
+            </a:r>
+          </a:p>
+          <a:p>
+            <a:pPr marL="285750" indent="-285750">
+              <a:buFont typeface="Arial" panose="020B0604020202020204" pitchFamily="34" charset="0"/>
+              <a:buChar char="•"/>
+            </a:pPr>
+            <a:r>
+              <a:rPr lang="ru-RU" sz="1400" b="1" i="0" dirty="0">
+                <a:effectLst/>
+                <a:latin typeface="+mj-lt"/>
+              </a:rPr>
+              <a:t>Снижение затрат</a:t>
+            </a:r>
+            <a:r>
+              <a:rPr lang="ru-RU" sz="1400" b="0" i="0" dirty="0">
+                <a:effectLst/>
+                <a:latin typeface="+mj-lt"/>
+              </a:rPr>
+              <a:t> УК на воду и обслуживание</a:t>
+            </a:r>
+          </a:p>
+          <a:p>
+            <a:pPr marL="285750" indent="-285750">
+              <a:buFont typeface="Arial" panose="020B0604020202020204" pitchFamily="34" charset="0"/>
+              <a:buChar char="•"/>
+            </a:pPr>
+            <a:r>
+              <a:rPr lang="ru-RU" sz="1400" b="1" i="0" dirty="0">
+                <a:effectLst/>
+                <a:latin typeface="+mj-lt"/>
+              </a:rPr>
+              <a:t>Повышение прозрачности</a:t>
+            </a:r>
+            <a:r>
+              <a:rPr lang="ru-RU" sz="1400" b="0" i="0" dirty="0">
+                <a:effectLst/>
+                <a:latin typeface="+mj-lt"/>
+              </a:rPr>
+              <a:t> для жителей</a:t>
+            </a:r>
+          </a:p>
+          <a:p>
+            <a:pPr marL="285750" indent="-285750">
+              <a:buFont typeface="Arial" panose="020B0604020202020204" pitchFamily="34" charset="0"/>
+              <a:buChar char="•"/>
+            </a:pPr>
+            <a:r>
+              <a:rPr lang="ru-RU" sz="1400" b="1" i="0" dirty="0">
+                <a:effectLst/>
+                <a:latin typeface="+mj-lt"/>
+              </a:rPr>
+              <a:t>Масштабируемость</a:t>
+            </a:r>
+            <a:r>
+              <a:rPr lang="ru-RU" sz="1400" b="0" i="0" dirty="0">
+                <a:effectLst/>
+                <a:latin typeface="+mj-lt"/>
+              </a:rPr>
+              <a:t> под задачи «умного города»</a:t>
+            </a:r>
+          </a:p>
+        </p:txBody>
+      </p:sp>
     </p:spTree>
     <p:extLst>
       <p:ext uri="{BB962C8B-B14F-4D97-AF65-F5344CB8AC3E}">
-        <p14:creationId xmlns:p14="http://schemas.microsoft.com/office/powerpoint/2010/main" val="2291213176"/>
+        <p14:creationId xmlns:p14="http://schemas.microsoft.com/office/powerpoint/2010/main" val="4099382417"/>
       </p:ext>
     </p:extLst>
   </p:cSld>
   <p:clrMapOvr>
     <a:masterClrMapping/>
   </p:clrMapOvr>
-  <p:transition spd="slow" advClick="0" advTm="2000">
-    <p:cover dir="d"/>
+  <p:transition spd="slow">
+    <p:push dir="u"/>
   </p:transition>
 </p:sld>
 </file>
@@ -22932,22 +24928,170 @@
       </p:grpSpPr>
       <p:sp>
         <p:nvSpPr>
-          <p:cNvPr id="2" name="Заголовок 1">
+          <p:cNvPr id="8" name="Прямоугольник 7">
             <a:extLst>
               <a:ext uri="{FF2B5EF4-FFF2-40B4-BE49-F238E27FC236}">
-                <a16:creationId xmlns:a16="http://schemas.microsoft.com/office/drawing/2014/main" id="{1660ED7D-5C62-4570-BB3E-B9301E582F7B}"/>
+                <a16:creationId xmlns:a16="http://schemas.microsoft.com/office/drawing/2014/main" id="{093D4364-411B-4FE9-A96B-0F84FFCC8375}"/>
               </a:ext>
             </a:extLst>
           </p:cNvPr>
-          <p:cNvSpPr>
-            <a:spLocks noGrp="1" noChangeArrowheads="1"/>
-          </p:cNvSpPr>
+          <p:cNvSpPr/>
           <p:nvPr/>
         </p:nvSpPr>
+        <p:spPr>
+          <a:xfrm>
+            <a:off x="0" y="0"/>
+            <a:ext cx="468313" cy="6858000"/>
+          </a:xfrm>
+          <a:prstGeom prst="rect">
+            <a:avLst/>
+          </a:prstGeom>
+          <a:solidFill>
+            <a:srgbClr val="006CB5"/>
+          </a:solidFill>
+          <a:ln w="12700">
+            <a:noFill/>
+          </a:ln>
+          <a:effectLst/>
+        </p:spPr>
+        <p:style>
+          <a:lnRef idx="2">
+            <a:schemeClr val="accent1">
+              <a:shade val="50000"/>
+            </a:schemeClr>
+          </a:lnRef>
+          <a:fillRef idx="1">
+            <a:schemeClr val="accent1"/>
+          </a:fillRef>
+          <a:effectRef idx="0">
+            <a:schemeClr val="accent1"/>
+          </a:effectRef>
+          <a:fontRef idx="minor">
+            <a:schemeClr val="lt1"/>
+          </a:fontRef>
+        </p:style>
+        <p:txBody>
+          <a:bodyPr rtlCol="1" anchor="ctr"/>
+          <a:lstStyle/>
+          <a:p>
+            <a:pPr algn="ctr">
+              <a:defRPr/>
+            </a:pPr>
+            <a:endParaRPr lang="ru-RU" sz="1800"/>
+          </a:p>
+        </p:txBody>
+      </p:sp>
+      <p:pic>
+        <p:nvPicPr>
+          <p:cNvPr id="14340" name="Рисунок 1">
+            <a:extLst>
+              <a:ext uri="{FF2B5EF4-FFF2-40B4-BE49-F238E27FC236}">
+                <a16:creationId xmlns:a16="http://schemas.microsoft.com/office/drawing/2014/main" id="{0BBC6320-63FD-4C0F-AC63-6D8FF9E24093}"/>
+              </a:ext>
+            </a:extLst>
+          </p:cNvPr>
+          <p:cNvPicPr>
+            <a:picLocks noChangeAspect="1"/>
+          </p:cNvPicPr>
+          <p:nvPr/>
+        </p:nvPicPr>
+        <p:blipFill>
+          <a:blip r:embed="rId3" cstate="print">
+            <a:duotone>
+              <a:schemeClr val="bg2">
+                <a:shade val="45000"/>
+                <a:satMod val="135000"/>
+              </a:schemeClr>
+              <a:prstClr val="white"/>
+            </a:duotone>
+          </a:blip>
+          <a:srcRect r="96146"/>
+          <a:stretch>
+            <a:fillRect/>
+          </a:stretch>
+        </p:blipFill>
+        <p:spPr bwMode="auto">
+          <a:xfrm rot="16200000">
+            <a:off x="18196" y="7288776"/>
+            <a:ext cx="178594" cy="169069"/>
+          </a:xfrm>
+          <a:prstGeom prst="rect">
+            <a:avLst/>
+          </a:prstGeom>
+          <a:noFill/>
+          <a:ln>
+            <a:noFill/>
+          </a:ln>
+        </p:spPr>
+      </p:pic>
+      <p:pic>
+        <p:nvPicPr>
+          <p:cNvPr id="14342" name="Рисунок 1">
+            <a:extLst>
+              <a:ext uri="{FF2B5EF4-FFF2-40B4-BE49-F238E27FC236}">
+                <a16:creationId xmlns:a16="http://schemas.microsoft.com/office/drawing/2014/main" id="{C7815109-567A-4F6F-8DF1-C13BD4B7AEA2}"/>
+              </a:ext>
+            </a:extLst>
+          </p:cNvPr>
+          <p:cNvPicPr>
+            <a:picLocks noChangeAspect="1"/>
+          </p:cNvPicPr>
+          <p:nvPr/>
+        </p:nvPicPr>
+        <p:blipFill>
+          <a:blip r:embed="rId4" cstate="print">
+            <a:duotone>
+              <a:schemeClr val="bg2">
+                <a:shade val="45000"/>
+                <a:satMod val="135000"/>
+              </a:schemeClr>
+              <a:prstClr val="white"/>
+            </a:duotone>
+          </a:blip>
+          <a:srcRect l="4880"/>
+          <a:stretch>
+            <a:fillRect/>
+          </a:stretch>
+        </p:blipFill>
+        <p:spPr bwMode="auto">
+          <a:xfrm rot="16200000">
+            <a:off x="-2870892" y="3532157"/>
+            <a:ext cx="5969110" cy="229146"/>
+          </a:xfrm>
+          <a:prstGeom prst="rect">
+            <a:avLst/>
+          </a:prstGeom>
+          <a:noFill/>
+          <a:ln>
+            <a:noFill/>
+          </a:ln>
+        </p:spPr>
+      </p:pic>
+      <p:pic>
+        <p:nvPicPr>
+          <p:cNvPr id="18437" name="Рисунок 10"/>
+          <p:cNvPicPr>
+            <a:picLocks noChangeAspect="1"/>
+          </p:cNvPicPr>
+          <p:nvPr/>
+        </p:nvPicPr>
+        <p:blipFill>
+          <a:blip r:embed="rId5">
+            <a:extLst>
+              <a:ext uri="{28A0092B-C50C-407E-A947-70E740481C1C}">
+                <a14:useLocalDpi xmlns:a14="http://schemas.microsoft.com/office/drawing/2010/main" val="0"/>
+              </a:ext>
+            </a:extLst>
+          </a:blip>
+          <a:srcRect/>
+          <a:stretch>
+            <a:fillRect/>
+          </a:stretch>
+        </p:blipFill>
         <p:spPr bwMode="auto">
           <a:xfrm>
-            <a:off x="1" y="0"/>
-            <a:ext cx="9893300" cy="754062"/>
+            <a:off x="-12700" y="73025"/>
+            <a:ext cx="481013" cy="481013"/>
           </a:xfrm>
           <a:prstGeom prst="rect">
             <a:avLst/>
@@ -22976,10 +25120,150 @@
             </a:ext>
           </a:extLst>
         </p:spPr>
+      </p:pic>
+      <p:cxnSp>
+        <p:nvCxnSpPr>
+          <p:cNvPr id="12" name="Прямая соединительная линия 11">
+            <a:extLst>
+              <a:ext uri="{FF2B5EF4-FFF2-40B4-BE49-F238E27FC236}">
+                <a16:creationId xmlns:a16="http://schemas.microsoft.com/office/drawing/2014/main" id="{EDF376CE-5EAB-4A03-8344-2422AA450799}"/>
+              </a:ext>
+            </a:extLst>
+          </p:cNvPr>
+          <p:cNvCxnSpPr>
+            <a:endCxn id="8" idx="2"/>
+          </p:cNvCxnSpPr>
+          <p:nvPr/>
+        </p:nvCxnSpPr>
+        <p:spPr>
+          <a:xfrm>
+            <a:off x="227013" y="527050"/>
+            <a:ext cx="6350" cy="6330950"/>
+          </a:xfrm>
+          <a:prstGeom prst="line">
+            <a:avLst/>
+          </a:prstGeom>
+          <a:ln w="38100">
+            <a:solidFill>
+              <a:schemeClr val="bg1"/>
+            </a:solidFill>
+          </a:ln>
+        </p:spPr>
+        <p:style>
+          <a:lnRef idx="1">
+            <a:schemeClr val="accent1"/>
+          </a:lnRef>
+          <a:fillRef idx="0">
+            <a:schemeClr val="accent1"/>
+          </a:fillRef>
+          <a:effectRef idx="0">
+            <a:schemeClr val="accent1"/>
+          </a:effectRef>
+          <a:fontRef idx="minor">
+            <a:schemeClr val="tx1"/>
+          </a:fontRef>
+        </p:style>
+      </p:cxnSp>
+      <p:pic>
+        <p:nvPicPr>
+          <p:cNvPr id="18439" name="Рисунок 6"/>
+          <p:cNvPicPr>
+            <a:picLocks noChangeAspect="1"/>
+          </p:cNvPicPr>
+          <p:nvPr/>
+        </p:nvPicPr>
+        <p:blipFill>
+          <a:blip r:embed="rId6">
+            <a:extLst>
+              <a:ext uri="{28A0092B-C50C-407E-A947-70E740481C1C}">
+                <a14:useLocalDpi xmlns:a14="http://schemas.microsoft.com/office/drawing/2010/main" val="0"/>
+              </a:ext>
+            </a:extLst>
+          </a:blip>
+          <a:srcRect l="63036" t="63045"/>
+          <a:stretch>
+            <a:fillRect/>
+          </a:stretch>
+        </p:blipFill>
+        <p:spPr bwMode="auto">
+          <a:xfrm>
+            <a:off x="9278938" y="6219825"/>
+            <a:ext cx="627062" cy="638175"/>
+          </a:xfrm>
+          <a:prstGeom prst="rect">
+            <a:avLst/>
+          </a:prstGeom>
+          <a:noFill/>
+          <a:ln>
+            <a:noFill/>
+          </a:ln>
+          <a:extLst>
+            <a:ext uri="{909E8E84-426E-40DD-AFC4-6F175D3DCCD1}">
+              <a14:hiddenFill xmlns:a14="http://schemas.microsoft.com/office/drawing/2010/main">
+                <a:solidFill>
+                  <a:srgbClr val="FFFFFF"/>
+                </a:solidFill>
+              </a14:hiddenFill>
+            </a:ext>
+            <a:ext uri="{91240B29-F687-4F45-9708-019B960494DF}">
+              <a14:hiddenLine xmlns:a14="http://schemas.microsoft.com/office/drawing/2010/main" w="9525">
+                <a:solidFill>
+                  <a:srgbClr val="000000"/>
+                </a:solidFill>
+                <a:miter lim="800000"/>
+                <a:headEnd/>
+                <a:tailEnd/>
+              </a14:hiddenLine>
+            </a:ext>
+          </a:extLst>
+        </p:spPr>
+      </p:pic>
+      <p:sp>
+        <p:nvSpPr>
+          <p:cNvPr id="18440" name="Прямоугольник 96"/>
+          <p:cNvSpPr>
+            <a:spLocks noChangeArrowheads="1"/>
+          </p:cNvSpPr>
+          <p:nvPr/>
+        </p:nvSpPr>
+        <p:spPr bwMode="auto">
+          <a:xfrm>
+            <a:off x="36088" y="128588"/>
+            <a:ext cx="383438" cy="307777"/>
+          </a:xfrm>
+          <a:prstGeom prst="rect">
+            <a:avLst/>
+          </a:prstGeom>
+          <a:noFill/>
+          <a:ln>
+            <a:noFill/>
+          </a:ln>
+          <a:extLst>
+            <a:ext uri="{909E8E84-426E-40DD-AFC4-6F175D3DCCD1}">
+              <a14:hiddenFill xmlns:a14="http://schemas.microsoft.com/office/drawing/2010/main">
+                <a:solidFill>
+                  <a:srgbClr val="FFFFFF"/>
+                </a:solidFill>
+              </a14:hiddenFill>
+            </a:ext>
+            <a:ext uri="{91240B29-F687-4F45-9708-019B960494DF}">
+              <a14:hiddenLine xmlns:a14="http://schemas.microsoft.com/office/drawing/2010/main" w="9525">
+                <a:solidFill>
+                  <a:srgbClr val="000000"/>
+                </a:solidFill>
+                <a:miter lim="800000"/>
+                <a:headEnd/>
+                <a:tailEnd/>
+              </a14:hiddenLine>
+            </a:ext>
+          </a:extLst>
+        </p:spPr>
         <p:txBody>
-          <a:bodyPr/>
+          <a:bodyPr wrap="none">
+            <a:spAutoFit/>
+          </a:bodyPr>
           <a:lstStyle>
-            <a:lvl1pPr defTabSz="457200">
+            <a:lvl1pPr>
               <a:defRPr kumimoji="1" sz="2400">
                 <a:solidFill>
                   <a:schemeClr val="tx1"/>
@@ -22988,7 +25272,7 @@
                 <a:cs typeface="Arial" panose="020B0604020202020204" pitchFamily="34" charset="0"/>
               </a:defRPr>
             </a:lvl1pPr>
-            <a:lvl2pPr marL="742950" indent="-285750" defTabSz="457200">
+            <a:lvl2pPr marL="742950" indent="-285750">
               <a:defRPr kumimoji="1" sz="2400">
                 <a:solidFill>
                   <a:schemeClr val="tx1"/>
@@ -22997,7 +25281,7 @@
                 <a:cs typeface="Arial" panose="020B0604020202020204" pitchFamily="34" charset="0"/>
               </a:defRPr>
             </a:lvl2pPr>
-            <a:lvl3pPr marL="1143000" indent="-228600" defTabSz="457200">
+            <a:lvl3pPr marL="1143000" indent="-228600">
               <a:defRPr kumimoji="1" sz="2400">
                 <a:solidFill>
                   <a:schemeClr val="tx1"/>
@@ -23006,7 +25290,7 @@
                 <a:cs typeface="Arial" panose="020B0604020202020204" pitchFamily="34" charset="0"/>
               </a:defRPr>
             </a:lvl3pPr>
-            <a:lvl4pPr marL="1600200" indent="-228600" defTabSz="457200">
+            <a:lvl4pPr marL="1600200" indent="-228600">
               <a:defRPr kumimoji="1" sz="2400">
                 <a:solidFill>
                   <a:schemeClr val="tx1"/>
@@ -23015,7 +25299,7 @@
                 <a:cs typeface="Arial" panose="020B0604020202020204" pitchFamily="34" charset="0"/>
               </a:defRPr>
             </a:lvl4pPr>
-            <a:lvl5pPr marL="2057400" indent="-228600" defTabSz="457200">
+            <a:lvl5pPr marL="2057400" indent="-228600">
               <a:defRPr kumimoji="1" sz="2400">
                 <a:solidFill>
                   <a:schemeClr val="tx1"/>
@@ -23024,7 +25308,7 @@
                 <a:cs typeface="Arial" panose="020B0604020202020204" pitchFamily="34" charset="0"/>
               </a:defRPr>
             </a:lvl5pPr>
-            <a:lvl6pPr marL="2514600" indent="-228600" defTabSz="457200" eaLnBrk="0" fontAlgn="base" hangingPunct="0">
+            <a:lvl6pPr marL="2514600" indent="-228600" eaLnBrk="0" fontAlgn="base" hangingPunct="0">
               <a:spcBef>
                 <a:spcPct val="0"/>
               </a:spcBef>
@@ -23039,7 +25323,7 @@
                 <a:cs typeface="Arial" panose="020B0604020202020204" pitchFamily="34" charset="0"/>
               </a:defRPr>
             </a:lvl6pPr>
-            <a:lvl7pPr marL="2971800" indent="-228600" defTabSz="457200" eaLnBrk="0" fontAlgn="base" hangingPunct="0">
+            <a:lvl7pPr marL="2971800" indent="-228600" eaLnBrk="0" fontAlgn="base" hangingPunct="0">
               <a:spcBef>
                 <a:spcPct val="0"/>
               </a:spcBef>
@@ -23054,7 +25338,7 @@
                 <a:cs typeface="Arial" panose="020B0604020202020204" pitchFamily="34" charset="0"/>
               </a:defRPr>
             </a:lvl7pPr>
-            <a:lvl8pPr marL="3429000" indent="-228600" defTabSz="457200" eaLnBrk="0" fontAlgn="base" hangingPunct="0">
+            <a:lvl8pPr marL="3429000" indent="-228600" eaLnBrk="0" fontAlgn="base" hangingPunct="0">
               <a:spcBef>
                 <a:spcPct val="0"/>
               </a:spcBef>
@@ -23069,7 +25353,7 @@
                 <a:cs typeface="Arial" panose="020B0604020202020204" pitchFamily="34" charset="0"/>
               </a:defRPr>
             </a:lvl8pPr>
-            <a:lvl9pPr marL="3886200" indent="-228600" defTabSz="457200" eaLnBrk="0" fontAlgn="base" hangingPunct="0">
+            <a:lvl9pPr marL="3886200" indent="-228600" eaLnBrk="0" fontAlgn="base" hangingPunct="0">
               <a:spcBef>
                 <a:spcPct val="0"/>
               </a:spcBef>
@@ -23086,24 +25370,202 @@
             </a:lvl9pPr>
           </a:lstStyle>
           <a:p>
-            <a:pPr algn="ctr" eaLnBrk="1" hangingPunct="1"/>
-            <a:r>
-              <a:rPr lang="ru-RU" altLang="ru-RU" sz="3200" dirty="0">
-                <a:solidFill>
-                  <a:schemeClr val="accent1"/>
-                </a:solidFill>
-              </a:rPr>
-              <a:t>Анализ эксплуатационных рисков и надёжности</a:t>
-            </a:r>
+            <a:pPr algn="ctr">
+              <a:buFont typeface="Arial" panose="020B0604020202020204" pitchFamily="34" charset="0"/>
+              <a:buNone/>
+            </a:pPr>
+            <a:r>
+              <a:rPr lang="ru-RU" altLang="ru-RU" sz="1400" b="1" dirty="0">
+                <a:solidFill>
+                  <a:schemeClr val="bg1"/>
+                </a:solidFill>
+                <a:latin typeface="Arial" panose="020B0604020202020204" pitchFamily="34" charset="0"/>
+              </a:rPr>
+              <a:t>14</a:t>
+            </a:r>
+            <a:endParaRPr lang="en-US" altLang="ru-RU" sz="1400" b="1" dirty="0">
+              <a:solidFill>
+                <a:schemeClr val="bg1"/>
+              </a:solidFill>
+              <a:latin typeface="Arial" panose="020B0604020202020204" pitchFamily="34" charset="0"/>
+            </a:endParaRPr>
           </a:p>
         </p:txBody>
       </p:sp>
       <p:sp>
         <p:nvSpPr>
-          <p:cNvPr id="4" name="TextBox 3">
+          <p:cNvPr id="9" name="Заголовок 1">
             <a:extLst>
               <a:ext uri="{FF2B5EF4-FFF2-40B4-BE49-F238E27FC236}">
-                <a16:creationId xmlns:a16="http://schemas.microsoft.com/office/drawing/2014/main" id="{21D66A52-D7D6-48D7-8957-8C9CE3AEC295}"/>
+                <a16:creationId xmlns:a16="http://schemas.microsoft.com/office/drawing/2014/main" id="{BF5F1D2C-1B2E-4FB2-90C6-F508759CB4E6}"/>
+              </a:ext>
+            </a:extLst>
+          </p:cNvPr>
+          <p:cNvSpPr>
+            <a:spLocks noGrp="1" noChangeArrowheads="1"/>
+          </p:cNvSpPr>
+          <p:nvPr/>
+        </p:nvSpPr>
+        <p:spPr bwMode="auto">
+          <a:xfrm>
+            <a:off x="455249" y="0"/>
+            <a:ext cx="9438051" cy="754062"/>
+          </a:xfrm>
+          <a:prstGeom prst="rect">
+            <a:avLst/>
+          </a:prstGeom>
+          <a:noFill/>
+          <a:ln>
+            <a:noFill/>
+          </a:ln>
+          <a:extLst>
+            <a:ext uri="{909E8E84-426E-40DD-AFC4-6F175D3DCCD1}">
+              <a14:hiddenFill xmlns:a14="http://schemas.microsoft.com/office/drawing/2010/main">
+                <a:solidFill>
+                  <a:srgbClr val="FFFFFF"/>
+                </a:solidFill>
+              </a14:hiddenFill>
+            </a:ext>
+            <a:ext uri="{91240B29-F687-4F45-9708-019B960494DF}">
+              <a14:hiddenLine xmlns:a14="http://schemas.microsoft.com/office/drawing/2010/main" w="9525">
+                <a:solidFill>
+                  <a:srgbClr val="000000"/>
+                </a:solidFill>
+                <a:miter lim="800000"/>
+                <a:headEnd/>
+                <a:tailEnd/>
+              </a14:hiddenLine>
+            </a:ext>
+          </a:extLst>
+        </p:spPr>
+        <p:txBody>
+          <a:bodyPr/>
+          <a:lstStyle>
+            <a:lvl1pPr defTabSz="457200">
+              <a:defRPr kumimoji="1" sz="2400">
+                <a:solidFill>
+                  <a:schemeClr val="tx1"/>
+                </a:solidFill>
+                <a:latin typeface="Calibri" panose="020F0502020204030204" pitchFamily="34" charset="0"/>
+                <a:cs typeface="Arial" panose="020B0604020202020204" pitchFamily="34" charset="0"/>
+              </a:defRPr>
+            </a:lvl1pPr>
+            <a:lvl2pPr marL="742950" indent="-285750" defTabSz="457200">
+              <a:defRPr kumimoji="1" sz="2400">
+                <a:solidFill>
+                  <a:schemeClr val="tx1"/>
+                </a:solidFill>
+                <a:latin typeface="Calibri" panose="020F0502020204030204" pitchFamily="34" charset="0"/>
+                <a:cs typeface="Arial" panose="020B0604020202020204" pitchFamily="34" charset="0"/>
+              </a:defRPr>
+            </a:lvl2pPr>
+            <a:lvl3pPr marL="1143000" indent="-228600" defTabSz="457200">
+              <a:defRPr kumimoji="1" sz="2400">
+                <a:solidFill>
+                  <a:schemeClr val="tx1"/>
+                </a:solidFill>
+                <a:latin typeface="Calibri" panose="020F0502020204030204" pitchFamily="34" charset="0"/>
+                <a:cs typeface="Arial" panose="020B0604020202020204" pitchFamily="34" charset="0"/>
+              </a:defRPr>
+            </a:lvl3pPr>
+            <a:lvl4pPr marL="1600200" indent="-228600" defTabSz="457200">
+              <a:defRPr kumimoji="1" sz="2400">
+                <a:solidFill>
+                  <a:schemeClr val="tx1"/>
+                </a:solidFill>
+                <a:latin typeface="Calibri" panose="020F0502020204030204" pitchFamily="34" charset="0"/>
+                <a:cs typeface="Arial" panose="020B0604020202020204" pitchFamily="34" charset="0"/>
+              </a:defRPr>
+            </a:lvl4pPr>
+            <a:lvl5pPr marL="2057400" indent="-228600" defTabSz="457200">
+              <a:defRPr kumimoji="1" sz="2400">
+                <a:solidFill>
+                  <a:schemeClr val="tx1"/>
+                </a:solidFill>
+                <a:latin typeface="Calibri" panose="020F0502020204030204" pitchFamily="34" charset="0"/>
+                <a:cs typeface="Arial" panose="020B0604020202020204" pitchFamily="34" charset="0"/>
+              </a:defRPr>
+            </a:lvl5pPr>
+            <a:lvl6pPr marL="2514600" indent="-228600" defTabSz="457200" eaLnBrk="0" fontAlgn="base" hangingPunct="0">
+              <a:spcBef>
+                <a:spcPct val="0"/>
+              </a:spcBef>
+              <a:spcAft>
+                <a:spcPct val="0"/>
+              </a:spcAft>
+              <a:defRPr kumimoji="1" sz="2400">
+                <a:solidFill>
+                  <a:schemeClr val="tx1"/>
+                </a:solidFill>
+                <a:latin typeface="Calibri" panose="020F0502020204030204" pitchFamily="34" charset="0"/>
+                <a:cs typeface="Arial" panose="020B0604020202020204" pitchFamily="34" charset="0"/>
+              </a:defRPr>
+            </a:lvl6pPr>
+            <a:lvl7pPr marL="2971800" indent="-228600" defTabSz="457200" eaLnBrk="0" fontAlgn="base" hangingPunct="0">
+              <a:spcBef>
+                <a:spcPct val="0"/>
+              </a:spcBef>
+              <a:spcAft>
+                <a:spcPct val="0"/>
+              </a:spcAft>
+              <a:defRPr kumimoji="1" sz="2400">
+                <a:solidFill>
+                  <a:schemeClr val="tx1"/>
+                </a:solidFill>
+                <a:latin typeface="Calibri" panose="020F0502020204030204" pitchFamily="34" charset="0"/>
+                <a:cs typeface="Arial" panose="020B0604020202020204" pitchFamily="34" charset="0"/>
+              </a:defRPr>
+            </a:lvl7pPr>
+            <a:lvl8pPr marL="3429000" indent="-228600" defTabSz="457200" eaLnBrk="0" fontAlgn="base" hangingPunct="0">
+              <a:spcBef>
+                <a:spcPct val="0"/>
+              </a:spcBef>
+              <a:spcAft>
+                <a:spcPct val="0"/>
+              </a:spcAft>
+              <a:defRPr kumimoji="1" sz="2400">
+                <a:solidFill>
+                  <a:schemeClr val="tx1"/>
+                </a:solidFill>
+                <a:latin typeface="Calibri" panose="020F0502020204030204" pitchFamily="34" charset="0"/>
+                <a:cs typeface="Arial" panose="020B0604020202020204" pitchFamily="34" charset="0"/>
+              </a:defRPr>
+            </a:lvl8pPr>
+            <a:lvl9pPr marL="3886200" indent="-228600" defTabSz="457200" eaLnBrk="0" fontAlgn="base" hangingPunct="0">
+              <a:spcBef>
+                <a:spcPct val="0"/>
+              </a:spcBef>
+              <a:spcAft>
+                <a:spcPct val="0"/>
+              </a:spcAft>
+              <a:defRPr kumimoji="1" sz="2400">
+                <a:solidFill>
+                  <a:schemeClr val="tx1"/>
+                </a:solidFill>
+                <a:latin typeface="Calibri" panose="020F0502020204030204" pitchFamily="34" charset="0"/>
+                <a:cs typeface="Arial" panose="020B0604020202020204" pitchFamily="34" charset="0"/>
+              </a:defRPr>
+            </a:lvl9pPr>
+          </a:lstStyle>
+          <a:p>
+            <a:pPr algn="ctr" eaLnBrk="1" hangingPunct="1"/>
+            <a:r>
+              <a:rPr lang="ru-RU" altLang="ru-RU" sz="3200" dirty="0">
+                <a:solidFill>
+                  <a:schemeClr val="accent1"/>
+                </a:solidFill>
+              </a:rPr>
+              <a:t>Анализ эксплуатационных рисков и надёжности</a:t>
+            </a:r>
+          </a:p>
+        </p:txBody>
+      </p:sp>
+      <p:sp>
+        <p:nvSpPr>
+          <p:cNvPr id="10" name="TextBox 9">
+            <a:extLst>
+              <a:ext uri="{FF2B5EF4-FFF2-40B4-BE49-F238E27FC236}">
+                <a16:creationId xmlns:a16="http://schemas.microsoft.com/office/drawing/2014/main" id="{9B5D7B9B-D998-42B7-8551-7827BF71AA75}"/>
               </a:ext>
             </a:extLst>
           </p:cNvPr>
@@ -23112,8 +25574,8 @@
         </p:nvSpPr>
         <p:spPr>
           <a:xfrm>
-            <a:off x="169863" y="582067"/>
-            <a:ext cx="9553575" cy="4893647"/>
+            <a:off x="481013" y="582067"/>
+            <a:ext cx="9242425" cy="4893647"/>
           </a:xfrm>
           <a:prstGeom prst="rect">
             <a:avLst/>
@@ -23697,129 +26159,12 @@
           </a:p>
         </p:txBody>
       </p:sp>
-      <p:sp>
-        <p:nvSpPr>
-          <p:cNvPr id="6" name="TextBox 5">
+      <p:pic>
+        <p:nvPicPr>
+          <p:cNvPr id="11" name="Picture 2" descr="Оценка рисков судовых операций">
             <a:extLst>
               <a:ext uri="{FF2B5EF4-FFF2-40B4-BE49-F238E27FC236}">
-                <a16:creationId xmlns:a16="http://schemas.microsoft.com/office/drawing/2014/main" id="{32C0DA0B-6450-4ED9-B854-E2A576B303F6}"/>
-              </a:ext>
-            </a:extLst>
-          </p:cNvPr>
-          <p:cNvSpPr txBox="1"/>
-          <p:nvPr/>
-        </p:nvSpPr>
-        <p:spPr>
-          <a:xfrm>
-            <a:off x="213518" y="5475714"/>
-            <a:ext cx="9466263" cy="738664"/>
-          </a:xfrm>
-          <a:prstGeom prst="rect">
-            <a:avLst/>
-          </a:prstGeom>
-          <a:noFill/>
-        </p:spPr>
-        <p:txBody>
-          <a:bodyPr wrap="square">
-            <a:spAutoFit/>
-          </a:bodyPr>
-          <a:lstStyle/>
-          <a:p>
-            <a:r>
-              <a:rPr lang="ru-RU" sz="1400" b="1" i="0" dirty="0">
-                <a:effectLst/>
-                <a:latin typeface="+mn-lt"/>
-              </a:rPr>
-              <a:t>Вывод:</a:t>
-            </a:r>
-            <a:br>
-              <a:rPr lang="ru-RU" sz="1400" b="0" i="0" dirty="0">
-                <a:effectLst/>
-                <a:latin typeface="+mn-lt"/>
-              </a:rPr>
-            </a:br>
-            <a:r>
-              <a:rPr lang="ru-RU" sz="1400" b="0" i="0" dirty="0">
-                <a:effectLst/>
-                <a:latin typeface="+mn-lt"/>
-              </a:rPr>
-              <a:t>Система соответствует </a:t>
-            </a:r>
-            <a:r>
-              <a:rPr lang="ru-RU" sz="1400" b="1" i="0" dirty="0">
-                <a:effectLst/>
-                <a:latin typeface="+mn-lt"/>
-              </a:rPr>
-              <a:t>ГОСТ и ФЗ-152</a:t>
-            </a:r>
-            <a:r>
-              <a:rPr lang="ru-RU" sz="1400" dirty="0">
-                <a:latin typeface="+mn-lt"/>
-              </a:rPr>
-              <a:t> и </a:t>
-            </a:r>
-            <a:r>
-              <a:rPr lang="ru-RU" sz="1400" b="0" i="0" dirty="0">
-                <a:effectLst/>
-                <a:latin typeface="+mn-lt"/>
-              </a:rPr>
-              <a:t>обеспечива</a:t>
-            </a:r>
-            <a:r>
-              <a:rPr lang="ru-RU" sz="1400" i="0" dirty="0">
-                <a:effectLst/>
-                <a:latin typeface="+mn-lt"/>
-              </a:rPr>
-              <a:t>ет: </a:t>
-            </a:r>
-            <a:r>
-              <a:rPr lang="ru-RU" sz="1400" dirty="0">
-                <a:latin typeface="+mn-lt"/>
-              </a:rPr>
-              <a:t>з</a:t>
-            </a:r>
-            <a:r>
-              <a:rPr lang="ru-RU" sz="1400" i="0" dirty="0">
-                <a:effectLst/>
-                <a:latin typeface="+mn-lt"/>
-              </a:rPr>
-              <a:t>ащиту от кибератак</a:t>
-            </a:r>
-            <a:r>
-              <a:rPr lang="ru-RU" sz="1400" dirty="0">
-                <a:latin typeface="+mn-lt"/>
-              </a:rPr>
-              <a:t>, р</a:t>
-            </a:r>
-            <a:r>
-              <a:rPr lang="ru-RU" sz="1400" i="0" dirty="0">
-                <a:effectLst/>
-                <a:latin typeface="+mn-lt"/>
-              </a:rPr>
-              <a:t>аботу в экстремальных условиях</a:t>
-            </a:r>
-            <a:r>
-              <a:rPr lang="ru-RU" sz="1400" dirty="0">
-                <a:latin typeface="+mn-lt"/>
-              </a:rPr>
-              <a:t>, м</a:t>
-            </a:r>
-            <a:r>
-              <a:rPr lang="ru-RU" sz="1400" i="0" dirty="0">
-                <a:effectLst/>
-                <a:latin typeface="+mn-lt"/>
-              </a:rPr>
-              <a:t>инимальные простои</a:t>
-            </a:r>
-          </a:p>
-        </p:txBody>
-      </p:sp>
-      <p:pic>
-        <p:nvPicPr>
-          <p:cNvPr id="6146" name="Picture 2" descr="Оценка рисков судовых операций">
-            <a:extLst>
-              <a:ext uri="{FF2B5EF4-FFF2-40B4-BE49-F238E27FC236}">
-                <a16:creationId xmlns:a16="http://schemas.microsoft.com/office/drawing/2014/main" id="{AFD1B82F-C13D-42D8-9C80-DD47123D791B}"/>
+                <a16:creationId xmlns:a16="http://schemas.microsoft.com/office/drawing/2014/main" id="{89721776-C121-4AC8-8CEB-8DA3CEB4BAD9}"/>
               </a:ext>
             </a:extLst>
           </p:cNvPr>
@@ -23829,7 +26174,7 @@
           <p:nvPr/>
         </p:nvPicPr>
         <p:blipFill>
-          <a:blip r:embed="rId2">
+          <a:blip r:embed="rId7">
             <a:extLst>
               <a:ext uri="{28A0092B-C50C-407E-A947-70E740481C1C}">
                 <a14:useLocalDpi xmlns:a14="http://schemas.microsoft.com/office/drawing/2010/main" val="0"/>
@@ -23861,18 +26206,135 @@
           </a:extLst>
         </p:spPr>
       </p:pic>
+      <p:sp>
+        <p:nvSpPr>
+          <p:cNvPr id="13" name="TextBox 12">
+            <a:extLst>
+              <a:ext uri="{FF2B5EF4-FFF2-40B4-BE49-F238E27FC236}">
+                <a16:creationId xmlns:a16="http://schemas.microsoft.com/office/drawing/2014/main" id="{D85911D2-757D-453F-B007-A0D575D108B3}"/>
+              </a:ext>
+            </a:extLst>
+          </p:cNvPr>
+          <p:cNvSpPr txBox="1"/>
+          <p:nvPr/>
+        </p:nvSpPr>
+        <p:spPr>
+          <a:xfrm>
+            <a:off x="481013" y="5475714"/>
+            <a:ext cx="9198768" cy="738664"/>
+          </a:xfrm>
+          <a:prstGeom prst="rect">
+            <a:avLst/>
+          </a:prstGeom>
+          <a:noFill/>
+        </p:spPr>
+        <p:txBody>
+          <a:bodyPr wrap="square">
+            <a:spAutoFit/>
+          </a:bodyPr>
+          <a:lstStyle/>
+          <a:p>
+            <a:r>
+              <a:rPr lang="ru-RU" sz="1400" b="1" i="0" dirty="0">
+                <a:effectLst/>
+                <a:latin typeface="+mn-lt"/>
+              </a:rPr>
+              <a:t>Вывод:</a:t>
+            </a:r>
+            <a:br>
+              <a:rPr lang="ru-RU" sz="1400" b="0" i="0" dirty="0">
+                <a:effectLst/>
+                <a:latin typeface="+mn-lt"/>
+              </a:rPr>
+            </a:br>
+            <a:r>
+              <a:rPr lang="ru-RU" sz="1400" b="0" i="0" dirty="0">
+                <a:effectLst/>
+                <a:latin typeface="+mn-lt"/>
+              </a:rPr>
+              <a:t>Система соответствует </a:t>
+            </a:r>
+            <a:r>
+              <a:rPr lang="ru-RU" sz="1400" b="1" i="0" dirty="0">
+                <a:effectLst/>
+                <a:latin typeface="+mn-lt"/>
+              </a:rPr>
+              <a:t>ГОСТ и ФЗ-152</a:t>
+            </a:r>
+            <a:r>
+              <a:rPr lang="ru-RU" sz="1400" dirty="0">
+                <a:latin typeface="+mn-lt"/>
+              </a:rPr>
+              <a:t> и </a:t>
+            </a:r>
+            <a:r>
+              <a:rPr lang="ru-RU" sz="1400" b="0" i="0" dirty="0">
+                <a:effectLst/>
+                <a:latin typeface="+mn-lt"/>
+              </a:rPr>
+              <a:t>обеспечива</a:t>
+            </a:r>
+            <a:r>
+              <a:rPr lang="ru-RU" sz="1400" i="0" dirty="0">
+                <a:effectLst/>
+                <a:latin typeface="+mn-lt"/>
+              </a:rPr>
+              <a:t>ет: </a:t>
+            </a:r>
+            <a:r>
+              <a:rPr lang="ru-RU" sz="1400" dirty="0">
+                <a:latin typeface="+mn-lt"/>
+              </a:rPr>
+              <a:t>з</a:t>
+            </a:r>
+            <a:r>
+              <a:rPr lang="ru-RU" sz="1400" i="0" dirty="0">
+                <a:effectLst/>
+                <a:latin typeface="+mn-lt"/>
+              </a:rPr>
+              <a:t>ащиту от кибератак</a:t>
+            </a:r>
+            <a:r>
+              <a:rPr lang="ru-RU" sz="1400" dirty="0">
+                <a:latin typeface="+mn-lt"/>
+              </a:rPr>
+              <a:t>, р</a:t>
+            </a:r>
+            <a:r>
+              <a:rPr lang="ru-RU" sz="1400" i="0" dirty="0">
+                <a:effectLst/>
+                <a:latin typeface="+mn-lt"/>
+              </a:rPr>
+              <a:t>аботу в экстремальных условиях</a:t>
+            </a:r>
+            <a:r>
+              <a:rPr lang="ru-RU" sz="1400" dirty="0">
+                <a:latin typeface="+mn-lt"/>
+              </a:rPr>
+              <a:t>, м</a:t>
+            </a:r>
+            <a:r>
+              <a:rPr lang="ru-RU" sz="1400" i="0" dirty="0">
+                <a:effectLst/>
+                <a:latin typeface="+mn-lt"/>
+              </a:rPr>
+              <a:t>инимальные простои</a:t>
+            </a:r>
+          </a:p>
+        </p:txBody>
+      </p:sp>
     </p:spTree>
     <p:extLst>
       <p:ext uri="{BB962C8B-B14F-4D97-AF65-F5344CB8AC3E}">
-        <p14:creationId xmlns:p14="http://schemas.microsoft.com/office/powerpoint/2010/main" val="252582518"/>
+        <p14:creationId xmlns:p14="http://schemas.microsoft.com/office/powerpoint/2010/main" val="3242925777"/>
       </p:ext>
     </p:extLst>
   </p:cSld>
   <p:clrMapOvr>
     <a:masterClrMapping/>
   </p:clrMapOvr>
-  <p:transition spd="slow" advClick="0" advTm="2000">
-    <p:cover dir="d"/>
+  <p:transition spd="slow">
+    <p:push dir="u"/>
   </p:transition>
 </p:sld>
 </file>
@@ -24842,22 +27304,170 @@
       </p:grpSpPr>
       <p:sp>
         <p:nvSpPr>
-          <p:cNvPr id="2" name="Заголовок 1">
+          <p:cNvPr id="8" name="Прямоугольник 7">
             <a:extLst>
               <a:ext uri="{FF2B5EF4-FFF2-40B4-BE49-F238E27FC236}">
-                <a16:creationId xmlns:a16="http://schemas.microsoft.com/office/drawing/2014/main" id="{ED833217-9E31-4489-A246-64317F2F92CB}"/>
+                <a16:creationId xmlns:a16="http://schemas.microsoft.com/office/drawing/2014/main" id="{093D4364-411B-4FE9-A96B-0F84FFCC8375}"/>
               </a:ext>
             </a:extLst>
           </p:cNvPr>
-          <p:cNvSpPr>
-            <a:spLocks noGrp="1" noChangeArrowheads="1"/>
-          </p:cNvSpPr>
+          <p:cNvSpPr/>
           <p:nvPr/>
         </p:nvSpPr>
+        <p:spPr>
+          <a:xfrm>
+            <a:off x="0" y="0"/>
+            <a:ext cx="468313" cy="6858000"/>
+          </a:xfrm>
+          <a:prstGeom prst="rect">
+            <a:avLst/>
+          </a:prstGeom>
+          <a:solidFill>
+            <a:srgbClr val="006CB5"/>
+          </a:solidFill>
+          <a:ln w="12700">
+            <a:noFill/>
+          </a:ln>
+          <a:effectLst/>
+        </p:spPr>
+        <p:style>
+          <a:lnRef idx="2">
+            <a:schemeClr val="accent1">
+              <a:shade val="50000"/>
+            </a:schemeClr>
+          </a:lnRef>
+          <a:fillRef idx="1">
+            <a:schemeClr val="accent1"/>
+          </a:fillRef>
+          <a:effectRef idx="0">
+            <a:schemeClr val="accent1"/>
+          </a:effectRef>
+          <a:fontRef idx="minor">
+            <a:schemeClr val="lt1"/>
+          </a:fontRef>
+        </p:style>
+        <p:txBody>
+          <a:bodyPr rtlCol="1" anchor="ctr"/>
+          <a:lstStyle/>
+          <a:p>
+            <a:pPr algn="ctr">
+              <a:defRPr/>
+            </a:pPr>
+            <a:endParaRPr lang="ru-RU" sz="1800"/>
+          </a:p>
+        </p:txBody>
+      </p:sp>
+      <p:pic>
+        <p:nvPicPr>
+          <p:cNvPr id="14340" name="Рисунок 1">
+            <a:extLst>
+              <a:ext uri="{FF2B5EF4-FFF2-40B4-BE49-F238E27FC236}">
+                <a16:creationId xmlns:a16="http://schemas.microsoft.com/office/drawing/2014/main" id="{0BBC6320-63FD-4C0F-AC63-6D8FF9E24093}"/>
+              </a:ext>
+            </a:extLst>
+          </p:cNvPr>
+          <p:cNvPicPr>
+            <a:picLocks noChangeAspect="1"/>
+          </p:cNvPicPr>
+          <p:nvPr/>
+        </p:nvPicPr>
+        <p:blipFill>
+          <a:blip r:embed="rId3" cstate="print">
+            <a:duotone>
+              <a:schemeClr val="bg2">
+                <a:shade val="45000"/>
+                <a:satMod val="135000"/>
+              </a:schemeClr>
+              <a:prstClr val="white"/>
+            </a:duotone>
+          </a:blip>
+          <a:srcRect r="96146"/>
+          <a:stretch>
+            <a:fillRect/>
+          </a:stretch>
+        </p:blipFill>
+        <p:spPr bwMode="auto">
+          <a:xfrm rot="16200000">
+            <a:off x="18196" y="7288776"/>
+            <a:ext cx="178594" cy="169069"/>
+          </a:xfrm>
+          <a:prstGeom prst="rect">
+            <a:avLst/>
+          </a:prstGeom>
+          <a:noFill/>
+          <a:ln>
+            <a:noFill/>
+          </a:ln>
+        </p:spPr>
+      </p:pic>
+      <p:pic>
+        <p:nvPicPr>
+          <p:cNvPr id="14342" name="Рисунок 1">
+            <a:extLst>
+              <a:ext uri="{FF2B5EF4-FFF2-40B4-BE49-F238E27FC236}">
+                <a16:creationId xmlns:a16="http://schemas.microsoft.com/office/drawing/2014/main" id="{C7815109-567A-4F6F-8DF1-C13BD4B7AEA2}"/>
+              </a:ext>
+            </a:extLst>
+          </p:cNvPr>
+          <p:cNvPicPr>
+            <a:picLocks noChangeAspect="1"/>
+          </p:cNvPicPr>
+          <p:nvPr/>
+        </p:nvPicPr>
+        <p:blipFill>
+          <a:blip r:embed="rId4" cstate="print">
+            <a:duotone>
+              <a:schemeClr val="bg2">
+                <a:shade val="45000"/>
+                <a:satMod val="135000"/>
+              </a:schemeClr>
+              <a:prstClr val="white"/>
+            </a:duotone>
+          </a:blip>
+          <a:srcRect l="4880"/>
+          <a:stretch>
+            <a:fillRect/>
+          </a:stretch>
+        </p:blipFill>
+        <p:spPr bwMode="auto">
+          <a:xfrm rot="16200000">
+            <a:off x="-2870892" y="3532157"/>
+            <a:ext cx="5969110" cy="229146"/>
+          </a:xfrm>
+          <a:prstGeom prst="rect">
+            <a:avLst/>
+          </a:prstGeom>
+          <a:noFill/>
+          <a:ln>
+            <a:noFill/>
+          </a:ln>
+        </p:spPr>
+      </p:pic>
+      <p:pic>
+        <p:nvPicPr>
+          <p:cNvPr id="18437" name="Рисунок 10"/>
+          <p:cNvPicPr>
+            <a:picLocks noChangeAspect="1"/>
+          </p:cNvPicPr>
+          <p:nvPr/>
+        </p:nvPicPr>
+        <p:blipFill>
+          <a:blip r:embed="rId5">
+            <a:extLst>
+              <a:ext uri="{28A0092B-C50C-407E-A947-70E740481C1C}">
+                <a14:useLocalDpi xmlns:a14="http://schemas.microsoft.com/office/drawing/2010/main" val="0"/>
+              </a:ext>
+            </a:extLst>
+          </a:blip>
+          <a:srcRect/>
+          <a:stretch>
+            <a:fillRect/>
+          </a:stretch>
+        </p:blipFill>
         <p:spPr bwMode="auto">
           <a:xfrm>
-            <a:off x="1" y="0"/>
-            <a:ext cx="9893300" cy="754062"/>
+            <a:off x="-12700" y="73025"/>
+            <a:ext cx="481013" cy="481013"/>
           </a:xfrm>
           <a:prstGeom prst="rect">
             <a:avLst/>
@@ -24886,10 +27496,150 @@
             </a:ext>
           </a:extLst>
         </p:spPr>
+      </p:pic>
+      <p:cxnSp>
+        <p:nvCxnSpPr>
+          <p:cNvPr id="12" name="Прямая соединительная линия 11">
+            <a:extLst>
+              <a:ext uri="{FF2B5EF4-FFF2-40B4-BE49-F238E27FC236}">
+                <a16:creationId xmlns:a16="http://schemas.microsoft.com/office/drawing/2014/main" id="{EDF376CE-5EAB-4A03-8344-2422AA450799}"/>
+              </a:ext>
+            </a:extLst>
+          </p:cNvPr>
+          <p:cNvCxnSpPr>
+            <a:endCxn id="8" idx="2"/>
+          </p:cNvCxnSpPr>
+          <p:nvPr/>
+        </p:nvCxnSpPr>
+        <p:spPr>
+          <a:xfrm>
+            <a:off x="227013" y="527050"/>
+            <a:ext cx="6350" cy="6330950"/>
+          </a:xfrm>
+          <a:prstGeom prst="line">
+            <a:avLst/>
+          </a:prstGeom>
+          <a:ln w="38100">
+            <a:solidFill>
+              <a:schemeClr val="bg1"/>
+            </a:solidFill>
+          </a:ln>
+        </p:spPr>
+        <p:style>
+          <a:lnRef idx="1">
+            <a:schemeClr val="accent1"/>
+          </a:lnRef>
+          <a:fillRef idx="0">
+            <a:schemeClr val="accent1"/>
+          </a:fillRef>
+          <a:effectRef idx="0">
+            <a:schemeClr val="accent1"/>
+          </a:effectRef>
+          <a:fontRef idx="minor">
+            <a:schemeClr val="tx1"/>
+          </a:fontRef>
+        </p:style>
+      </p:cxnSp>
+      <p:pic>
+        <p:nvPicPr>
+          <p:cNvPr id="18439" name="Рисунок 6"/>
+          <p:cNvPicPr>
+            <a:picLocks noChangeAspect="1"/>
+          </p:cNvPicPr>
+          <p:nvPr/>
+        </p:nvPicPr>
+        <p:blipFill>
+          <a:blip r:embed="rId6">
+            <a:extLst>
+              <a:ext uri="{28A0092B-C50C-407E-A947-70E740481C1C}">
+                <a14:useLocalDpi xmlns:a14="http://schemas.microsoft.com/office/drawing/2010/main" val="0"/>
+              </a:ext>
+            </a:extLst>
+          </a:blip>
+          <a:srcRect l="63036" t="63045"/>
+          <a:stretch>
+            <a:fillRect/>
+          </a:stretch>
+        </p:blipFill>
+        <p:spPr bwMode="auto">
+          <a:xfrm>
+            <a:off x="9278938" y="6219825"/>
+            <a:ext cx="627062" cy="638175"/>
+          </a:xfrm>
+          <a:prstGeom prst="rect">
+            <a:avLst/>
+          </a:prstGeom>
+          <a:noFill/>
+          <a:ln>
+            <a:noFill/>
+          </a:ln>
+          <a:extLst>
+            <a:ext uri="{909E8E84-426E-40DD-AFC4-6F175D3DCCD1}">
+              <a14:hiddenFill xmlns:a14="http://schemas.microsoft.com/office/drawing/2010/main">
+                <a:solidFill>
+                  <a:srgbClr val="FFFFFF"/>
+                </a:solidFill>
+              </a14:hiddenFill>
+            </a:ext>
+            <a:ext uri="{91240B29-F687-4F45-9708-019B960494DF}">
+              <a14:hiddenLine xmlns:a14="http://schemas.microsoft.com/office/drawing/2010/main" w="9525">
+                <a:solidFill>
+                  <a:srgbClr val="000000"/>
+                </a:solidFill>
+                <a:miter lim="800000"/>
+                <a:headEnd/>
+                <a:tailEnd/>
+              </a14:hiddenLine>
+            </a:ext>
+          </a:extLst>
+        </p:spPr>
+      </p:pic>
+      <p:sp>
+        <p:nvSpPr>
+          <p:cNvPr id="18440" name="Прямоугольник 96"/>
+          <p:cNvSpPr>
+            <a:spLocks noChangeArrowheads="1"/>
+          </p:cNvSpPr>
+          <p:nvPr/>
+        </p:nvSpPr>
+        <p:spPr bwMode="auto">
+          <a:xfrm>
+            <a:off x="36088" y="128588"/>
+            <a:ext cx="383438" cy="307777"/>
+          </a:xfrm>
+          <a:prstGeom prst="rect">
+            <a:avLst/>
+          </a:prstGeom>
+          <a:noFill/>
+          <a:ln>
+            <a:noFill/>
+          </a:ln>
+          <a:extLst>
+            <a:ext uri="{909E8E84-426E-40DD-AFC4-6F175D3DCCD1}">
+              <a14:hiddenFill xmlns:a14="http://schemas.microsoft.com/office/drawing/2010/main">
+                <a:solidFill>
+                  <a:srgbClr val="FFFFFF"/>
+                </a:solidFill>
+              </a14:hiddenFill>
+            </a:ext>
+            <a:ext uri="{91240B29-F687-4F45-9708-019B960494DF}">
+              <a14:hiddenLine xmlns:a14="http://schemas.microsoft.com/office/drawing/2010/main" w="9525">
+                <a:solidFill>
+                  <a:srgbClr val="000000"/>
+                </a:solidFill>
+                <a:miter lim="800000"/>
+                <a:headEnd/>
+                <a:tailEnd/>
+              </a14:hiddenLine>
+            </a:ext>
+          </a:extLst>
+        </p:spPr>
         <p:txBody>
-          <a:bodyPr/>
+          <a:bodyPr wrap="none">
+            <a:spAutoFit/>
+          </a:bodyPr>
           <a:lstStyle>
-            <a:lvl1pPr defTabSz="457200">
+            <a:lvl1pPr>
               <a:defRPr kumimoji="1" sz="2400">
                 <a:solidFill>
                   <a:schemeClr val="tx1"/>
@@ -24898,7 +27648,7 @@
                 <a:cs typeface="Arial" panose="020B0604020202020204" pitchFamily="34" charset="0"/>
               </a:defRPr>
             </a:lvl1pPr>
-            <a:lvl2pPr marL="742950" indent="-285750" defTabSz="457200">
+            <a:lvl2pPr marL="742950" indent="-285750">
               <a:defRPr kumimoji="1" sz="2400">
                 <a:solidFill>
                   <a:schemeClr val="tx1"/>
@@ -24907,7 +27657,7 @@
                 <a:cs typeface="Arial" panose="020B0604020202020204" pitchFamily="34" charset="0"/>
               </a:defRPr>
             </a:lvl2pPr>
-            <a:lvl3pPr marL="1143000" indent="-228600" defTabSz="457200">
+            <a:lvl3pPr marL="1143000" indent="-228600">
               <a:defRPr kumimoji="1" sz="2400">
                 <a:solidFill>
                   <a:schemeClr val="tx1"/>
@@ -24916,7 +27666,7 @@
                 <a:cs typeface="Arial" panose="020B0604020202020204" pitchFamily="34" charset="0"/>
               </a:defRPr>
             </a:lvl3pPr>
-            <a:lvl4pPr marL="1600200" indent="-228600" defTabSz="457200">
+            <a:lvl4pPr marL="1600200" indent="-228600">
               <a:defRPr kumimoji="1" sz="2400">
                 <a:solidFill>
                   <a:schemeClr val="tx1"/>
@@ -24925,7 +27675,7 @@
                 <a:cs typeface="Arial" panose="020B0604020202020204" pitchFamily="34" charset="0"/>
               </a:defRPr>
             </a:lvl4pPr>
-            <a:lvl5pPr marL="2057400" indent="-228600" defTabSz="457200">
+            <a:lvl5pPr marL="2057400" indent="-228600">
               <a:defRPr kumimoji="1" sz="2400">
                 <a:solidFill>
                   <a:schemeClr val="tx1"/>
@@ -24934,7 +27684,7 @@
                 <a:cs typeface="Arial" panose="020B0604020202020204" pitchFamily="34" charset="0"/>
               </a:defRPr>
             </a:lvl5pPr>
-            <a:lvl6pPr marL="2514600" indent="-228600" defTabSz="457200" eaLnBrk="0" fontAlgn="base" hangingPunct="0">
+            <a:lvl6pPr marL="2514600" indent="-228600" eaLnBrk="0" fontAlgn="base" hangingPunct="0">
               <a:spcBef>
                 <a:spcPct val="0"/>
               </a:spcBef>
@@ -24949,7 +27699,7 @@
                 <a:cs typeface="Arial" panose="020B0604020202020204" pitchFamily="34" charset="0"/>
               </a:defRPr>
             </a:lvl6pPr>
-            <a:lvl7pPr marL="2971800" indent="-228600" defTabSz="457200" eaLnBrk="0" fontAlgn="base" hangingPunct="0">
+            <a:lvl7pPr marL="2971800" indent="-228600" eaLnBrk="0" fontAlgn="base" hangingPunct="0">
               <a:spcBef>
                 <a:spcPct val="0"/>
               </a:spcBef>
@@ -24964,7 +27714,7 @@
                 <a:cs typeface="Arial" panose="020B0604020202020204" pitchFamily="34" charset="0"/>
               </a:defRPr>
             </a:lvl7pPr>
-            <a:lvl8pPr marL="3429000" indent="-228600" defTabSz="457200" eaLnBrk="0" fontAlgn="base" hangingPunct="0">
+            <a:lvl8pPr marL="3429000" indent="-228600" eaLnBrk="0" fontAlgn="base" hangingPunct="0">
               <a:spcBef>
                 <a:spcPct val="0"/>
               </a:spcBef>
@@ -24979,7 +27729,7 @@
                 <a:cs typeface="Arial" panose="020B0604020202020204" pitchFamily="34" charset="0"/>
               </a:defRPr>
             </a:lvl8pPr>
-            <a:lvl9pPr marL="3886200" indent="-228600" defTabSz="457200" eaLnBrk="0" fontAlgn="base" hangingPunct="0">
+            <a:lvl9pPr marL="3886200" indent="-228600" eaLnBrk="0" fontAlgn="base" hangingPunct="0">
               <a:spcBef>
                 <a:spcPct val="0"/>
               </a:spcBef>
@@ -24996,24 +27746,202 @@
             </a:lvl9pPr>
           </a:lstStyle>
           <a:p>
-            <a:pPr algn="ctr" eaLnBrk="1" hangingPunct="1"/>
-            <a:r>
-              <a:rPr lang="ru-RU" altLang="ru-RU" sz="3200" dirty="0">
-                <a:solidFill>
-                  <a:schemeClr val="accent1"/>
-                </a:solidFill>
-              </a:rPr>
-              <a:t>Перспективы масштабирования и повторного применения на других объектах</a:t>
-            </a:r>
+            <a:pPr algn="ctr">
+              <a:buFont typeface="Arial" panose="020B0604020202020204" pitchFamily="34" charset="0"/>
+              <a:buNone/>
+            </a:pPr>
+            <a:r>
+              <a:rPr lang="ru-RU" altLang="ru-RU" sz="1400" b="1" dirty="0">
+                <a:solidFill>
+                  <a:schemeClr val="bg1"/>
+                </a:solidFill>
+                <a:latin typeface="Arial" panose="020B0604020202020204" pitchFamily="34" charset="0"/>
+              </a:rPr>
+              <a:t>16</a:t>
+            </a:r>
+            <a:endParaRPr lang="en-US" altLang="ru-RU" sz="1400" b="1" dirty="0">
+              <a:solidFill>
+                <a:schemeClr val="bg1"/>
+              </a:solidFill>
+              <a:latin typeface="Arial" panose="020B0604020202020204" pitchFamily="34" charset="0"/>
+            </a:endParaRPr>
           </a:p>
         </p:txBody>
       </p:sp>
       <p:sp>
         <p:nvSpPr>
-          <p:cNvPr id="4" name="TextBox 3">
+          <p:cNvPr id="9" name="Заголовок 1">
             <a:extLst>
               <a:ext uri="{FF2B5EF4-FFF2-40B4-BE49-F238E27FC236}">
-                <a16:creationId xmlns:a16="http://schemas.microsoft.com/office/drawing/2014/main" id="{FC248F0A-32AD-4654-87AC-4F3F4C92CFD2}"/>
+                <a16:creationId xmlns:a16="http://schemas.microsoft.com/office/drawing/2014/main" id="{10DF01BC-9C97-4E05-8086-17E50D6C7A8D}"/>
+              </a:ext>
+            </a:extLst>
+          </p:cNvPr>
+          <p:cNvSpPr>
+            <a:spLocks noGrp="1" noChangeArrowheads="1"/>
+          </p:cNvSpPr>
+          <p:nvPr/>
+        </p:nvSpPr>
+        <p:spPr bwMode="auto">
+          <a:xfrm>
+            <a:off x="481013" y="-1"/>
+            <a:ext cx="9412288" cy="1032095"/>
+          </a:xfrm>
+          <a:prstGeom prst="rect">
+            <a:avLst/>
+          </a:prstGeom>
+          <a:noFill/>
+          <a:ln>
+            <a:noFill/>
+          </a:ln>
+          <a:extLst>
+            <a:ext uri="{909E8E84-426E-40DD-AFC4-6F175D3DCCD1}">
+              <a14:hiddenFill xmlns:a14="http://schemas.microsoft.com/office/drawing/2010/main">
+                <a:solidFill>
+                  <a:srgbClr val="FFFFFF"/>
+                </a:solidFill>
+              </a14:hiddenFill>
+            </a:ext>
+            <a:ext uri="{91240B29-F687-4F45-9708-019B960494DF}">
+              <a14:hiddenLine xmlns:a14="http://schemas.microsoft.com/office/drawing/2010/main" w="9525">
+                <a:solidFill>
+                  <a:srgbClr val="000000"/>
+                </a:solidFill>
+                <a:miter lim="800000"/>
+                <a:headEnd/>
+                <a:tailEnd/>
+              </a14:hiddenLine>
+            </a:ext>
+          </a:extLst>
+        </p:spPr>
+        <p:txBody>
+          <a:bodyPr/>
+          <a:lstStyle>
+            <a:lvl1pPr defTabSz="457200">
+              <a:defRPr kumimoji="1" sz="2400">
+                <a:solidFill>
+                  <a:schemeClr val="tx1"/>
+                </a:solidFill>
+                <a:latin typeface="Calibri" panose="020F0502020204030204" pitchFamily="34" charset="0"/>
+                <a:cs typeface="Arial" panose="020B0604020202020204" pitchFamily="34" charset="0"/>
+              </a:defRPr>
+            </a:lvl1pPr>
+            <a:lvl2pPr marL="742950" indent="-285750" defTabSz="457200">
+              <a:defRPr kumimoji="1" sz="2400">
+                <a:solidFill>
+                  <a:schemeClr val="tx1"/>
+                </a:solidFill>
+                <a:latin typeface="Calibri" panose="020F0502020204030204" pitchFamily="34" charset="0"/>
+                <a:cs typeface="Arial" panose="020B0604020202020204" pitchFamily="34" charset="0"/>
+              </a:defRPr>
+            </a:lvl2pPr>
+            <a:lvl3pPr marL="1143000" indent="-228600" defTabSz="457200">
+              <a:defRPr kumimoji="1" sz="2400">
+                <a:solidFill>
+                  <a:schemeClr val="tx1"/>
+                </a:solidFill>
+                <a:latin typeface="Calibri" panose="020F0502020204030204" pitchFamily="34" charset="0"/>
+                <a:cs typeface="Arial" panose="020B0604020202020204" pitchFamily="34" charset="0"/>
+              </a:defRPr>
+            </a:lvl3pPr>
+            <a:lvl4pPr marL="1600200" indent="-228600" defTabSz="457200">
+              <a:defRPr kumimoji="1" sz="2400">
+                <a:solidFill>
+                  <a:schemeClr val="tx1"/>
+                </a:solidFill>
+                <a:latin typeface="Calibri" panose="020F0502020204030204" pitchFamily="34" charset="0"/>
+                <a:cs typeface="Arial" panose="020B0604020202020204" pitchFamily="34" charset="0"/>
+              </a:defRPr>
+            </a:lvl4pPr>
+            <a:lvl5pPr marL="2057400" indent="-228600" defTabSz="457200">
+              <a:defRPr kumimoji="1" sz="2400">
+                <a:solidFill>
+                  <a:schemeClr val="tx1"/>
+                </a:solidFill>
+                <a:latin typeface="Calibri" panose="020F0502020204030204" pitchFamily="34" charset="0"/>
+                <a:cs typeface="Arial" panose="020B0604020202020204" pitchFamily="34" charset="0"/>
+              </a:defRPr>
+            </a:lvl5pPr>
+            <a:lvl6pPr marL="2514600" indent="-228600" defTabSz="457200" eaLnBrk="0" fontAlgn="base" hangingPunct="0">
+              <a:spcBef>
+                <a:spcPct val="0"/>
+              </a:spcBef>
+              <a:spcAft>
+                <a:spcPct val="0"/>
+              </a:spcAft>
+              <a:defRPr kumimoji="1" sz="2400">
+                <a:solidFill>
+                  <a:schemeClr val="tx1"/>
+                </a:solidFill>
+                <a:latin typeface="Calibri" panose="020F0502020204030204" pitchFamily="34" charset="0"/>
+                <a:cs typeface="Arial" panose="020B0604020202020204" pitchFamily="34" charset="0"/>
+              </a:defRPr>
+            </a:lvl6pPr>
+            <a:lvl7pPr marL="2971800" indent="-228600" defTabSz="457200" eaLnBrk="0" fontAlgn="base" hangingPunct="0">
+              <a:spcBef>
+                <a:spcPct val="0"/>
+              </a:spcBef>
+              <a:spcAft>
+                <a:spcPct val="0"/>
+              </a:spcAft>
+              <a:defRPr kumimoji="1" sz="2400">
+                <a:solidFill>
+                  <a:schemeClr val="tx1"/>
+                </a:solidFill>
+                <a:latin typeface="Calibri" panose="020F0502020204030204" pitchFamily="34" charset="0"/>
+                <a:cs typeface="Arial" panose="020B0604020202020204" pitchFamily="34" charset="0"/>
+              </a:defRPr>
+            </a:lvl7pPr>
+            <a:lvl8pPr marL="3429000" indent="-228600" defTabSz="457200" eaLnBrk="0" fontAlgn="base" hangingPunct="0">
+              <a:spcBef>
+                <a:spcPct val="0"/>
+              </a:spcBef>
+              <a:spcAft>
+                <a:spcPct val="0"/>
+              </a:spcAft>
+              <a:defRPr kumimoji="1" sz="2400">
+                <a:solidFill>
+                  <a:schemeClr val="tx1"/>
+                </a:solidFill>
+                <a:latin typeface="Calibri" panose="020F0502020204030204" pitchFamily="34" charset="0"/>
+                <a:cs typeface="Arial" panose="020B0604020202020204" pitchFamily="34" charset="0"/>
+              </a:defRPr>
+            </a:lvl8pPr>
+            <a:lvl9pPr marL="3886200" indent="-228600" defTabSz="457200" eaLnBrk="0" fontAlgn="base" hangingPunct="0">
+              <a:spcBef>
+                <a:spcPct val="0"/>
+              </a:spcBef>
+              <a:spcAft>
+                <a:spcPct val="0"/>
+              </a:spcAft>
+              <a:defRPr kumimoji="1" sz="2400">
+                <a:solidFill>
+                  <a:schemeClr val="tx1"/>
+                </a:solidFill>
+                <a:latin typeface="Calibri" panose="020F0502020204030204" pitchFamily="34" charset="0"/>
+                <a:cs typeface="Arial" panose="020B0604020202020204" pitchFamily="34" charset="0"/>
+              </a:defRPr>
+            </a:lvl9pPr>
+          </a:lstStyle>
+          <a:p>
+            <a:pPr algn="ctr" eaLnBrk="1" hangingPunct="1"/>
+            <a:r>
+              <a:rPr lang="ru-RU" altLang="ru-RU" sz="3200" dirty="0">
+                <a:solidFill>
+                  <a:schemeClr val="accent1"/>
+                </a:solidFill>
+              </a:rPr>
+              <a:t>Перспективы масштабирования и повторного применения на других объектах</a:t>
+            </a:r>
+          </a:p>
+        </p:txBody>
+      </p:sp>
+      <p:sp>
+        <p:nvSpPr>
+          <p:cNvPr id="10" name="TextBox 9">
+            <a:extLst>
+              <a:ext uri="{FF2B5EF4-FFF2-40B4-BE49-F238E27FC236}">
+                <a16:creationId xmlns:a16="http://schemas.microsoft.com/office/drawing/2014/main" id="{545C604A-DD32-485F-BAE7-60C1F7C76707}"/>
               </a:ext>
             </a:extLst>
           </p:cNvPr>
@@ -25022,8 +27950,8 @@
         </p:nvSpPr>
         <p:spPr>
           <a:xfrm>
-            <a:off x="68263" y="1032778"/>
-            <a:ext cx="9769476" cy="3970318"/>
+            <a:off x="481013" y="1032778"/>
+            <a:ext cx="9356726" cy="3970318"/>
           </a:xfrm>
           <a:prstGeom prst="rect">
             <a:avLst/>
@@ -25364,12 +28292,106 @@
           </a:p>
         </p:txBody>
       </p:sp>
+      <p:pic>
+        <p:nvPicPr>
+          <p:cNvPr id="11" name="Picture 2" descr="Какими видели себе дома будущего люди прошлого">
+            <a:extLst>
+              <a:ext uri="{FF2B5EF4-FFF2-40B4-BE49-F238E27FC236}">
+                <a16:creationId xmlns:a16="http://schemas.microsoft.com/office/drawing/2014/main" id="{5B5DAC83-DF60-434D-88C6-DB10CBF5D8EE}"/>
+              </a:ext>
+            </a:extLst>
+          </p:cNvPr>
+          <p:cNvPicPr>
+            <a:picLocks noChangeAspect="1" noChangeArrowheads="1"/>
+          </p:cNvPicPr>
+          <p:nvPr/>
+        </p:nvPicPr>
+        <p:blipFill>
+          <a:blip r:embed="rId7">
+            <a:extLst>
+              <a:ext uri="{28A0092B-C50C-407E-A947-70E740481C1C}">
+                <a14:useLocalDpi xmlns:a14="http://schemas.microsoft.com/office/drawing/2010/main" val="0"/>
+              </a:ext>
+            </a:extLst>
+          </a:blip>
+          <a:srcRect/>
+          <a:stretch>
+            <a:fillRect/>
+          </a:stretch>
+        </p:blipFill>
+        <p:spPr bwMode="auto">
+          <a:xfrm>
+            <a:off x="5636891" y="1204110"/>
+            <a:ext cx="4021456" cy="2264333"/>
+          </a:xfrm>
+          <a:prstGeom prst="rect">
+            <a:avLst/>
+          </a:prstGeom>
+          <a:noFill/>
+          <a:extLst>
+            <a:ext uri="{909E8E84-426E-40DD-AFC4-6F175D3DCCD1}">
+              <a14:hiddenFill xmlns:a14="http://schemas.microsoft.com/office/drawing/2010/main">
+                <a:solidFill>
+                  <a:srgbClr val="FFFFFF"/>
+                </a:solidFill>
+              </a14:hiddenFill>
+            </a:ext>
+          </a:extLst>
+        </p:spPr>
+      </p:pic>
+      <p:pic>
+        <p:nvPicPr>
+          <p:cNvPr id="13" name="Picture 10" descr="Дом будущего – энергоэффективный дом">
+            <a:extLst>
+              <a:ext uri="{FF2B5EF4-FFF2-40B4-BE49-F238E27FC236}">
+                <a16:creationId xmlns:a16="http://schemas.microsoft.com/office/drawing/2014/main" id="{4CB72EAD-98C6-42A2-8D9C-2D2D1438EBBC}"/>
+              </a:ext>
+            </a:extLst>
+          </p:cNvPr>
+          <p:cNvPicPr>
+            <a:picLocks noChangeAspect="1" noChangeArrowheads="1"/>
+          </p:cNvPicPr>
+          <p:nvPr/>
+        </p:nvPicPr>
+        <p:blipFill>
+          <a:blip r:embed="rId8">
+            <a:extLst>
+              <a:ext uri="{28A0092B-C50C-407E-A947-70E740481C1C}">
+                <a14:useLocalDpi xmlns:a14="http://schemas.microsoft.com/office/drawing/2010/main" val="0"/>
+              </a:ext>
+            </a:extLst>
+          </a:blip>
+          <a:srcRect/>
+          <a:stretch>
+            <a:fillRect/>
+          </a:stretch>
+        </p:blipFill>
+        <p:spPr bwMode="auto">
+          <a:xfrm>
+            <a:off x="5634633" y="3730027"/>
+            <a:ext cx="4023714" cy="2628753"/>
+          </a:xfrm>
+          <a:prstGeom prst="rect">
+            <a:avLst/>
+          </a:prstGeom>
+          <a:noFill/>
+          <a:extLst>
+            <a:ext uri="{909E8E84-426E-40DD-AFC4-6F175D3DCCD1}">
+              <a14:hiddenFill xmlns:a14="http://schemas.microsoft.com/office/drawing/2010/main">
+                <a:solidFill>
+                  <a:srgbClr val="FFFFFF"/>
+                </a:solidFill>
+              </a14:hiddenFill>
+            </a:ext>
+          </a:extLst>
+        </p:spPr>
+      </p:pic>
       <p:sp>
         <p:nvSpPr>
-          <p:cNvPr id="6" name="TextBox 5">
+          <p:cNvPr id="14" name="TextBox 13">
             <a:extLst>
               <a:ext uri="{FF2B5EF4-FFF2-40B4-BE49-F238E27FC236}">
-                <a16:creationId xmlns:a16="http://schemas.microsoft.com/office/drawing/2014/main" id="{4D2266EE-8ADF-4AB2-97DF-551D6D6F698F}"/>
+                <a16:creationId xmlns:a16="http://schemas.microsoft.com/office/drawing/2014/main" id="{829E379D-38D3-457E-BB0F-DA15994F90AC}"/>
               </a:ext>
             </a:extLst>
           </p:cNvPr>
@@ -25378,8 +28400,8 @@
         </p:nvSpPr>
         <p:spPr>
           <a:xfrm>
-            <a:off x="68261" y="5003096"/>
-            <a:ext cx="9656762" cy="1169551"/>
+            <a:off x="552261" y="5003096"/>
+            <a:ext cx="5082372" cy="1169551"/>
           </a:xfrm>
           <a:prstGeom prst="rect">
             <a:avLst/>
@@ -25481,112 +28503,18 @@
           </a:p>
         </p:txBody>
       </p:sp>
-      <p:pic>
-        <p:nvPicPr>
-          <p:cNvPr id="7170" name="Picture 2" descr="Какими видели себе дома будущего люди прошлого">
-            <a:extLst>
-              <a:ext uri="{FF2B5EF4-FFF2-40B4-BE49-F238E27FC236}">
-                <a16:creationId xmlns:a16="http://schemas.microsoft.com/office/drawing/2014/main" id="{3A1CC534-B9F8-41AA-BB5F-1C57CB91E215}"/>
-              </a:ext>
-            </a:extLst>
-          </p:cNvPr>
-          <p:cNvPicPr>
-            <a:picLocks noChangeAspect="1" noChangeArrowheads="1"/>
-          </p:cNvPicPr>
-          <p:nvPr/>
-        </p:nvPicPr>
-        <p:blipFill>
-          <a:blip r:embed="rId2">
-            <a:extLst>
-              <a:ext uri="{28A0092B-C50C-407E-A947-70E740481C1C}">
-                <a14:useLocalDpi xmlns:a14="http://schemas.microsoft.com/office/drawing/2010/main" val="0"/>
-              </a:ext>
-            </a:extLst>
-          </a:blip>
-          <a:srcRect/>
-          <a:stretch>
-            <a:fillRect/>
-          </a:stretch>
-        </p:blipFill>
-        <p:spPr bwMode="auto">
-          <a:xfrm>
-            <a:off x="5332604" y="1032778"/>
-            <a:ext cx="4325743" cy="2435666"/>
-          </a:xfrm>
-          <a:prstGeom prst="rect">
-            <a:avLst/>
-          </a:prstGeom>
-          <a:noFill/>
-          <a:extLst>
-            <a:ext uri="{909E8E84-426E-40DD-AFC4-6F175D3DCCD1}">
-              <a14:hiddenFill xmlns:a14="http://schemas.microsoft.com/office/drawing/2010/main">
-                <a:solidFill>
-                  <a:srgbClr val="FFFFFF"/>
-                </a:solidFill>
-              </a14:hiddenFill>
-            </a:ext>
-          </a:extLst>
-        </p:spPr>
-      </p:pic>
-      <p:pic>
-        <p:nvPicPr>
-          <p:cNvPr id="7178" name="Picture 10" descr="Дом будущего – энергоэффективный дом">
-            <a:extLst>
-              <a:ext uri="{FF2B5EF4-FFF2-40B4-BE49-F238E27FC236}">
-                <a16:creationId xmlns:a16="http://schemas.microsoft.com/office/drawing/2014/main" id="{CA0E6E0D-D1EB-4976-81AC-48762A672CDC}"/>
-              </a:ext>
-            </a:extLst>
-          </p:cNvPr>
-          <p:cNvPicPr>
-            <a:picLocks noChangeAspect="1" noChangeArrowheads="1"/>
-          </p:cNvPicPr>
-          <p:nvPr/>
-        </p:nvPicPr>
-        <p:blipFill>
-          <a:blip r:embed="rId3">
-            <a:extLst>
-              <a:ext uri="{28A0092B-C50C-407E-A947-70E740481C1C}">
-                <a14:useLocalDpi xmlns:a14="http://schemas.microsoft.com/office/drawing/2010/main" val="0"/>
-              </a:ext>
-            </a:extLst>
-          </a:blip>
-          <a:srcRect/>
-          <a:stretch>
-            <a:fillRect/>
-          </a:stretch>
-        </p:blipFill>
-        <p:spPr bwMode="auto">
-          <a:xfrm>
-            <a:off x="5332604" y="3532708"/>
-            <a:ext cx="4325743" cy="2826073"/>
-          </a:xfrm>
-          <a:prstGeom prst="rect">
-            <a:avLst/>
-          </a:prstGeom>
-          <a:noFill/>
-          <a:extLst>
-            <a:ext uri="{909E8E84-426E-40DD-AFC4-6F175D3DCCD1}">
-              <a14:hiddenFill xmlns:a14="http://schemas.microsoft.com/office/drawing/2010/main">
-                <a:solidFill>
-                  <a:srgbClr val="FFFFFF"/>
-                </a:solidFill>
-              </a14:hiddenFill>
-            </a:ext>
-          </a:extLst>
-        </p:spPr>
-      </p:pic>
     </p:spTree>
     <p:extLst>
       <p:ext uri="{BB962C8B-B14F-4D97-AF65-F5344CB8AC3E}">
-        <p14:creationId xmlns:p14="http://schemas.microsoft.com/office/powerpoint/2010/main" val="3839817337"/>
+        <p14:creationId xmlns:p14="http://schemas.microsoft.com/office/powerpoint/2010/main" val="1570572181"/>
       </p:ext>
     </p:extLst>
   </p:cSld>
   <p:clrMapOvr>
     <a:masterClrMapping/>
   </p:clrMapOvr>
-  <p:transition spd="slow" advClick="0" advTm="2000">
-    <p:cover dir="d"/>
+  <p:transition spd="slow">
+    <p:push dir="u"/>
   </p:transition>
 </p:sld>
 </file>
@@ -27818,8 +30746,8 @@
         </p:nvSpPr>
         <p:spPr bwMode="auto">
           <a:xfrm>
-            <a:off x="85725" y="127000"/>
-            <a:ext cx="284163" cy="307975"/>
+            <a:off x="85780" y="127000"/>
+            <a:ext cx="284052" cy="307777"/>
           </a:xfrm>
           <a:prstGeom prst="rect">
             <a:avLst/>
@@ -27971,7 +30899,7 @@
                 </a:solidFill>
                 <a:latin typeface="Arial" panose="020B0604020202020204" pitchFamily="34" charset="0"/>
               </a:rPr>
-              <a:t>4</a:t>
+              <a:t>3</a:t>
             </a:r>
             <a:endParaRPr lang="en-US" altLang="ru-RU" sz="1400" b="1" dirty="0">
               <a:solidFill>
@@ -28976,8 +31904,8 @@
         </p:nvSpPr>
         <p:spPr bwMode="auto">
           <a:xfrm>
-            <a:off x="85725" y="127000"/>
-            <a:ext cx="284163" cy="307975"/>
+            <a:off x="85780" y="127000"/>
+            <a:ext cx="284052" cy="307777"/>
           </a:xfrm>
           <a:prstGeom prst="rect">
             <a:avLst/>
@@ -29123,14 +32051,20 @@
               <a:buNone/>
             </a:pPr>
             <a:r>
-              <a:rPr lang="en-US" altLang="ru-RU" sz="1400" b="1">
+              <a:rPr lang="ru-RU" altLang="ru-RU" sz="1400" b="1" dirty="0">
                 <a:solidFill>
                   <a:schemeClr val="bg1"/>
                 </a:solidFill>
                 <a:latin typeface="Arial" panose="020B0604020202020204" pitchFamily="34" charset="0"/>
               </a:rPr>
-              <a:t>3</a:t>
-            </a:r>
+              <a:t>4</a:t>
+            </a:r>
+            <a:endParaRPr lang="en-US" altLang="ru-RU" sz="1400" b="1" dirty="0">
+              <a:solidFill>
+                <a:schemeClr val="bg1"/>
+              </a:solidFill>
+              <a:latin typeface="Arial" panose="020B0604020202020204" pitchFamily="34" charset="0"/>
+            </a:endParaRPr>
           </a:p>
         </p:txBody>
       </p:sp>
@@ -33052,10 +35986,476 @@
       </p:grpSpPr>
       <p:sp>
         <p:nvSpPr>
-          <p:cNvPr id="2" name="Заголовок 1">
+          <p:cNvPr id="8" name="Прямоугольник 7">
             <a:extLst>
               <a:ext uri="{FF2B5EF4-FFF2-40B4-BE49-F238E27FC236}">
-                <a16:creationId xmlns:a16="http://schemas.microsoft.com/office/drawing/2014/main" id="{61CD7266-F726-4637-8AAC-E151644AE671}"/>
+                <a16:creationId xmlns:a16="http://schemas.microsoft.com/office/drawing/2014/main" id="{093D4364-411B-4FE9-A96B-0F84FFCC8375}"/>
+              </a:ext>
+            </a:extLst>
+          </p:cNvPr>
+          <p:cNvSpPr/>
+          <p:nvPr/>
+        </p:nvSpPr>
+        <p:spPr>
+          <a:xfrm>
+            <a:off x="0" y="0"/>
+            <a:ext cx="468313" cy="6858000"/>
+          </a:xfrm>
+          <a:prstGeom prst="rect">
+            <a:avLst/>
+          </a:prstGeom>
+          <a:solidFill>
+            <a:srgbClr val="006CB5"/>
+          </a:solidFill>
+          <a:ln w="12700">
+            <a:noFill/>
+          </a:ln>
+          <a:effectLst/>
+        </p:spPr>
+        <p:style>
+          <a:lnRef idx="2">
+            <a:schemeClr val="accent1">
+              <a:shade val="50000"/>
+            </a:schemeClr>
+          </a:lnRef>
+          <a:fillRef idx="1">
+            <a:schemeClr val="accent1"/>
+          </a:fillRef>
+          <a:effectRef idx="0">
+            <a:schemeClr val="accent1"/>
+          </a:effectRef>
+          <a:fontRef idx="minor">
+            <a:schemeClr val="lt1"/>
+          </a:fontRef>
+        </p:style>
+        <p:txBody>
+          <a:bodyPr rtlCol="1" anchor="ctr"/>
+          <a:lstStyle/>
+          <a:p>
+            <a:pPr algn="ctr">
+              <a:defRPr/>
+            </a:pPr>
+            <a:endParaRPr lang="ru-RU" sz="1800"/>
+          </a:p>
+        </p:txBody>
+      </p:sp>
+      <p:pic>
+        <p:nvPicPr>
+          <p:cNvPr id="14340" name="Рисунок 1">
+            <a:extLst>
+              <a:ext uri="{FF2B5EF4-FFF2-40B4-BE49-F238E27FC236}">
+                <a16:creationId xmlns:a16="http://schemas.microsoft.com/office/drawing/2014/main" id="{0BBC6320-63FD-4C0F-AC63-6D8FF9E24093}"/>
+              </a:ext>
+            </a:extLst>
+          </p:cNvPr>
+          <p:cNvPicPr>
+            <a:picLocks noChangeAspect="1"/>
+          </p:cNvPicPr>
+          <p:nvPr/>
+        </p:nvPicPr>
+        <p:blipFill>
+          <a:blip r:embed="rId3" cstate="print">
+            <a:duotone>
+              <a:schemeClr val="bg2">
+                <a:shade val="45000"/>
+                <a:satMod val="135000"/>
+              </a:schemeClr>
+              <a:prstClr val="white"/>
+            </a:duotone>
+          </a:blip>
+          <a:srcRect r="96146"/>
+          <a:stretch>
+            <a:fillRect/>
+          </a:stretch>
+        </p:blipFill>
+        <p:spPr bwMode="auto">
+          <a:xfrm rot="16200000">
+            <a:off x="18196" y="7288776"/>
+            <a:ext cx="178594" cy="169069"/>
+          </a:xfrm>
+          <a:prstGeom prst="rect">
+            <a:avLst/>
+          </a:prstGeom>
+          <a:noFill/>
+          <a:ln>
+            <a:noFill/>
+          </a:ln>
+        </p:spPr>
+      </p:pic>
+      <p:pic>
+        <p:nvPicPr>
+          <p:cNvPr id="14342" name="Рисунок 1">
+            <a:extLst>
+              <a:ext uri="{FF2B5EF4-FFF2-40B4-BE49-F238E27FC236}">
+                <a16:creationId xmlns:a16="http://schemas.microsoft.com/office/drawing/2014/main" id="{C7815109-567A-4F6F-8DF1-C13BD4B7AEA2}"/>
+              </a:ext>
+            </a:extLst>
+          </p:cNvPr>
+          <p:cNvPicPr>
+            <a:picLocks noChangeAspect="1"/>
+          </p:cNvPicPr>
+          <p:nvPr/>
+        </p:nvPicPr>
+        <p:blipFill>
+          <a:blip r:embed="rId4" cstate="print">
+            <a:duotone>
+              <a:schemeClr val="bg2">
+                <a:shade val="45000"/>
+                <a:satMod val="135000"/>
+              </a:schemeClr>
+              <a:prstClr val="white"/>
+            </a:duotone>
+          </a:blip>
+          <a:srcRect l="4880"/>
+          <a:stretch>
+            <a:fillRect/>
+          </a:stretch>
+        </p:blipFill>
+        <p:spPr bwMode="auto">
+          <a:xfrm rot="16200000">
+            <a:off x="-2870892" y="3532157"/>
+            <a:ext cx="5969110" cy="229146"/>
+          </a:xfrm>
+          <a:prstGeom prst="rect">
+            <a:avLst/>
+          </a:prstGeom>
+          <a:noFill/>
+          <a:ln>
+            <a:noFill/>
+          </a:ln>
+        </p:spPr>
+      </p:pic>
+      <p:pic>
+        <p:nvPicPr>
+          <p:cNvPr id="18437" name="Рисунок 10"/>
+          <p:cNvPicPr>
+            <a:picLocks noChangeAspect="1"/>
+          </p:cNvPicPr>
+          <p:nvPr/>
+        </p:nvPicPr>
+        <p:blipFill>
+          <a:blip r:embed="rId5">
+            <a:extLst>
+              <a:ext uri="{28A0092B-C50C-407E-A947-70E740481C1C}">
+                <a14:useLocalDpi xmlns:a14="http://schemas.microsoft.com/office/drawing/2010/main" val="0"/>
+              </a:ext>
+            </a:extLst>
+          </a:blip>
+          <a:srcRect/>
+          <a:stretch>
+            <a:fillRect/>
+          </a:stretch>
+        </p:blipFill>
+        <p:spPr bwMode="auto">
+          <a:xfrm>
+            <a:off x="-12700" y="73025"/>
+            <a:ext cx="481013" cy="481013"/>
+          </a:xfrm>
+          <a:prstGeom prst="rect">
+            <a:avLst/>
+          </a:prstGeom>
+          <a:noFill/>
+          <a:ln>
+            <a:noFill/>
+          </a:ln>
+          <a:extLst>
+            <a:ext uri="{909E8E84-426E-40DD-AFC4-6F175D3DCCD1}">
+              <a14:hiddenFill xmlns:a14="http://schemas.microsoft.com/office/drawing/2010/main">
+                <a:solidFill>
+                  <a:srgbClr val="FFFFFF"/>
+                </a:solidFill>
+              </a14:hiddenFill>
+            </a:ext>
+            <a:ext uri="{91240B29-F687-4F45-9708-019B960494DF}">
+              <a14:hiddenLine xmlns:a14="http://schemas.microsoft.com/office/drawing/2010/main" w="9525">
+                <a:solidFill>
+                  <a:srgbClr val="000000"/>
+                </a:solidFill>
+                <a:miter lim="800000"/>
+                <a:headEnd/>
+                <a:tailEnd/>
+              </a14:hiddenLine>
+            </a:ext>
+          </a:extLst>
+        </p:spPr>
+      </p:pic>
+      <p:cxnSp>
+        <p:nvCxnSpPr>
+          <p:cNvPr id="12" name="Прямая соединительная линия 11">
+            <a:extLst>
+              <a:ext uri="{FF2B5EF4-FFF2-40B4-BE49-F238E27FC236}">
+                <a16:creationId xmlns:a16="http://schemas.microsoft.com/office/drawing/2014/main" id="{EDF376CE-5EAB-4A03-8344-2422AA450799}"/>
+              </a:ext>
+            </a:extLst>
+          </p:cNvPr>
+          <p:cNvCxnSpPr>
+            <a:endCxn id="8" idx="2"/>
+          </p:cNvCxnSpPr>
+          <p:nvPr/>
+        </p:nvCxnSpPr>
+        <p:spPr>
+          <a:xfrm>
+            <a:off x="227013" y="527050"/>
+            <a:ext cx="6350" cy="6330950"/>
+          </a:xfrm>
+          <a:prstGeom prst="line">
+            <a:avLst/>
+          </a:prstGeom>
+          <a:ln w="38100">
+            <a:solidFill>
+              <a:schemeClr val="bg1"/>
+            </a:solidFill>
+          </a:ln>
+        </p:spPr>
+        <p:style>
+          <a:lnRef idx="1">
+            <a:schemeClr val="accent1"/>
+          </a:lnRef>
+          <a:fillRef idx="0">
+            <a:schemeClr val="accent1"/>
+          </a:fillRef>
+          <a:effectRef idx="0">
+            <a:schemeClr val="accent1"/>
+          </a:effectRef>
+          <a:fontRef idx="minor">
+            <a:schemeClr val="tx1"/>
+          </a:fontRef>
+        </p:style>
+      </p:cxnSp>
+      <p:pic>
+        <p:nvPicPr>
+          <p:cNvPr id="18439" name="Рисунок 6"/>
+          <p:cNvPicPr>
+            <a:picLocks noChangeAspect="1"/>
+          </p:cNvPicPr>
+          <p:nvPr/>
+        </p:nvPicPr>
+        <p:blipFill>
+          <a:blip r:embed="rId6">
+            <a:extLst>
+              <a:ext uri="{28A0092B-C50C-407E-A947-70E740481C1C}">
+                <a14:useLocalDpi xmlns:a14="http://schemas.microsoft.com/office/drawing/2010/main" val="0"/>
+              </a:ext>
+            </a:extLst>
+          </a:blip>
+          <a:srcRect l="63036" t="63045"/>
+          <a:stretch>
+            <a:fillRect/>
+          </a:stretch>
+        </p:blipFill>
+        <p:spPr bwMode="auto">
+          <a:xfrm>
+            <a:off x="9278938" y="6219825"/>
+            <a:ext cx="627062" cy="638175"/>
+          </a:xfrm>
+          <a:prstGeom prst="rect">
+            <a:avLst/>
+          </a:prstGeom>
+          <a:noFill/>
+          <a:ln>
+            <a:noFill/>
+          </a:ln>
+          <a:extLst>
+            <a:ext uri="{909E8E84-426E-40DD-AFC4-6F175D3DCCD1}">
+              <a14:hiddenFill xmlns:a14="http://schemas.microsoft.com/office/drawing/2010/main">
+                <a:solidFill>
+                  <a:srgbClr val="FFFFFF"/>
+                </a:solidFill>
+              </a14:hiddenFill>
+            </a:ext>
+            <a:ext uri="{91240B29-F687-4F45-9708-019B960494DF}">
+              <a14:hiddenLine xmlns:a14="http://schemas.microsoft.com/office/drawing/2010/main" w="9525">
+                <a:solidFill>
+                  <a:srgbClr val="000000"/>
+                </a:solidFill>
+                <a:miter lim="800000"/>
+                <a:headEnd/>
+                <a:tailEnd/>
+              </a14:hiddenLine>
+            </a:ext>
+          </a:extLst>
+        </p:spPr>
+      </p:pic>
+      <p:sp>
+        <p:nvSpPr>
+          <p:cNvPr id="18440" name="Прямоугольник 96"/>
+          <p:cNvSpPr>
+            <a:spLocks noChangeArrowheads="1"/>
+          </p:cNvSpPr>
+          <p:nvPr/>
+        </p:nvSpPr>
+        <p:spPr bwMode="auto">
+          <a:xfrm>
+            <a:off x="85780" y="128588"/>
+            <a:ext cx="284052" cy="307777"/>
+          </a:xfrm>
+          <a:prstGeom prst="rect">
+            <a:avLst/>
+          </a:prstGeom>
+          <a:noFill/>
+          <a:ln>
+            <a:noFill/>
+          </a:ln>
+          <a:extLst>
+            <a:ext uri="{909E8E84-426E-40DD-AFC4-6F175D3DCCD1}">
+              <a14:hiddenFill xmlns:a14="http://schemas.microsoft.com/office/drawing/2010/main">
+                <a:solidFill>
+                  <a:srgbClr val="FFFFFF"/>
+                </a:solidFill>
+              </a14:hiddenFill>
+            </a:ext>
+            <a:ext uri="{91240B29-F687-4F45-9708-019B960494DF}">
+              <a14:hiddenLine xmlns:a14="http://schemas.microsoft.com/office/drawing/2010/main" w="9525">
+                <a:solidFill>
+                  <a:srgbClr val="000000"/>
+                </a:solidFill>
+                <a:miter lim="800000"/>
+                <a:headEnd/>
+                <a:tailEnd/>
+              </a14:hiddenLine>
+            </a:ext>
+          </a:extLst>
+        </p:spPr>
+        <p:txBody>
+          <a:bodyPr wrap="none">
+            <a:spAutoFit/>
+          </a:bodyPr>
+          <a:lstStyle>
+            <a:lvl1pPr>
+              <a:defRPr kumimoji="1" sz="2400">
+                <a:solidFill>
+                  <a:schemeClr val="tx1"/>
+                </a:solidFill>
+                <a:latin typeface="Calibri" panose="020F0502020204030204" pitchFamily="34" charset="0"/>
+                <a:cs typeface="Arial" panose="020B0604020202020204" pitchFamily="34" charset="0"/>
+              </a:defRPr>
+            </a:lvl1pPr>
+            <a:lvl2pPr marL="742950" indent="-285750">
+              <a:defRPr kumimoji="1" sz="2400">
+                <a:solidFill>
+                  <a:schemeClr val="tx1"/>
+                </a:solidFill>
+                <a:latin typeface="Calibri" panose="020F0502020204030204" pitchFamily="34" charset="0"/>
+                <a:cs typeface="Arial" panose="020B0604020202020204" pitchFamily="34" charset="0"/>
+              </a:defRPr>
+            </a:lvl2pPr>
+            <a:lvl3pPr marL="1143000" indent="-228600">
+              <a:defRPr kumimoji="1" sz="2400">
+                <a:solidFill>
+                  <a:schemeClr val="tx1"/>
+                </a:solidFill>
+                <a:latin typeface="Calibri" panose="020F0502020204030204" pitchFamily="34" charset="0"/>
+                <a:cs typeface="Arial" panose="020B0604020202020204" pitchFamily="34" charset="0"/>
+              </a:defRPr>
+            </a:lvl3pPr>
+            <a:lvl4pPr marL="1600200" indent="-228600">
+              <a:defRPr kumimoji="1" sz="2400">
+                <a:solidFill>
+                  <a:schemeClr val="tx1"/>
+                </a:solidFill>
+                <a:latin typeface="Calibri" panose="020F0502020204030204" pitchFamily="34" charset="0"/>
+                <a:cs typeface="Arial" panose="020B0604020202020204" pitchFamily="34" charset="0"/>
+              </a:defRPr>
+            </a:lvl4pPr>
+            <a:lvl5pPr marL="2057400" indent="-228600">
+              <a:defRPr kumimoji="1" sz="2400">
+                <a:solidFill>
+                  <a:schemeClr val="tx1"/>
+                </a:solidFill>
+                <a:latin typeface="Calibri" panose="020F0502020204030204" pitchFamily="34" charset="0"/>
+                <a:cs typeface="Arial" panose="020B0604020202020204" pitchFamily="34" charset="0"/>
+              </a:defRPr>
+            </a:lvl5pPr>
+            <a:lvl6pPr marL="2514600" indent="-228600" eaLnBrk="0" fontAlgn="base" hangingPunct="0">
+              <a:spcBef>
+                <a:spcPct val="0"/>
+              </a:spcBef>
+              <a:spcAft>
+                <a:spcPct val="0"/>
+              </a:spcAft>
+              <a:defRPr kumimoji="1" sz="2400">
+                <a:solidFill>
+                  <a:schemeClr val="tx1"/>
+                </a:solidFill>
+                <a:latin typeface="Calibri" panose="020F0502020204030204" pitchFamily="34" charset="0"/>
+                <a:cs typeface="Arial" panose="020B0604020202020204" pitchFamily="34" charset="0"/>
+              </a:defRPr>
+            </a:lvl6pPr>
+            <a:lvl7pPr marL="2971800" indent="-228600" eaLnBrk="0" fontAlgn="base" hangingPunct="0">
+              <a:spcBef>
+                <a:spcPct val="0"/>
+              </a:spcBef>
+              <a:spcAft>
+                <a:spcPct val="0"/>
+              </a:spcAft>
+              <a:defRPr kumimoji="1" sz="2400">
+                <a:solidFill>
+                  <a:schemeClr val="tx1"/>
+                </a:solidFill>
+                <a:latin typeface="Calibri" panose="020F0502020204030204" pitchFamily="34" charset="0"/>
+                <a:cs typeface="Arial" panose="020B0604020202020204" pitchFamily="34" charset="0"/>
+              </a:defRPr>
+            </a:lvl7pPr>
+            <a:lvl8pPr marL="3429000" indent="-228600" eaLnBrk="0" fontAlgn="base" hangingPunct="0">
+              <a:spcBef>
+                <a:spcPct val="0"/>
+              </a:spcBef>
+              <a:spcAft>
+                <a:spcPct val="0"/>
+              </a:spcAft>
+              <a:defRPr kumimoji="1" sz="2400">
+                <a:solidFill>
+                  <a:schemeClr val="tx1"/>
+                </a:solidFill>
+                <a:latin typeface="Calibri" panose="020F0502020204030204" pitchFamily="34" charset="0"/>
+                <a:cs typeface="Arial" panose="020B0604020202020204" pitchFamily="34" charset="0"/>
+              </a:defRPr>
+            </a:lvl8pPr>
+            <a:lvl9pPr marL="3886200" indent="-228600" eaLnBrk="0" fontAlgn="base" hangingPunct="0">
+              <a:spcBef>
+                <a:spcPct val="0"/>
+              </a:spcBef>
+              <a:spcAft>
+                <a:spcPct val="0"/>
+              </a:spcAft>
+              <a:defRPr kumimoji="1" sz="2400">
+                <a:solidFill>
+                  <a:schemeClr val="tx1"/>
+                </a:solidFill>
+                <a:latin typeface="Calibri" panose="020F0502020204030204" pitchFamily="34" charset="0"/>
+                <a:cs typeface="Arial" panose="020B0604020202020204" pitchFamily="34" charset="0"/>
+              </a:defRPr>
+            </a:lvl9pPr>
+          </a:lstStyle>
+          <a:p>
+            <a:pPr algn="ctr">
+              <a:buFont typeface="Arial" panose="020B0604020202020204" pitchFamily="34" charset="0"/>
+              <a:buNone/>
+            </a:pPr>
+            <a:r>
+              <a:rPr lang="ru-RU" altLang="ru-RU" sz="1400" b="1" dirty="0">
+                <a:solidFill>
+                  <a:schemeClr val="bg1"/>
+                </a:solidFill>
+                <a:latin typeface="Arial" panose="020B0604020202020204" pitchFamily="34" charset="0"/>
+              </a:rPr>
+              <a:t>6</a:t>
+            </a:r>
+            <a:endParaRPr lang="en-US" altLang="ru-RU" sz="1400" b="1" dirty="0">
+              <a:solidFill>
+                <a:schemeClr val="bg1"/>
+              </a:solidFill>
+              <a:latin typeface="Arial" panose="020B0604020202020204" pitchFamily="34" charset="0"/>
+            </a:endParaRPr>
+          </a:p>
+        </p:txBody>
+      </p:sp>
+      <p:sp>
+        <p:nvSpPr>
+          <p:cNvPr id="14" name="Заголовок 1">
+            <a:extLst>
+              <a:ext uri="{FF2B5EF4-FFF2-40B4-BE49-F238E27FC236}">
+                <a16:creationId xmlns:a16="http://schemas.microsoft.com/office/drawing/2014/main" id="{78D7E1BC-8027-49F5-AF18-80F7EBEBF1F7}"/>
               </a:ext>
             </a:extLst>
           </p:cNvPr>
@@ -33220,10 +36620,10 @@
       </p:sp>
       <p:sp>
         <p:nvSpPr>
-          <p:cNvPr id="4" name="TextBox 3">
+          <p:cNvPr id="15" name="TextBox 14">
             <a:extLst>
               <a:ext uri="{FF2B5EF4-FFF2-40B4-BE49-F238E27FC236}">
-                <a16:creationId xmlns:a16="http://schemas.microsoft.com/office/drawing/2014/main" id="{F2FF1ECF-F662-48BD-B66C-5BBB375CF23C}"/>
+                <a16:creationId xmlns:a16="http://schemas.microsoft.com/office/drawing/2014/main" id="{9D63262D-0DC1-4074-BD3E-549E25D9FF91}"/>
               </a:ext>
             </a:extLst>
           </p:cNvPr>
@@ -33232,8 +36632,8 @@
         </p:nvSpPr>
         <p:spPr>
           <a:xfrm>
-            <a:off x="0" y="536864"/>
-            <a:ext cx="9807676" cy="4770537"/>
+            <a:off x="468312" y="554038"/>
+            <a:ext cx="9339363" cy="5016758"/>
           </a:xfrm>
           <a:prstGeom prst="rect">
             <a:avLst/>
@@ -33546,10 +36946,10 @@
       </p:sp>
       <p:pic>
         <p:nvPicPr>
-          <p:cNvPr id="8194" name="Picture 2" descr="Обследование Водоснабжения • Поиск утечек • Энергоаудит">
+          <p:cNvPr id="16" name="Picture 2" descr="Обследование Водоснабжения • Поиск утечек • Энергоаудит">
             <a:extLst>
               <a:ext uri="{FF2B5EF4-FFF2-40B4-BE49-F238E27FC236}">
-                <a16:creationId xmlns:a16="http://schemas.microsoft.com/office/drawing/2014/main" id="{56E994F8-0AF2-498F-8AA4-2D6D38C383EA}"/>
+                <a16:creationId xmlns:a16="http://schemas.microsoft.com/office/drawing/2014/main" id="{9C103134-2E89-4E43-BDC2-AD4CCFA992BB}"/>
               </a:ext>
             </a:extLst>
           </p:cNvPr>
@@ -33559,7 +36959,7 @@
           <p:nvPr/>
         </p:nvPicPr>
         <p:blipFill>
-          <a:blip r:embed="rId2">
+          <a:blip r:embed="rId7">
             <a:extLst>
               <a:ext uri="{28A0092B-C50C-407E-A947-70E740481C1C}">
                 <a14:useLocalDpi xmlns:a14="http://schemas.microsoft.com/office/drawing/2010/main" val="0"/>
@@ -33573,7 +36973,7 @@
         </p:blipFill>
         <p:spPr bwMode="auto">
           <a:xfrm>
-            <a:off x="7045820" y="3990564"/>
+            <a:off x="7072809" y="4253114"/>
             <a:ext cx="2364879" cy="2162175"/>
           </a:xfrm>
           <a:prstGeom prst="rect">
@@ -33594,15 +36994,15 @@
     </p:spTree>
     <p:extLst>
       <p:ext uri="{BB962C8B-B14F-4D97-AF65-F5344CB8AC3E}">
-        <p14:creationId xmlns:p14="http://schemas.microsoft.com/office/powerpoint/2010/main" val="3301565672"/>
+        <p14:creationId xmlns:p14="http://schemas.microsoft.com/office/powerpoint/2010/main" val="3991755036"/>
       </p:ext>
     </p:extLst>
   </p:cSld>
   <p:clrMapOvr>
     <a:masterClrMapping/>
   </p:clrMapOvr>
-  <p:transition spd="slow" advClick="0" advTm="2000">
-    <p:cover dir="d"/>
+  <p:transition spd="slow">
+    <p:push dir="u"/>
   </p:transition>
 </p:sld>
 </file>
@@ -33626,22 +37026,170 @@
       </p:grpSpPr>
       <p:sp>
         <p:nvSpPr>
-          <p:cNvPr id="2" name="Заголовок 1">
+          <p:cNvPr id="8" name="Прямоугольник 7">
             <a:extLst>
               <a:ext uri="{FF2B5EF4-FFF2-40B4-BE49-F238E27FC236}">
-                <a16:creationId xmlns:a16="http://schemas.microsoft.com/office/drawing/2014/main" id="{77B71F1C-C380-43E2-B31B-FB51126A5530}"/>
+                <a16:creationId xmlns:a16="http://schemas.microsoft.com/office/drawing/2014/main" id="{093D4364-411B-4FE9-A96B-0F84FFCC8375}"/>
               </a:ext>
             </a:extLst>
           </p:cNvPr>
-          <p:cNvSpPr>
-            <a:spLocks noGrp="1" noChangeArrowheads="1"/>
-          </p:cNvSpPr>
+          <p:cNvSpPr/>
           <p:nvPr/>
         </p:nvSpPr>
+        <p:spPr>
+          <a:xfrm>
+            <a:off x="0" y="0"/>
+            <a:ext cx="468313" cy="6858000"/>
+          </a:xfrm>
+          <a:prstGeom prst="rect">
+            <a:avLst/>
+          </a:prstGeom>
+          <a:solidFill>
+            <a:srgbClr val="006CB5"/>
+          </a:solidFill>
+          <a:ln w="12700">
+            <a:noFill/>
+          </a:ln>
+          <a:effectLst/>
+        </p:spPr>
+        <p:style>
+          <a:lnRef idx="2">
+            <a:schemeClr val="accent1">
+              <a:shade val="50000"/>
+            </a:schemeClr>
+          </a:lnRef>
+          <a:fillRef idx="1">
+            <a:schemeClr val="accent1"/>
+          </a:fillRef>
+          <a:effectRef idx="0">
+            <a:schemeClr val="accent1"/>
+          </a:effectRef>
+          <a:fontRef idx="minor">
+            <a:schemeClr val="lt1"/>
+          </a:fontRef>
+        </p:style>
+        <p:txBody>
+          <a:bodyPr rtlCol="1" anchor="ctr"/>
+          <a:lstStyle/>
+          <a:p>
+            <a:pPr algn="ctr">
+              <a:defRPr/>
+            </a:pPr>
+            <a:endParaRPr lang="ru-RU" sz="1800"/>
+          </a:p>
+        </p:txBody>
+      </p:sp>
+      <p:pic>
+        <p:nvPicPr>
+          <p:cNvPr id="14340" name="Рисунок 1">
+            <a:extLst>
+              <a:ext uri="{FF2B5EF4-FFF2-40B4-BE49-F238E27FC236}">
+                <a16:creationId xmlns:a16="http://schemas.microsoft.com/office/drawing/2014/main" id="{0BBC6320-63FD-4C0F-AC63-6D8FF9E24093}"/>
+              </a:ext>
+            </a:extLst>
+          </p:cNvPr>
+          <p:cNvPicPr>
+            <a:picLocks noChangeAspect="1"/>
+          </p:cNvPicPr>
+          <p:nvPr/>
+        </p:nvPicPr>
+        <p:blipFill>
+          <a:blip r:embed="rId3" cstate="print">
+            <a:duotone>
+              <a:schemeClr val="bg2">
+                <a:shade val="45000"/>
+                <a:satMod val="135000"/>
+              </a:schemeClr>
+              <a:prstClr val="white"/>
+            </a:duotone>
+          </a:blip>
+          <a:srcRect r="96146"/>
+          <a:stretch>
+            <a:fillRect/>
+          </a:stretch>
+        </p:blipFill>
+        <p:spPr bwMode="auto">
+          <a:xfrm rot="16200000">
+            <a:off x="18196" y="7288776"/>
+            <a:ext cx="178594" cy="169069"/>
+          </a:xfrm>
+          <a:prstGeom prst="rect">
+            <a:avLst/>
+          </a:prstGeom>
+          <a:noFill/>
+          <a:ln>
+            <a:noFill/>
+          </a:ln>
+        </p:spPr>
+      </p:pic>
+      <p:pic>
+        <p:nvPicPr>
+          <p:cNvPr id="14342" name="Рисунок 1">
+            <a:extLst>
+              <a:ext uri="{FF2B5EF4-FFF2-40B4-BE49-F238E27FC236}">
+                <a16:creationId xmlns:a16="http://schemas.microsoft.com/office/drawing/2014/main" id="{C7815109-567A-4F6F-8DF1-C13BD4B7AEA2}"/>
+              </a:ext>
+            </a:extLst>
+          </p:cNvPr>
+          <p:cNvPicPr>
+            <a:picLocks noChangeAspect="1"/>
+          </p:cNvPicPr>
+          <p:nvPr/>
+        </p:nvPicPr>
+        <p:blipFill>
+          <a:blip r:embed="rId4" cstate="print">
+            <a:duotone>
+              <a:schemeClr val="bg2">
+                <a:shade val="45000"/>
+                <a:satMod val="135000"/>
+              </a:schemeClr>
+              <a:prstClr val="white"/>
+            </a:duotone>
+          </a:blip>
+          <a:srcRect l="4880"/>
+          <a:stretch>
+            <a:fillRect/>
+          </a:stretch>
+        </p:blipFill>
+        <p:spPr bwMode="auto">
+          <a:xfrm rot="16200000">
+            <a:off x="-2870892" y="3532157"/>
+            <a:ext cx="5969110" cy="229146"/>
+          </a:xfrm>
+          <a:prstGeom prst="rect">
+            <a:avLst/>
+          </a:prstGeom>
+          <a:noFill/>
+          <a:ln>
+            <a:noFill/>
+          </a:ln>
+        </p:spPr>
+      </p:pic>
+      <p:pic>
+        <p:nvPicPr>
+          <p:cNvPr id="18437" name="Рисунок 10"/>
+          <p:cNvPicPr>
+            <a:picLocks noChangeAspect="1"/>
+          </p:cNvPicPr>
+          <p:nvPr/>
+        </p:nvPicPr>
+        <p:blipFill>
+          <a:blip r:embed="rId5">
+            <a:extLst>
+              <a:ext uri="{28A0092B-C50C-407E-A947-70E740481C1C}">
+                <a14:useLocalDpi xmlns:a14="http://schemas.microsoft.com/office/drawing/2010/main" val="0"/>
+              </a:ext>
+            </a:extLst>
+          </a:blip>
+          <a:srcRect/>
+          <a:stretch>
+            <a:fillRect/>
+          </a:stretch>
+        </p:blipFill>
         <p:spPr bwMode="auto">
           <a:xfrm>
-            <a:off x="1" y="1"/>
-            <a:ext cx="9906000" cy="661578"/>
+            <a:off x="-12700" y="73025"/>
+            <a:ext cx="481013" cy="481013"/>
           </a:xfrm>
           <a:prstGeom prst="rect">
             <a:avLst/>
@@ -33670,6 +37218,324 @@
             </a:ext>
           </a:extLst>
         </p:spPr>
+      </p:pic>
+      <p:cxnSp>
+        <p:nvCxnSpPr>
+          <p:cNvPr id="12" name="Прямая соединительная линия 11">
+            <a:extLst>
+              <a:ext uri="{FF2B5EF4-FFF2-40B4-BE49-F238E27FC236}">
+                <a16:creationId xmlns:a16="http://schemas.microsoft.com/office/drawing/2014/main" id="{EDF376CE-5EAB-4A03-8344-2422AA450799}"/>
+              </a:ext>
+            </a:extLst>
+          </p:cNvPr>
+          <p:cNvCxnSpPr>
+            <a:endCxn id="8" idx="2"/>
+          </p:cNvCxnSpPr>
+          <p:nvPr/>
+        </p:nvCxnSpPr>
+        <p:spPr>
+          <a:xfrm>
+            <a:off x="227013" y="527050"/>
+            <a:ext cx="6350" cy="6330950"/>
+          </a:xfrm>
+          <a:prstGeom prst="line">
+            <a:avLst/>
+          </a:prstGeom>
+          <a:ln w="38100">
+            <a:solidFill>
+              <a:schemeClr val="bg1"/>
+            </a:solidFill>
+          </a:ln>
+        </p:spPr>
+        <p:style>
+          <a:lnRef idx="1">
+            <a:schemeClr val="accent1"/>
+          </a:lnRef>
+          <a:fillRef idx="0">
+            <a:schemeClr val="accent1"/>
+          </a:fillRef>
+          <a:effectRef idx="0">
+            <a:schemeClr val="accent1"/>
+          </a:effectRef>
+          <a:fontRef idx="minor">
+            <a:schemeClr val="tx1"/>
+          </a:fontRef>
+        </p:style>
+      </p:cxnSp>
+      <p:pic>
+        <p:nvPicPr>
+          <p:cNvPr id="18439" name="Рисунок 6"/>
+          <p:cNvPicPr>
+            <a:picLocks noChangeAspect="1"/>
+          </p:cNvPicPr>
+          <p:nvPr/>
+        </p:nvPicPr>
+        <p:blipFill>
+          <a:blip r:embed="rId6">
+            <a:extLst>
+              <a:ext uri="{28A0092B-C50C-407E-A947-70E740481C1C}">
+                <a14:useLocalDpi xmlns:a14="http://schemas.microsoft.com/office/drawing/2010/main" val="0"/>
+              </a:ext>
+            </a:extLst>
+          </a:blip>
+          <a:srcRect l="63036" t="63045"/>
+          <a:stretch>
+            <a:fillRect/>
+          </a:stretch>
+        </p:blipFill>
+        <p:spPr bwMode="auto">
+          <a:xfrm>
+            <a:off x="9278938" y="6219825"/>
+            <a:ext cx="627062" cy="638175"/>
+          </a:xfrm>
+          <a:prstGeom prst="rect">
+            <a:avLst/>
+          </a:prstGeom>
+          <a:noFill/>
+          <a:ln>
+            <a:noFill/>
+          </a:ln>
+          <a:extLst>
+            <a:ext uri="{909E8E84-426E-40DD-AFC4-6F175D3DCCD1}">
+              <a14:hiddenFill xmlns:a14="http://schemas.microsoft.com/office/drawing/2010/main">
+                <a:solidFill>
+                  <a:srgbClr val="FFFFFF"/>
+                </a:solidFill>
+              </a14:hiddenFill>
+            </a:ext>
+            <a:ext uri="{91240B29-F687-4F45-9708-019B960494DF}">
+              <a14:hiddenLine xmlns:a14="http://schemas.microsoft.com/office/drawing/2010/main" w="9525">
+                <a:solidFill>
+                  <a:srgbClr val="000000"/>
+                </a:solidFill>
+                <a:miter lim="800000"/>
+                <a:headEnd/>
+                <a:tailEnd/>
+              </a14:hiddenLine>
+            </a:ext>
+          </a:extLst>
+        </p:spPr>
+      </p:pic>
+      <p:sp>
+        <p:nvSpPr>
+          <p:cNvPr id="18440" name="Прямоугольник 96"/>
+          <p:cNvSpPr>
+            <a:spLocks noChangeArrowheads="1"/>
+          </p:cNvSpPr>
+          <p:nvPr/>
+        </p:nvSpPr>
+        <p:spPr bwMode="auto">
+          <a:xfrm>
+            <a:off x="85780" y="128588"/>
+            <a:ext cx="284052" cy="307777"/>
+          </a:xfrm>
+          <a:prstGeom prst="rect">
+            <a:avLst/>
+          </a:prstGeom>
+          <a:noFill/>
+          <a:ln>
+            <a:noFill/>
+          </a:ln>
+          <a:extLst>
+            <a:ext uri="{909E8E84-426E-40DD-AFC4-6F175D3DCCD1}">
+              <a14:hiddenFill xmlns:a14="http://schemas.microsoft.com/office/drawing/2010/main">
+                <a:solidFill>
+                  <a:srgbClr val="FFFFFF"/>
+                </a:solidFill>
+              </a14:hiddenFill>
+            </a:ext>
+            <a:ext uri="{91240B29-F687-4F45-9708-019B960494DF}">
+              <a14:hiddenLine xmlns:a14="http://schemas.microsoft.com/office/drawing/2010/main" w="9525">
+                <a:solidFill>
+                  <a:srgbClr val="000000"/>
+                </a:solidFill>
+                <a:miter lim="800000"/>
+                <a:headEnd/>
+                <a:tailEnd/>
+              </a14:hiddenLine>
+            </a:ext>
+          </a:extLst>
+        </p:spPr>
+        <p:txBody>
+          <a:bodyPr wrap="none">
+            <a:spAutoFit/>
+          </a:bodyPr>
+          <a:lstStyle>
+            <a:lvl1pPr>
+              <a:defRPr kumimoji="1" sz="2400">
+                <a:solidFill>
+                  <a:schemeClr val="tx1"/>
+                </a:solidFill>
+                <a:latin typeface="Calibri" panose="020F0502020204030204" pitchFamily="34" charset="0"/>
+                <a:cs typeface="Arial" panose="020B0604020202020204" pitchFamily="34" charset="0"/>
+              </a:defRPr>
+            </a:lvl1pPr>
+            <a:lvl2pPr marL="742950" indent="-285750">
+              <a:defRPr kumimoji="1" sz="2400">
+                <a:solidFill>
+                  <a:schemeClr val="tx1"/>
+                </a:solidFill>
+                <a:latin typeface="Calibri" panose="020F0502020204030204" pitchFamily="34" charset="0"/>
+                <a:cs typeface="Arial" panose="020B0604020202020204" pitchFamily="34" charset="0"/>
+              </a:defRPr>
+            </a:lvl2pPr>
+            <a:lvl3pPr marL="1143000" indent="-228600">
+              <a:defRPr kumimoji="1" sz="2400">
+                <a:solidFill>
+                  <a:schemeClr val="tx1"/>
+                </a:solidFill>
+                <a:latin typeface="Calibri" panose="020F0502020204030204" pitchFamily="34" charset="0"/>
+                <a:cs typeface="Arial" panose="020B0604020202020204" pitchFamily="34" charset="0"/>
+              </a:defRPr>
+            </a:lvl3pPr>
+            <a:lvl4pPr marL="1600200" indent="-228600">
+              <a:defRPr kumimoji="1" sz="2400">
+                <a:solidFill>
+                  <a:schemeClr val="tx1"/>
+                </a:solidFill>
+                <a:latin typeface="Calibri" panose="020F0502020204030204" pitchFamily="34" charset="0"/>
+                <a:cs typeface="Arial" panose="020B0604020202020204" pitchFamily="34" charset="0"/>
+              </a:defRPr>
+            </a:lvl4pPr>
+            <a:lvl5pPr marL="2057400" indent="-228600">
+              <a:defRPr kumimoji="1" sz="2400">
+                <a:solidFill>
+                  <a:schemeClr val="tx1"/>
+                </a:solidFill>
+                <a:latin typeface="Calibri" panose="020F0502020204030204" pitchFamily="34" charset="0"/>
+                <a:cs typeface="Arial" panose="020B0604020202020204" pitchFamily="34" charset="0"/>
+              </a:defRPr>
+            </a:lvl5pPr>
+            <a:lvl6pPr marL="2514600" indent="-228600" eaLnBrk="0" fontAlgn="base" hangingPunct="0">
+              <a:spcBef>
+                <a:spcPct val="0"/>
+              </a:spcBef>
+              <a:spcAft>
+                <a:spcPct val="0"/>
+              </a:spcAft>
+              <a:defRPr kumimoji="1" sz="2400">
+                <a:solidFill>
+                  <a:schemeClr val="tx1"/>
+                </a:solidFill>
+                <a:latin typeface="Calibri" panose="020F0502020204030204" pitchFamily="34" charset="0"/>
+                <a:cs typeface="Arial" panose="020B0604020202020204" pitchFamily="34" charset="0"/>
+              </a:defRPr>
+            </a:lvl6pPr>
+            <a:lvl7pPr marL="2971800" indent="-228600" eaLnBrk="0" fontAlgn="base" hangingPunct="0">
+              <a:spcBef>
+                <a:spcPct val="0"/>
+              </a:spcBef>
+              <a:spcAft>
+                <a:spcPct val="0"/>
+              </a:spcAft>
+              <a:defRPr kumimoji="1" sz="2400">
+                <a:solidFill>
+                  <a:schemeClr val="tx1"/>
+                </a:solidFill>
+                <a:latin typeface="Calibri" panose="020F0502020204030204" pitchFamily="34" charset="0"/>
+                <a:cs typeface="Arial" panose="020B0604020202020204" pitchFamily="34" charset="0"/>
+              </a:defRPr>
+            </a:lvl7pPr>
+            <a:lvl8pPr marL="3429000" indent="-228600" eaLnBrk="0" fontAlgn="base" hangingPunct="0">
+              <a:spcBef>
+                <a:spcPct val="0"/>
+              </a:spcBef>
+              <a:spcAft>
+                <a:spcPct val="0"/>
+              </a:spcAft>
+              <a:defRPr kumimoji="1" sz="2400">
+                <a:solidFill>
+                  <a:schemeClr val="tx1"/>
+                </a:solidFill>
+                <a:latin typeface="Calibri" panose="020F0502020204030204" pitchFamily="34" charset="0"/>
+                <a:cs typeface="Arial" panose="020B0604020202020204" pitchFamily="34" charset="0"/>
+              </a:defRPr>
+            </a:lvl8pPr>
+            <a:lvl9pPr marL="3886200" indent="-228600" eaLnBrk="0" fontAlgn="base" hangingPunct="0">
+              <a:spcBef>
+                <a:spcPct val="0"/>
+              </a:spcBef>
+              <a:spcAft>
+                <a:spcPct val="0"/>
+              </a:spcAft>
+              <a:defRPr kumimoji="1" sz="2400">
+                <a:solidFill>
+                  <a:schemeClr val="tx1"/>
+                </a:solidFill>
+                <a:latin typeface="Calibri" panose="020F0502020204030204" pitchFamily="34" charset="0"/>
+                <a:cs typeface="Arial" panose="020B0604020202020204" pitchFamily="34" charset="0"/>
+              </a:defRPr>
+            </a:lvl9pPr>
+          </a:lstStyle>
+          <a:p>
+            <a:pPr algn="ctr">
+              <a:buFont typeface="Arial" panose="020B0604020202020204" pitchFamily="34" charset="0"/>
+              <a:buNone/>
+            </a:pPr>
+            <a:r>
+              <a:rPr lang="ru-RU" altLang="ru-RU" sz="1400" b="1" dirty="0">
+                <a:solidFill>
+                  <a:schemeClr val="bg1"/>
+                </a:solidFill>
+                <a:latin typeface="Arial" panose="020B0604020202020204" pitchFamily="34" charset="0"/>
+              </a:rPr>
+              <a:t>7</a:t>
+            </a:r>
+            <a:endParaRPr lang="en-US" altLang="ru-RU" sz="1400" b="1" dirty="0">
+              <a:solidFill>
+                <a:schemeClr val="bg1"/>
+              </a:solidFill>
+              <a:latin typeface="Arial" panose="020B0604020202020204" pitchFamily="34" charset="0"/>
+            </a:endParaRPr>
+          </a:p>
+        </p:txBody>
+      </p:sp>
+      <p:sp>
+        <p:nvSpPr>
+          <p:cNvPr id="9" name="Заголовок 1">
+            <a:extLst>
+              <a:ext uri="{FF2B5EF4-FFF2-40B4-BE49-F238E27FC236}">
+                <a16:creationId xmlns:a16="http://schemas.microsoft.com/office/drawing/2014/main" id="{DDE2EA8F-D979-4595-9A4A-D3C2E3F5A32C}"/>
+              </a:ext>
+            </a:extLst>
+          </p:cNvPr>
+          <p:cNvSpPr>
+            <a:spLocks noGrp="1" noChangeArrowheads="1"/>
+          </p:cNvSpPr>
+          <p:nvPr/>
+        </p:nvSpPr>
+        <p:spPr bwMode="auto">
+          <a:xfrm>
+            <a:off x="481013" y="1"/>
+            <a:ext cx="9424988" cy="661578"/>
+          </a:xfrm>
+          <a:prstGeom prst="rect">
+            <a:avLst/>
+          </a:prstGeom>
+          <a:noFill/>
+          <a:ln>
+            <a:noFill/>
+          </a:ln>
+          <a:extLst>
+            <a:ext uri="{909E8E84-426E-40DD-AFC4-6F175D3DCCD1}">
+              <a14:hiddenFill xmlns:a14="http://schemas.microsoft.com/office/drawing/2010/main">
+                <a:solidFill>
+                  <a:srgbClr val="FFFFFF"/>
+                </a:solidFill>
+              </a14:hiddenFill>
+            </a:ext>
+            <a:ext uri="{91240B29-F687-4F45-9708-019B960494DF}">
+              <a14:hiddenLine xmlns:a14="http://schemas.microsoft.com/office/drawing/2010/main" w="9525">
+                <a:solidFill>
+                  <a:srgbClr val="000000"/>
+                </a:solidFill>
+                <a:miter lim="800000"/>
+                <a:headEnd/>
+                <a:tailEnd/>
+              </a14:hiddenLine>
+            </a:ext>
+          </a:extLst>
+        </p:spPr>
         <p:txBody>
           <a:bodyPr/>
           <a:lstStyle>
@@ -33794,10 +37660,10 @@
       </p:sp>
       <p:pic>
         <p:nvPicPr>
-          <p:cNvPr id="3" name="Рисунок 2">
+          <p:cNvPr id="10" name="Рисунок 9">
             <a:extLst>
               <a:ext uri="{FF2B5EF4-FFF2-40B4-BE49-F238E27FC236}">
-                <a16:creationId xmlns:a16="http://schemas.microsoft.com/office/drawing/2014/main" id="{5B773453-0E4F-4C9A-A1FA-674C751817E4}"/>
+                <a16:creationId xmlns:a16="http://schemas.microsoft.com/office/drawing/2014/main" id="{2E76CCC6-3A13-42D7-A55F-ED5B1E196225}"/>
               </a:ext>
             </a:extLst>
           </p:cNvPr>
@@ -33805,7 +37671,7 @@
           <p:nvPr/>
         </p:nvPicPr>
         <p:blipFill>
-          <a:blip r:embed="rId2">
+          <a:blip r:embed="rId7">
             <a:extLst>
               <a:ext uri="{28A0092B-C50C-407E-A947-70E740481C1C}">
                 <a14:useLocalDpi xmlns:a14="http://schemas.microsoft.com/office/drawing/2010/main" val="0"/>
@@ -33833,10 +37699,10 @@
       </p:pic>
       <p:sp>
         <p:nvSpPr>
-          <p:cNvPr id="5" name="TextBox 4">
+          <p:cNvPr id="11" name="TextBox 10">
             <a:extLst>
               <a:ext uri="{FF2B5EF4-FFF2-40B4-BE49-F238E27FC236}">
-                <a16:creationId xmlns:a16="http://schemas.microsoft.com/office/drawing/2014/main" id="{0BE3A84C-276C-4986-BC4A-EDE355BBF917}"/>
+                <a16:creationId xmlns:a16="http://schemas.microsoft.com/office/drawing/2014/main" id="{C3FEB7E0-58C3-4F78-AFCB-B76271F898C2}"/>
               </a:ext>
             </a:extLst>
           </p:cNvPr>
@@ -33845,8 +37711,8 @@
         </p:nvSpPr>
         <p:spPr>
           <a:xfrm>
-            <a:off x="420329" y="5535561"/>
-            <a:ext cx="9065341" cy="400110"/>
+            <a:off x="468313" y="5535561"/>
+            <a:ext cx="9017357" cy="400110"/>
           </a:xfrm>
           <a:prstGeom prst="rect">
             <a:avLst/>
@@ -33884,15 +37750,15 @@
     </p:spTree>
     <p:extLst>
       <p:ext uri="{BB962C8B-B14F-4D97-AF65-F5344CB8AC3E}">
-        <p14:creationId xmlns:p14="http://schemas.microsoft.com/office/powerpoint/2010/main" val="1795731038"/>
+        <p14:creationId xmlns:p14="http://schemas.microsoft.com/office/powerpoint/2010/main" val="3424050245"/>
       </p:ext>
     </p:extLst>
   </p:cSld>
   <p:clrMapOvr>
     <a:masterClrMapping/>
   </p:clrMapOvr>
-  <p:transition spd="slow" advClick="0" advTm="2000">
-    <p:cover dir="d"/>
+  <p:transition spd="slow">
+    <p:push dir="u"/>
   </p:transition>
 </p:sld>
 </file>
@@ -33916,22 +37782,170 @@
       </p:grpSpPr>
       <p:sp>
         <p:nvSpPr>
-          <p:cNvPr id="2" name="Заголовок 1">
+          <p:cNvPr id="8" name="Прямоугольник 7">
             <a:extLst>
               <a:ext uri="{FF2B5EF4-FFF2-40B4-BE49-F238E27FC236}">
-                <a16:creationId xmlns:a16="http://schemas.microsoft.com/office/drawing/2014/main" id="{644C39F0-3F1F-4781-AE47-2476A9C33899}"/>
+                <a16:creationId xmlns:a16="http://schemas.microsoft.com/office/drawing/2014/main" id="{093D4364-411B-4FE9-A96B-0F84FFCC8375}"/>
               </a:ext>
             </a:extLst>
           </p:cNvPr>
-          <p:cNvSpPr>
-            <a:spLocks noGrp="1" noChangeArrowheads="1"/>
-          </p:cNvSpPr>
+          <p:cNvSpPr/>
           <p:nvPr/>
         </p:nvSpPr>
+        <p:spPr>
+          <a:xfrm>
+            <a:off x="0" y="0"/>
+            <a:ext cx="468313" cy="6858000"/>
+          </a:xfrm>
+          <a:prstGeom prst="rect">
+            <a:avLst/>
+          </a:prstGeom>
+          <a:solidFill>
+            <a:srgbClr val="006CB5"/>
+          </a:solidFill>
+          <a:ln w="12700">
+            <a:noFill/>
+          </a:ln>
+          <a:effectLst/>
+        </p:spPr>
+        <p:style>
+          <a:lnRef idx="2">
+            <a:schemeClr val="accent1">
+              <a:shade val="50000"/>
+            </a:schemeClr>
+          </a:lnRef>
+          <a:fillRef idx="1">
+            <a:schemeClr val="accent1"/>
+          </a:fillRef>
+          <a:effectRef idx="0">
+            <a:schemeClr val="accent1"/>
+          </a:effectRef>
+          <a:fontRef idx="minor">
+            <a:schemeClr val="lt1"/>
+          </a:fontRef>
+        </p:style>
+        <p:txBody>
+          <a:bodyPr rtlCol="1" anchor="ctr"/>
+          <a:lstStyle/>
+          <a:p>
+            <a:pPr algn="ctr">
+              <a:defRPr/>
+            </a:pPr>
+            <a:endParaRPr lang="ru-RU" sz="1800"/>
+          </a:p>
+        </p:txBody>
+      </p:sp>
+      <p:pic>
+        <p:nvPicPr>
+          <p:cNvPr id="14340" name="Рисунок 1">
+            <a:extLst>
+              <a:ext uri="{FF2B5EF4-FFF2-40B4-BE49-F238E27FC236}">
+                <a16:creationId xmlns:a16="http://schemas.microsoft.com/office/drawing/2014/main" id="{0BBC6320-63FD-4C0F-AC63-6D8FF9E24093}"/>
+              </a:ext>
+            </a:extLst>
+          </p:cNvPr>
+          <p:cNvPicPr>
+            <a:picLocks noChangeAspect="1"/>
+          </p:cNvPicPr>
+          <p:nvPr/>
+        </p:nvPicPr>
+        <p:blipFill>
+          <a:blip r:embed="rId3" cstate="print">
+            <a:duotone>
+              <a:schemeClr val="bg2">
+                <a:shade val="45000"/>
+                <a:satMod val="135000"/>
+              </a:schemeClr>
+              <a:prstClr val="white"/>
+            </a:duotone>
+          </a:blip>
+          <a:srcRect r="96146"/>
+          <a:stretch>
+            <a:fillRect/>
+          </a:stretch>
+        </p:blipFill>
+        <p:spPr bwMode="auto">
+          <a:xfrm rot="16200000">
+            <a:off x="18196" y="7288776"/>
+            <a:ext cx="178594" cy="169069"/>
+          </a:xfrm>
+          <a:prstGeom prst="rect">
+            <a:avLst/>
+          </a:prstGeom>
+          <a:noFill/>
+          <a:ln>
+            <a:noFill/>
+          </a:ln>
+        </p:spPr>
+      </p:pic>
+      <p:pic>
+        <p:nvPicPr>
+          <p:cNvPr id="14342" name="Рисунок 1">
+            <a:extLst>
+              <a:ext uri="{FF2B5EF4-FFF2-40B4-BE49-F238E27FC236}">
+                <a16:creationId xmlns:a16="http://schemas.microsoft.com/office/drawing/2014/main" id="{C7815109-567A-4F6F-8DF1-C13BD4B7AEA2}"/>
+              </a:ext>
+            </a:extLst>
+          </p:cNvPr>
+          <p:cNvPicPr>
+            <a:picLocks noChangeAspect="1"/>
+          </p:cNvPicPr>
+          <p:nvPr/>
+        </p:nvPicPr>
+        <p:blipFill>
+          <a:blip r:embed="rId4" cstate="print">
+            <a:duotone>
+              <a:schemeClr val="bg2">
+                <a:shade val="45000"/>
+                <a:satMod val="135000"/>
+              </a:schemeClr>
+              <a:prstClr val="white"/>
+            </a:duotone>
+          </a:blip>
+          <a:srcRect l="4880"/>
+          <a:stretch>
+            <a:fillRect/>
+          </a:stretch>
+        </p:blipFill>
+        <p:spPr bwMode="auto">
+          <a:xfrm rot="16200000">
+            <a:off x="-2870892" y="3532157"/>
+            <a:ext cx="5969110" cy="229146"/>
+          </a:xfrm>
+          <a:prstGeom prst="rect">
+            <a:avLst/>
+          </a:prstGeom>
+          <a:noFill/>
+          <a:ln>
+            <a:noFill/>
+          </a:ln>
+        </p:spPr>
+      </p:pic>
+      <p:pic>
+        <p:nvPicPr>
+          <p:cNvPr id="18437" name="Рисунок 10"/>
+          <p:cNvPicPr>
+            <a:picLocks noChangeAspect="1"/>
+          </p:cNvPicPr>
+          <p:nvPr/>
+        </p:nvPicPr>
+        <p:blipFill>
+          <a:blip r:embed="rId5">
+            <a:extLst>
+              <a:ext uri="{28A0092B-C50C-407E-A947-70E740481C1C}">
+                <a14:useLocalDpi xmlns:a14="http://schemas.microsoft.com/office/drawing/2010/main" val="0"/>
+              </a:ext>
+            </a:extLst>
+          </a:blip>
+          <a:srcRect/>
+          <a:stretch>
+            <a:fillRect/>
+          </a:stretch>
+        </p:blipFill>
         <p:spPr bwMode="auto">
           <a:xfrm>
-            <a:off x="1" y="1"/>
-            <a:ext cx="9906000" cy="661578"/>
+            <a:off x="-12700" y="73025"/>
+            <a:ext cx="481013" cy="481013"/>
           </a:xfrm>
           <a:prstGeom prst="rect">
             <a:avLst/>
@@ -33960,6 +37974,324 @@
             </a:ext>
           </a:extLst>
         </p:spPr>
+      </p:pic>
+      <p:cxnSp>
+        <p:nvCxnSpPr>
+          <p:cNvPr id="12" name="Прямая соединительная линия 11">
+            <a:extLst>
+              <a:ext uri="{FF2B5EF4-FFF2-40B4-BE49-F238E27FC236}">
+                <a16:creationId xmlns:a16="http://schemas.microsoft.com/office/drawing/2014/main" id="{EDF376CE-5EAB-4A03-8344-2422AA450799}"/>
+              </a:ext>
+            </a:extLst>
+          </p:cNvPr>
+          <p:cNvCxnSpPr>
+            <a:endCxn id="8" idx="2"/>
+          </p:cNvCxnSpPr>
+          <p:nvPr/>
+        </p:nvCxnSpPr>
+        <p:spPr>
+          <a:xfrm>
+            <a:off x="227013" y="527050"/>
+            <a:ext cx="6350" cy="6330950"/>
+          </a:xfrm>
+          <a:prstGeom prst="line">
+            <a:avLst/>
+          </a:prstGeom>
+          <a:ln w="38100">
+            <a:solidFill>
+              <a:schemeClr val="bg1"/>
+            </a:solidFill>
+          </a:ln>
+        </p:spPr>
+        <p:style>
+          <a:lnRef idx="1">
+            <a:schemeClr val="accent1"/>
+          </a:lnRef>
+          <a:fillRef idx="0">
+            <a:schemeClr val="accent1"/>
+          </a:fillRef>
+          <a:effectRef idx="0">
+            <a:schemeClr val="accent1"/>
+          </a:effectRef>
+          <a:fontRef idx="minor">
+            <a:schemeClr val="tx1"/>
+          </a:fontRef>
+        </p:style>
+      </p:cxnSp>
+      <p:pic>
+        <p:nvPicPr>
+          <p:cNvPr id="18439" name="Рисунок 6"/>
+          <p:cNvPicPr>
+            <a:picLocks noChangeAspect="1"/>
+          </p:cNvPicPr>
+          <p:nvPr/>
+        </p:nvPicPr>
+        <p:blipFill>
+          <a:blip r:embed="rId6">
+            <a:extLst>
+              <a:ext uri="{28A0092B-C50C-407E-A947-70E740481C1C}">
+                <a14:useLocalDpi xmlns:a14="http://schemas.microsoft.com/office/drawing/2010/main" val="0"/>
+              </a:ext>
+            </a:extLst>
+          </a:blip>
+          <a:srcRect l="63036" t="63045"/>
+          <a:stretch>
+            <a:fillRect/>
+          </a:stretch>
+        </p:blipFill>
+        <p:spPr bwMode="auto">
+          <a:xfrm>
+            <a:off x="9278938" y="6219825"/>
+            <a:ext cx="627062" cy="638175"/>
+          </a:xfrm>
+          <a:prstGeom prst="rect">
+            <a:avLst/>
+          </a:prstGeom>
+          <a:noFill/>
+          <a:ln>
+            <a:noFill/>
+          </a:ln>
+          <a:extLst>
+            <a:ext uri="{909E8E84-426E-40DD-AFC4-6F175D3DCCD1}">
+              <a14:hiddenFill xmlns:a14="http://schemas.microsoft.com/office/drawing/2010/main">
+                <a:solidFill>
+                  <a:srgbClr val="FFFFFF"/>
+                </a:solidFill>
+              </a14:hiddenFill>
+            </a:ext>
+            <a:ext uri="{91240B29-F687-4F45-9708-019B960494DF}">
+              <a14:hiddenLine xmlns:a14="http://schemas.microsoft.com/office/drawing/2010/main" w="9525">
+                <a:solidFill>
+                  <a:srgbClr val="000000"/>
+                </a:solidFill>
+                <a:miter lim="800000"/>
+                <a:headEnd/>
+                <a:tailEnd/>
+              </a14:hiddenLine>
+            </a:ext>
+          </a:extLst>
+        </p:spPr>
+      </p:pic>
+      <p:sp>
+        <p:nvSpPr>
+          <p:cNvPr id="18440" name="Прямоугольник 96"/>
+          <p:cNvSpPr>
+            <a:spLocks noChangeArrowheads="1"/>
+          </p:cNvSpPr>
+          <p:nvPr/>
+        </p:nvSpPr>
+        <p:spPr bwMode="auto">
+          <a:xfrm>
+            <a:off x="85780" y="128588"/>
+            <a:ext cx="284052" cy="307777"/>
+          </a:xfrm>
+          <a:prstGeom prst="rect">
+            <a:avLst/>
+          </a:prstGeom>
+          <a:noFill/>
+          <a:ln>
+            <a:noFill/>
+          </a:ln>
+          <a:extLst>
+            <a:ext uri="{909E8E84-426E-40DD-AFC4-6F175D3DCCD1}">
+              <a14:hiddenFill xmlns:a14="http://schemas.microsoft.com/office/drawing/2010/main">
+                <a:solidFill>
+                  <a:srgbClr val="FFFFFF"/>
+                </a:solidFill>
+              </a14:hiddenFill>
+            </a:ext>
+            <a:ext uri="{91240B29-F687-4F45-9708-019B960494DF}">
+              <a14:hiddenLine xmlns:a14="http://schemas.microsoft.com/office/drawing/2010/main" w="9525">
+                <a:solidFill>
+                  <a:srgbClr val="000000"/>
+                </a:solidFill>
+                <a:miter lim="800000"/>
+                <a:headEnd/>
+                <a:tailEnd/>
+              </a14:hiddenLine>
+            </a:ext>
+          </a:extLst>
+        </p:spPr>
+        <p:txBody>
+          <a:bodyPr wrap="none">
+            <a:spAutoFit/>
+          </a:bodyPr>
+          <a:lstStyle>
+            <a:lvl1pPr>
+              <a:defRPr kumimoji="1" sz="2400">
+                <a:solidFill>
+                  <a:schemeClr val="tx1"/>
+                </a:solidFill>
+                <a:latin typeface="Calibri" panose="020F0502020204030204" pitchFamily="34" charset="0"/>
+                <a:cs typeface="Arial" panose="020B0604020202020204" pitchFamily="34" charset="0"/>
+              </a:defRPr>
+            </a:lvl1pPr>
+            <a:lvl2pPr marL="742950" indent="-285750">
+              <a:defRPr kumimoji="1" sz="2400">
+                <a:solidFill>
+                  <a:schemeClr val="tx1"/>
+                </a:solidFill>
+                <a:latin typeface="Calibri" panose="020F0502020204030204" pitchFamily="34" charset="0"/>
+                <a:cs typeface="Arial" panose="020B0604020202020204" pitchFamily="34" charset="0"/>
+              </a:defRPr>
+            </a:lvl2pPr>
+            <a:lvl3pPr marL="1143000" indent="-228600">
+              <a:defRPr kumimoji="1" sz="2400">
+                <a:solidFill>
+                  <a:schemeClr val="tx1"/>
+                </a:solidFill>
+                <a:latin typeface="Calibri" panose="020F0502020204030204" pitchFamily="34" charset="0"/>
+                <a:cs typeface="Arial" panose="020B0604020202020204" pitchFamily="34" charset="0"/>
+              </a:defRPr>
+            </a:lvl3pPr>
+            <a:lvl4pPr marL="1600200" indent="-228600">
+              <a:defRPr kumimoji="1" sz="2400">
+                <a:solidFill>
+                  <a:schemeClr val="tx1"/>
+                </a:solidFill>
+                <a:latin typeface="Calibri" panose="020F0502020204030204" pitchFamily="34" charset="0"/>
+                <a:cs typeface="Arial" panose="020B0604020202020204" pitchFamily="34" charset="0"/>
+              </a:defRPr>
+            </a:lvl4pPr>
+            <a:lvl5pPr marL="2057400" indent="-228600">
+              <a:defRPr kumimoji="1" sz="2400">
+                <a:solidFill>
+                  <a:schemeClr val="tx1"/>
+                </a:solidFill>
+                <a:latin typeface="Calibri" panose="020F0502020204030204" pitchFamily="34" charset="0"/>
+                <a:cs typeface="Arial" panose="020B0604020202020204" pitchFamily="34" charset="0"/>
+              </a:defRPr>
+            </a:lvl5pPr>
+            <a:lvl6pPr marL="2514600" indent="-228600" eaLnBrk="0" fontAlgn="base" hangingPunct="0">
+              <a:spcBef>
+                <a:spcPct val="0"/>
+              </a:spcBef>
+              <a:spcAft>
+                <a:spcPct val="0"/>
+              </a:spcAft>
+              <a:defRPr kumimoji="1" sz="2400">
+                <a:solidFill>
+                  <a:schemeClr val="tx1"/>
+                </a:solidFill>
+                <a:latin typeface="Calibri" panose="020F0502020204030204" pitchFamily="34" charset="0"/>
+                <a:cs typeface="Arial" panose="020B0604020202020204" pitchFamily="34" charset="0"/>
+              </a:defRPr>
+            </a:lvl6pPr>
+            <a:lvl7pPr marL="2971800" indent="-228600" eaLnBrk="0" fontAlgn="base" hangingPunct="0">
+              <a:spcBef>
+                <a:spcPct val="0"/>
+              </a:spcBef>
+              <a:spcAft>
+                <a:spcPct val="0"/>
+              </a:spcAft>
+              <a:defRPr kumimoji="1" sz="2400">
+                <a:solidFill>
+                  <a:schemeClr val="tx1"/>
+                </a:solidFill>
+                <a:latin typeface="Calibri" panose="020F0502020204030204" pitchFamily="34" charset="0"/>
+                <a:cs typeface="Arial" panose="020B0604020202020204" pitchFamily="34" charset="0"/>
+              </a:defRPr>
+            </a:lvl7pPr>
+            <a:lvl8pPr marL="3429000" indent="-228600" eaLnBrk="0" fontAlgn="base" hangingPunct="0">
+              <a:spcBef>
+                <a:spcPct val="0"/>
+              </a:spcBef>
+              <a:spcAft>
+                <a:spcPct val="0"/>
+              </a:spcAft>
+              <a:defRPr kumimoji="1" sz="2400">
+                <a:solidFill>
+                  <a:schemeClr val="tx1"/>
+                </a:solidFill>
+                <a:latin typeface="Calibri" panose="020F0502020204030204" pitchFamily="34" charset="0"/>
+                <a:cs typeface="Arial" panose="020B0604020202020204" pitchFamily="34" charset="0"/>
+              </a:defRPr>
+            </a:lvl8pPr>
+            <a:lvl9pPr marL="3886200" indent="-228600" eaLnBrk="0" fontAlgn="base" hangingPunct="0">
+              <a:spcBef>
+                <a:spcPct val="0"/>
+              </a:spcBef>
+              <a:spcAft>
+                <a:spcPct val="0"/>
+              </a:spcAft>
+              <a:defRPr kumimoji="1" sz="2400">
+                <a:solidFill>
+                  <a:schemeClr val="tx1"/>
+                </a:solidFill>
+                <a:latin typeface="Calibri" panose="020F0502020204030204" pitchFamily="34" charset="0"/>
+                <a:cs typeface="Arial" panose="020B0604020202020204" pitchFamily="34" charset="0"/>
+              </a:defRPr>
+            </a:lvl9pPr>
+          </a:lstStyle>
+          <a:p>
+            <a:pPr algn="ctr">
+              <a:buFont typeface="Arial" panose="020B0604020202020204" pitchFamily="34" charset="0"/>
+              <a:buNone/>
+            </a:pPr>
+            <a:r>
+              <a:rPr lang="ru-RU" altLang="ru-RU" sz="1400" b="1" dirty="0">
+                <a:solidFill>
+                  <a:schemeClr val="bg1"/>
+                </a:solidFill>
+                <a:latin typeface="Arial" panose="020B0604020202020204" pitchFamily="34" charset="0"/>
+              </a:rPr>
+              <a:t>8</a:t>
+            </a:r>
+            <a:endParaRPr lang="en-US" altLang="ru-RU" sz="1400" b="1" dirty="0">
+              <a:solidFill>
+                <a:schemeClr val="bg1"/>
+              </a:solidFill>
+              <a:latin typeface="Arial" panose="020B0604020202020204" pitchFamily="34" charset="0"/>
+            </a:endParaRPr>
+          </a:p>
+        </p:txBody>
+      </p:sp>
+      <p:sp>
+        <p:nvSpPr>
+          <p:cNvPr id="9" name="Заголовок 1">
+            <a:extLst>
+              <a:ext uri="{FF2B5EF4-FFF2-40B4-BE49-F238E27FC236}">
+                <a16:creationId xmlns:a16="http://schemas.microsoft.com/office/drawing/2014/main" id="{919FC1AE-C2F3-4A5D-AF8F-548A4AF25FEA}"/>
+              </a:ext>
+            </a:extLst>
+          </p:cNvPr>
+          <p:cNvSpPr>
+            <a:spLocks noGrp="1" noChangeArrowheads="1"/>
+          </p:cNvSpPr>
+          <p:nvPr/>
+        </p:nvSpPr>
+        <p:spPr bwMode="auto">
+          <a:xfrm>
+            <a:off x="481013" y="1"/>
+            <a:ext cx="9424988" cy="661578"/>
+          </a:xfrm>
+          <a:prstGeom prst="rect">
+            <a:avLst/>
+          </a:prstGeom>
+          <a:noFill/>
+          <a:ln>
+            <a:noFill/>
+          </a:ln>
+          <a:extLst>
+            <a:ext uri="{909E8E84-426E-40DD-AFC4-6F175D3DCCD1}">
+              <a14:hiddenFill xmlns:a14="http://schemas.microsoft.com/office/drawing/2010/main">
+                <a:solidFill>
+                  <a:srgbClr val="FFFFFF"/>
+                </a:solidFill>
+              </a14:hiddenFill>
+            </a:ext>
+            <a:ext uri="{91240B29-F687-4F45-9708-019B960494DF}">
+              <a14:hiddenLine xmlns:a14="http://schemas.microsoft.com/office/drawing/2010/main" w="9525">
+                <a:solidFill>
+                  <a:srgbClr val="000000"/>
+                </a:solidFill>
+                <a:miter lim="800000"/>
+                <a:headEnd/>
+                <a:tailEnd/>
+              </a14:hiddenLine>
+            </a:ext>
+          </a:extLst>
+        </p:spPr>
         <p:txBody>
           <a:bodyPr/>
           <a:lstStyle>
@@ -34084,10 +38416,10 @@
       </p:sp>
       <p:pic>
         <p:nvPicPr>
-          <p:cNvPr id="3" name="Рисунок 2">
+          <p:cNvPr id="10" name="Рисунок 9">
             <a:extLst>
               <a:ext uri="{FF2B5EF4-FFF2-40B4-BE49-F238E27FC236}">
-                <a16:creationId xmlns:a16="http://schemas.microsoft.com/office/drawing/2014/main" id="{A5CB4181-1992-4FFF-B393-CA13874D17ED}"/>
+                <a16:creationId xmlns:a16="http://schemas.microsoft.com/office/drawing/2014/main" id="{F60B2D5B-FA72-46BA-A4EE-E9DC6885829C}"/>
               </a:ext>
             </a:extLst>
           </p:cNvPr>
@@ -34095,7 +38427,7 @@
           <p:nvPr/>
         </p:nvPicPr>
         <p:blipFill>
-          <a:blip r:embed="rId2">
+          <a:blip r:embed="rId7">
             <a:extLst>
               <a:ext uri="{28A0092B-C50C-407E-A947-70E740481C1C}">
                 <a14:useLocalDpi xmlns:a14="http://schemas.microsoft.com/office/drawing/2010/main" val="0"/>
@@ -34123,10 +38455,10 @@
       </p:pic>
       <p:sp>
         <p:nvSpPr>
-          <p:cNvPr id="4" name="TextBox 3">
+          <p:cNvPr id="11" name="TextBox 10">
             <a:extLst>
               <a:ext uri="{FF2B5EF4-FFF2-40B4-BE49-F238E27FC236}">
-                <a16:creationId xmlns:a16="http://schemas.microsoft.com/office/drawing/2014/main" id="{6369867A-55AC-4E3C-973C-520AC13225AF}"/>
+                <a16:creationId xmlns:a16="http://schemas.microsoft.com/office/drawing/2014/main" id="{65F3D6DB-D930-4172-AA2F-0AA07429FFA3}"/>
               </a:ext>
             </a:extLst>
           </p:cNvPr>
@@ -34135,8 +38467,8 @@
         </p:nvSpPr>
         <p:spPr>
           <a:xfrm>
-            <a:off x="420329" y="5867399"/>
-            <a:ext cx="9065341" cy="707886"/>
+            <a:off x="481013" y="5867399"/>
+            <a:ext cx="9004657" cy="707886"/>
           </a:xfrm>
           <a:prstGeom prst="rect">
             <a:avLst/>
@@ -34181,15 +38513,15 @@
     </p:spTree>
     <p:extLst>
       <p:ext uri="{BB962C8B-B14F-4D97-AF65-F5344CB8AC3E}">
-        <p14:creationId xmlns:p14="http://schemas.microsoft.com/office/powerpoint/2010/main" val="3295702596"/>
+        <p14:creationId xmlns:p14="http://schemas.microsoft.com/office/powerpoint/2010/main" val="892807888"/>
       </p:ext>
     </p:extLst>
   </p:cSld>
   <p:clrMapOvr>
     <a:masterClrMapping/>
   </p:clrMapOvr>
-  <p:transition spd="slow" advClick="0" advTm="2000">
-    <p:cover dir="d"/>
+  <p:transition spd="slow">
+    <p:push dir="u"/>
   </p:transition>
 </p:sld>
 </file>
@@ -34513,8 +38845,8 @@
         </p:nvSpPr>
         <p:spPr bwMode="auto">
           <a:xfrm>
-            <a:off x="85780" y="127000"/>
-            <a:ext cx="284052" cy="523220"/>
+            <a:off x="89787" y="127000"/>
+            <a:ext cx="276038" cy="523220"/>
           </a:xfrm>
           <a:prstGeom prst="rect">
             <a:avLst/>
@@ -34666,7 +38998,7 @@
                 </a:solidFill>
                 <a:latin typeface="+mn-lt"/>
               </a:rPr>
-              <a:t>6</a:t>
+              <a:t>9</a:t>
             </a:r>
           </a:p>
           <a:p>

--- a/Стасик/Презентация диплома Костюк С. В. БПЦ 21-01.pptx
+++ b/Стасик/Презентация диплома Костюк С. В. БПЦ 21-01.pptx
@@ -19193,9 +19193,18 @@
   <p:clrMapOvr>
     <a:masterClrMapping/>
   </p:clrMapOvr>
-  <p:transition spd="slow">
-    <p:push dir="u"/>
-  </p:transition>
+  <mc:AlternateContent xmlns:mc="http://schemas.openxmlformats.org/markup-compatibility/2006">
+    <mc:Choice xmlns:p159="http://schemas.microsoft.com/office/powerpoint/2015/09/main" Requires="p159">
+      <p:transition spd="med">
+        <p159:morph option="byObject"/>
+      </p:transition>
+    </mc:Choice>
+    <mc:Fallback>
+      <p:transition spd="med">
+        <p:fade/>
+      </p:transition>
+    </mc:Fallback>
+  </mc:AlternateContent>
 </p:sld>
 </file>
 
@@ -22072,9 +22081,18 @@
   <p:clrMapOvr>
     <a:masterClrMapping/>
   </p:clrMapOvr>
-  <p:transition spd="slow">
-    <p:push dir="u"/>
-  </p:transition>
+  <mc:AlternateContent xmlns:mc="http://schemas.openxmlformats.org/markup-compatibility/2006">
+    <mc:Choice xmlns:p159="http://schemas.microsoft.com/office/powerpoint/2015/09/main" Requires="p159">
+      <p:transition spd="med">
+        <p159:morph option="byObject"/>
+      </p:transition>
+    </mc:Choice>
+    <mc:Fallback>
+      <p:transition spd="med">
+        <p:fade/>
+      </p:transition>
+    </mc:Fallback>
+  </mc:AlternateContent>
 </p:sld>
 </file>
 
@@ -22989,9 +23007,18 @@
   <p:clrMapOvr>
     <a:masterClrMapping/>
   </p:clrMapOvr>
-  <p:transition spd="slow">
-    <p:push dir="u"/>
-  </p:transition>
+  <mc:AlternateContent xmlns:mc="http://schemas.openxmlformats.org/markup-compatibility/2006">
+    <mc:Choice xmlns:p159="http://schemas.microsoft.com/office/powerpoint/2015/09/main" Requires="p159">
+      <p:transition spd="med">
+        <p159:morph option="byObject"/>
+      </p:transition>
+    </mc:Choice>
+    <mc:Fallback>
+      <p:transition spd="med">
+        <p:fade/>
+      </p:transition>
+    </mc:Fallback>
+  </mc:AlternateContent>
 </p:sld>
 </file>
 
@@ -23741,9 +23768,18 @@
   <p:clrMapOvr>
     <a:masterClrMapping/>
   </p:clrMapOvr>
-  <p:transition spd="slow">
-    <p:push dir="u"/>
-  </p:transition>
+  <mc:AlternateContent xmlns:mc="http://schemas.openxmlformats.org/markup-compatibility/2006">
+    <mc:Choice xmlns:p159="http://schemas.microsoft.com/office/powerpoint/2015/09/main" Requires="p159">
+      <p:transition spd="med">
+        <p159:morph option="byObject"/>
+      </p:transition>
+    </mc:Choice>
+    <mc:Fallback>
+      <p:transition spd="med">
+        <p:fade/>
+      </p:transition>
+    </mc:Fallback>
+  </mc:AlternateContent>
 </p:sld>
 </file>
 
@@ -24903,9 +24939,18 @@
   <p:clrMapOvr>
     <a:masterClrMapping/>
   </p:clrMapOvr>
-  <p:transition spd="slow">
-    <p:push dir="u"/>
-  </p:transition>
+  <mc:AlternateContent xmlns:mc="http://schemas.openxmlformats.org/markup-compatibility/2006">
+    <mc:Choice xmlns:p159="http://schemas.microsoft.com/office/powerpoint/2015/09/main" Requires="p159">
+      <p:transition spd="med">
+        <p159:morph option="byObject"/>
+      </p:transition>
+    </mc:Choice>
+    <mc:Fallback>
+      <p:transition spd="med">
+        <p:fade/>
+      </p:transition>
+    </mc:Fallback>
+  </mc:AlternateContent>
 </p:sld>
 </file>
 
@@ -26333,9 +26378,18 @@
   <p:clrMapOvr>
     <a:masterClrMapping/>
   </p:clrMapOvr>
-  <p:transition spd="slow">
-    <p:push dir="u"/>
-  </p:transition>
+  <mc:AlternateContent xmlns:mc="http://schemas.openxmlformats.org/markup-compatibility/2006">
+    <mc:Choice xmlns:p159="http://schemas.microsoft.com/office/powerpoint/2015/09/main" Requires="p159">
+      <p:transition spd="med">
+        <p159:morph option="byObject"/>
+      </p:transition>
+    </mc:Choice>
+    <mc:Fallback>
+      <p:transition spd="med">
+        <p:fade/>
+      </p:transition>
+    </mc:Fallback>
+  </mc:AlternateContent>
 </p:sld>
 </file>
 
@@ -27279,9 +27333,18 @@
   <p:clrMapOvr>
     <a:masterClrMapping/>
   </p:clrMapOvr>
-  <p:transition spd="slow">
-    <p:push dir="u"/>
-  </p:transition>
+  <mc:AlternateContent xmlns:mc="http://schemas.openxmlformats.org/markup-compatibility/2006">
+    <mc:Choice xmlns:p159="http://schemas.microsoft.com/office/powerpoint/2015/09/main" Requires="p159">
+      <p:transition spd="med">
+        <p159:morph option="byObject"/>
+      </p:transition>
+    </mc:Choice>
+    <mc:Fallback>
+      <p:transition spd="med">
+        <p:fade/>
+      </p:transition>
+    </mc:Fallback>
+  </mc:AlternateContent>
 </p:sld>
 </file>
 
@@ -28513,9 +28576,18 @@
   <p:clrMapOvr>
     <a:masterClrMapping/>
   </p:clrMapOvr>
-  <p:transition spd="slow">
-    <p:push dir="u"/>
-  </p:transition>
+  <mc:AlternateContent xmlns:mc="http://schemas.openxmlformats.org/markup-compatibility/2006">
+    <mc:Choice xmlns:p159="http://schemas.microsoft.com/office/powerpoint/2015/09/main" Requires="p159">
+      <p:transition spd="med">
+        <p159:morph option="byObject"/>
+      </p:transition>
+    </mc:Choice>
+    <mc:Fallback>
+      <p:transition spd="med">
+        <p:fade/>
+      </p:transition>
+    </mc:Fallback>
+  </mc:AlternateContent>
 </p:sld>
 </file>
 
@@ -29323,9 +29395,18 @@
   <p:clrMapOvr>
     <a:masterClrMapping/>
   </p:clrMapOvr>
-  <p:transition spd="slow">
-    <p:push dir="u"/>
-  </p:transition>
+  <mc:AlternateContent xmlns:mc="http://schemas.openxmlformats.org/markup-compatibility/2006">
+    <mc:Choice xmlns:p159="http://schemas.microsoft.com/office/powerpoint/2015/09/main" Requires="p159">
+      <p:transition spd="med">
+        <p159:morph option="byObject"/>
+      </p:transition>
+    </mc:Choice>
+    <mc:Fallback>
+      <p:transition spd="med">
+        <p:fade/>
+      </p:transition>
+    </mc:Fallback>
+  </mc:AlternateContent>
 </p:sld>
 </file>
 
@@ -30421,9 +30502,18 @@
   <p:clrMapOvr>
     <a:masterClrMapping/>
   </p:clrMapOvr>
-  <p:transition spd="slow">
-    <p:push dir="u"/>
-  </p:transition>
+  <mc:AlternateContent xmlns:mc="http://schemas.openxmlformats.org/markup-compatibility/2006">
+    <mc:Choice xmlns:p159="http://schemas.microsoft.com/office/powerpoint/2015/09/main" Requires="p159">
+      <p:transition spd="med">
+        <p159:morph option="byObject"/>
+      </p:transition>
+    </mc:Choice>
+    <mc:Fallback>
+      <p:transition spd="med">
+        <p:fade/>
+      </p:transition>
+    </mc:Fallback>
+  </mc:AlternateContent>
 </p:sld>
 </file>
 
@@ -31528,9 +31618,18 @@
   <p:clrMapOvr>
     <a:masterClrMapping/>
   </p:clrMapOvr>
-  <p:transition spd="slow">
-    <p:push dir="u"/>
-  </p:transition>
+  <mc:AlternateContent xmlns:mc="http://schemas.openxmlformats.org/markup-compatibility/2006">
+    <mc:Choice xmlns:p159="http://schemas.microsoft.com/office/powerpoint/2015/09/main" Requires="p159">
+      <p:transition spd="med">
+        <p159:morph option="byObject"/>
+      </p:transition>
+    </mc:Choice>
+    <mc:Fallback>
+      <p:transition spd="med">
+        <p:fade/>
+      </p:transition>
+    </mc:Fallback>
+  </mc:AlternateContent>
 </p:sld>
 </file>
 
@@ -32715,9 +32814,18 @@
   <p:clrMapOvr>
     <a:masterClrMapping/>
   </p:clrMapOvr>
-  <p:transition spd="slow">
-    <p:push dir="u"/>
-  </p:transition>
+  <mc:AlternateContent xmlns:mc="http://schemas.openxmlformats.org/markup-compatibility/2006">
+    <mc:Choice xmlns:p159="http://schemas.microsoft.com/office/powerpoint/2015/09/main" Requires="p159">
+      <p:transition spd="med">
+        <p159:morph option="byObject"/>
+      </p:transition>
+    </mc:Choice>
+    <mc:Fallback>
+      <p:transition spd="med">
+        <p:fade/>
+      </p:transition>
+    </mc:Fallback>
+  </mc:AlternateContent>
 </p:sld>
 </file>
 
@@ -35961,9 +36069,18 @@
   <p:clrMapOvr>
     <a:masterClrMapping/>
   </p:clrMapOvr>
-  <p:transition spd="slow">
-    <p:push dir="u"/>
-  </p:transition>
+  <mc:AlternateContent xmlns:mc="http://schemas.openxmlformats.org/markup-compatibility/2006">
+    <mc:Choice xmlns:p159="http://schemas.microsoft.com/office/powerpoint/2015/09/main" Requires="p159">
+      <p:transition spd="med">
+        <p159:morph option="byObject"/>
+      </p:transition>
+    </mc:Choice>
+    <mc:Fallback>
+      <p:transition spd="med">
+        <p:fade/>
+      </p:transition>
+    </mc:Fallback>
+  </mc:AlternateContent>
 </p:sld>
 </file>
 
@@ -37001,9 +37118,18 @@
   <p:clrMapOvr>
     <a:masterClrMapping/>
   </p:clrMapOvr>
-  <p:transition spd="slow">
-    <p:push dir="u"/>
-  </p:transition>
+  <mc:AlternateContent xmlns:mc="http://schemas.openxmlformats.org/markup-compatibility/2006">
+    <mc:Choice xmlns:p159="http://schemas.microsoft.com/office/powerpoint/2015/09/main" Requires="p159">
+      <p:transition spd="med">
+        <p159:morph option="byObject"/>
+      </p:transition>
+    </mc:Choice>
+    <mc:Fallback>
+      <p:transition spd="med">
+        <p:fade/>
+      </p:transition>
+    </mc:Fallback>
+  </mc:AlternateContent>
 </p:sld>
 </file>
 
@@ -37757,9 +37883,18 @@
   <p:clrMapOvr>
     <a:masterClrMapping/>
   </p:clrMapOvr>
-  <p:transition spd="slow">
-    <p:push dir="u"/>
-  </p:transition>
+  <mc:AlternateContent xmlns:mc="http://schemas.openxmlformats.org/markup-compatibility/2006">
+    <mc:Choice xmlns:p159="http://schemas.microsoft.com/office/powerpoint/2015/09/main" Requires="p159">
+      <p:transition spd="med">
+        <p159:morph option="byObject"/>
+      </p:transition>
+    </mc:Choice>
+    <mc:Fallback>
+      <p:transition spd="med">
+        <p:fade/>
+      </p:transition>
+    </mc:Fallback>
+  </mc:AlternateContent>
 </p:sld>
 </file>
 
@@ -38520,9 +38655,18 @@
   <p:clrMapOvr>
     <a:masterClrMapping/>
   </p:clrMapOvr>
-  <p:transition spd="slow">
-    <p:push dir="u"/>
-  </p:transition>
+  <mc:AlternateContent xmlns:mc="http://schemas.openxmlformats.org/markup-compatibility/2006">
+    <mc:Choice xmlns:p159="http://schemas.microsoft.com/office/powerpoint/2015/09/main" Requires="p159">
+      <p:transition spd="med">
+        <p159:morph option="byObject"/>
+      </p:transition>
+    </mc:Choice>
+    <mc:Fallback>
+      <p:transition spd="med">
+        <p:fade/>
+      </p:transition>
+    </mc:Fallback>
+  </mc:AlternateContent>
 </p:sld>
 </file>
 
@@ -39878,9 +40022,18 @@
   <p:clrMapOvr>
     <a:masterClrMapping/>
   </p:clrMapOvr>
-  <p:transition spd="slow">
-    <p:push dir="u"/>
-  </p:transition>
+  <mc:AlternateContent xmlns:mc="http://schemas.openxmlformats.org/markup-compatibility/2006">
+    <mc:Choice xmlns:p159="http://schemas.microsoft.com/office/powerpoint/2015/09/main" Requires="p159">
+      <p:transition spd="med">
+        <p159:morph option="byObject"/>
+      </p:transition>
+    </mc:Choice>
+    <mc:Fallback>
+      <p:transition spd="med">
+        <p:fade/>
+      </p:transition>
+    </mc:Fallback>
+  </mc:AlternateContent>
 </p:sld>
 </file>
 
